--- a/docs/design.pptx
+++ b/docs/design.pptx
@@ -3,13 +3,14 @@
 <p:presentation xmlns:a="http://schemas.openxmlformats.org/drawingml/2006/main" xmlns:p="http://schemas.openxmlformats.org/presentationml/2006/main" xmlns:r="http://schemas.openxmlformats.org/officeDocument/2006/relationships" xmlns:p14="http://schemas.microsoft.com/office/powerpoint/2010/main" xmlns:p15="http://schemas.microsoft.com/office/powerpoint/2012/main" xmlns:mc="http://schemas.openxmlformats.org/markup-compatibility/2006">
   <p:sldMasterIdLst>
     <p:sldMasterId id="2147483648" r:id="rId2"/>
+    <p:sldMasterId id="2147483661" r:id="rId3"/>
   </p:sldMasterIdLst>
   <p:sldIdLst>
-    <p:sldId id="256" r:id="rId3"/>
-    <p:sldId id="257" r:id="rId4"/>
-    <p:sldId id="258" r:id="rId5"/>
-    <p:sldId id="259" r:id="rId6"/>
-    <p:sldId id="260" r:id="rId7"/>
+    <p:sldId id="256" r:id="rId4"/>
+    <p:sldId id="257" r:id="rId5"/>
+    <p:sldId id="258" r:id="rId6"/>
+    <p:sldId id="259" r:id="rId7"/>
+    <p:sldId id="260" r:id="rId8"/>
   </p:sldIdLst>
   <p:sldSz cx="10080625" cy="5670550"/>
   <p:notesSz cx="7772400" cy="10058400"/>
@@ -40,7 +41,7 @@
             <a:spLocks noGrp="1"/>
           </p:cNvSpPr>
           <p:nvPr>
-            <p:ph type="ftr" idx="2"/>
+            <p:ph type="ftr" idx="1"/>
           </p:nvPr>
         </p:nvSpPr>
         <p:spPr/>
@@ -60,14 +61,14 @@
             <a:spLocks noGrp="1"/>
           </p:cNvSpPr>
           <p:nvPr>
-            <p:ph type="sldNum" idx="3"/>
+            <p:ph type="sldNum" idx="2"/>
           </p:nvPr>
         </p:nvSpPr>
         <p:spPr/>
         <p:txBody>
           <a:bodyPr/>
           <a:p>
-            <a:fld id="{ED73455D-2061-4B7A-AF59-6D7CE53E0B2F}" type="slidenum">
+            <a:fld id="{E5954EF6-A8E6-4FD7-8F0C-9AE949AE4FEC}" type="slidenum">
               <a:t>&lt;#&gt;</a:t>
             </a:fld>
           </a:p>
@@ -80,7 +81,7 @@
             <a:spLocks noGrp="1"/>
           </p:cNvSpPr>
           <p:nvPr>
-            <p:ph type="dt" idx="1"/>
+            <p:ph type="dt" idx="3"/>
           </p:nvPr>
         </p:nvSpPr>
         <p:spPr/>
@@ -129,7 +130,7 @@
         <p:spPr>
           <a:xfrm>
             <a:off x="504000" y="226080"/>
-            <a:ext cx="9071640" cy="946440"/>
+            <a:ext cx="9071280" cy="946080"/>
           </a:xfrm>
           <a:prstGeom prst="rect">
             <a:avLst/>
@@ -166,7 +167,7 @@
         <p:spPr>
           <a:xfrm>
             <a:off x="504000" y="1326600"/>
-            <a:ext cx="9071640" cy="1568160"/>
+            <a:ext cx="9071280" cy="1568160"/>
           </a:xfrm>
           <a:prstGeom prst="rect">
             <a:avLst/>
@@ -200,7 +201,7 @@
         <p:spPr>
           <a:xfrm>
             <a:off x="504000" y="3044160"/>
-            <a:ext cx="9071640" cy="1568160"/>
+            <a:ext cx="9071280" cy="1568160"/>
           </a:xfrm>
           <a:prstGeom prst="rect">
             <a:avLst/>
@@ -228,7 +229,7 @@
             <a:spLocks noGrp="1"/>
           </p:cNvSpPr>
           <p:nvPr>
-            <p:ph type="ftr" idx="2"/>
+            <p:ph type="ftr" idx="1"/>
           </p:nvPr>
         </p:nvSpPr>
         <p:spPr/>
@@ -248,14 +249,14 @@
             <a:spLocks noGrp="1"/>
           </p:cNvSpPr>
           <p:nvPr>
-            <p:ph type="sldNum" idx="3"/>
+            <p:ph type="sldNum" idx="2"/>
           </p:nvPr>
         </p:nvSpPr>
         <p:spPr/>
         <p:txBody>
           <a:bodyPr/>
           <a:p>
-            <a:fld id="{ACF82841-9DA3-448C-A57F-E99B67873757}" type="slidenum">
+            <a:fld id="{46CC977E-32E7-49D7-9778-C9853600E142}" type="slidenum">
               <a:t>&lt;#&gt;</a:t>
             </a:fld>
           </a:p>
@@ -268,7 +269,7 @@
             <a:spLocks noGrp="1"/>
           </p:cNvSpPr>
           <p:nvPr>
-            <p:ph type="dt" idx="1"/>
+            <p:ph type="dt" idx="3"/>
           </p:nvPr>
         </p:nvSpPr>
         <p:spPr/>
@@ -317,7 +318,7 @@
         <p:spPr>
           <a:xfrm>
             <a:off x="504000" y="226080"/>
-            <a:ext cx="9071640" cy="946440"/>
+            <a:ext cx="9071280" cy="946080"/>
           </a:xfrm>
           <a:prstGeom prst="rect">
             <a:avLst/>
@@ -354,7 +355,7 @@
         <p:spPr>
           <a:xfrm>
             <a:off x="504000" y="1326600"/>
-            <a:ext cx="4426920" cy="1568160"/>
+            <a:ext cx="4426560" cy="1568160"/>
           </a:xfrm>
           <a:prstGeom prst="rect">
             <a:avLst/>
@@ -387,8 +388,8 @@
         </p:nvSpPr>
         <p:spPr>
           <a:xfrm>
-            <a:off x="5152680" y="1326600"/>
-            <a:ext cx="4426920" cy="1568160"/>
+            <a:off x="5152320" y="1326600"/>
+            <a:ext cx="4426560" cy="1568160"/>
           </a:xfrm>
           <a:prstGeom prst="rect">
             <a:avLst/>
@@ -422,7 +423,7 @@
         <p:spPr>
           <a:xfrm>
             <a:off x="504000" y="3044160"/>
-            <a:ext cx="4426920" cy="1568160"/>
+            <a:ext cx="4426560" cy="1568160"/>
           </a:xfrm>
           <a:prstGeom prst="rect">
             <a:avLst/>
@@ -455,8 +456,8 @@
         </p:nvSpPr>
         <p:spPr>
           <a:xfrm>
-            <a:off x="5152680" y="3044160"/>
-            <a:ext cx="4426920" cy="1568160"/>
+            <a:off x="5152320" y="3044160"/>
+            <a:ext cx="4426560" cy="1568160"/>
           </a:xfrm>
           <a:prstGeom prst="rect">
             <a:avLst/>
@@ -484,7 +485,7 @@
             <a:spLocks noGrp="1"/>
           </p:cNvSpPr>
           <p:nvPr>
-            <p:ph type="ftr" idx="2"/>
+            <p:ph type="ftr" idx="1"/>
           </p:nvPr>
         </p:nvSpPr>
         <p:spPr/>
@@ -504,14 +505,14 @@
             <a:spLocks noGrp="1"/>
           </p:cNvSpPr>
           <p:nvPr>
-            <p:ph type="sldNum" idx="3"/>
+            <p:ph type="sldNum" idx="2"/>
           </p:nvPr>
         </p:nvSpPr>
         <p:spPr/>
         <p:txBody>
           <a:bodyPr/>
           <a:p>
-            <a:fld id="{1259749E-0FCD-4396-BD8D-45F88A798E0A}" type="slidenum">
+            <a:fld id="{06AF74C9-8C48-40CD-877A-4B71E190A3F1}" type="slidenum">
               <a:t>&lt;#&gt;</a:t>
             </a:fld>
           </a:p>
@@ -524,7 +525,7 @@
             <a:spLocks noGrp="1"/>
           </p:cNvSpPr>
           <p:nvPr>
-            <p:ph type="dt" idx="1"/>
+            <p:ph type="dt" idx="3"/>
           </p:nvPr>
         </p:nvSpPr>
         <p:spPr/>
@@ -573,7 +574,7 @@
         <p:spPr>
           <a:xfrm>
             <a:off x="504000" y="226080"/>
-            <a:ext cx="9071640" cy="946440"/>
+            <a:ext cx="9071280" cy="946080"/>
           </a:xfrm>
           <a:prstGeom prst="rect">
             <a:avLst/>
@@ -808,7 +809,7 @@
             <a:spLocks noGrp="1"/>
           </p:cNvSpPr>
           <p:nvPr>
-            <p:ph type="ftr" idx="2"/>
+            <p:ph type="ftr" idx="1"/>
           </p:nvPr>
         </p:nvSpPr>
         <p:spPr/>
@@ -828,14 +829,14 @@
             <a:spLocks noGrp="1"/>
           </p:cNvSpPr>
           <p:nvPr>
-            <p:ph type="sldNum" idx="3"/>
+            <p:ph type="sldNum" idx="2"/>
           </p:nvPr>
         </p:nvSpPr>
         <p:spPr/>
         <p:txBody>
           <a:bodyPr/>
           <a:p>
-            <a:fld id="{03257A6D-5181-4817-839E-62050544EE49}" type="slidenum">
+            <a:fld id="{CD12535A-113E-4C3F-A15C-49B93A498C2D}" type="slidenum">
               <a:t>&lt;#&gt;</a:t>
             </a:fld>
           </a:p>
@@ -848,7 +849,1051 @@
             <a:spLocks noGrp="1"/>
           </p:cNvSpPr>
           <p:nvPr>
-            <p:ph type="dt" idx="1"/>
+            <p:ph type="dt" idx="3"/>
+          </p:nvPr>
+        </p:nvSpPr>
+        <p:spPr/>
+        <p:txBody>
+          <a:bodyPr/>
+          <a:p>
+            <a:r>
+              <a:rPr lang="en-US"/>
+              <a:t/>
+            </a:r>
+          </a:p>
+        </p:txBody>
+      </p:sp>
+    </p:spTree>
+  </p:cSld>
+</p:sldLayout>
+</file>
+
+<file path=ppt/slideLayouts/slideLayout13.xml><?xml version="1.0" encoding="utf-8"?>
+<p:sldLayout xmlns:a="http://schemas.openxmlformats.org/drawingml/2006/main" xmlns:p="http://schemas.openxmlformats.org/presentationml/2006/main" xmlns:r="http://schemas.openxmlformats.org/officeDocument/2006/relationships" xmlns:p14="http://schemas.microsoft.com/office/powerpoint/2010/main" xmlns:p15="http://schemas.microsoft.com/office/powerpoint/2012/main" xmlns:mc="http://schemas.openxmlformats.org/markup-compatibility/2006" type="blank" preserve="1">
+  <p:cSld name="Blank Slide">
+    <p:spTree>
+      <p:nvGrpSpPr>
+        <p:cNvPr id="1" name=""/>
+        <p:cNvGrpSpPr/>
+        <p:nvPr/>
+      </p:nvGrpSpPr>
+      <p:grpSpPr>
+        <a:xfrm>
+          <a:off x="0" y="0"/>
+          <a:ext cx="0" cy="0"/>
+          <a:chOff x="0" y="0"/>
+          <a:chExt cx="0" cy="0"/>
+        </a:xfrm>
+      </p:grpSpPr>
+      <p:sp>
+        <p:nvSpPr>
+          <p:cNvPr id="2" name="PlaceHolder 1"/>
+          <p:cNvSpPr>
+            <a:spLocks noGrp="1"/>
+          </p:cNvSpPr>
+          <p:nvPr>
+            <p:ph type="ftr" idx="4"/>
+          </p:nvPr>
+        </p:nvSpPr>
+        <p:spPr/>
+        <p:txBody>
+          <a:bodyPr/>
+          <a:p>
+            <a:r>
+              <a:t>Footer</a:t>
+            </a:r>
+          </a:p>
+        </p:txBody>
+      </p:sp>
+      <p:sp>
+        <p:nvSpPr>
+          <p:cNvPr id="3" name="PlaceHolder 2"/>
+          <p:cNvSpPr>
+            <a:spLocks noGrp="1"/>
+          </p:cNvSpPr>
+          <p:nvPr>
+            <p:ph type="sldNum" idx="5"/>
+          </p:nvPr>
+        </p:nvSpPr>
+        <p:spPr/>
+        <p:txBody>
+          <a:bodyPr/>
+          <a:p>
+            <a:fld id="{FA9A0A2E-56E4-498D-9467-E3742FD06D96}" type="slidenum">
+              <a:t>&lt;#&gt;</a:t>
+            </a:fld>
+          </a:p>
+        </p:txBody>
+      </p:sp>
+      <p:sp>
+        <p:nvSpPr>
+          <p:cNvPr id="4" name="PlaceHolder 3"/>
+          <p:cNvSpPr>
+            <a:spLocks noGrp="1"/>
+          </p:cNvSpPr>
+          <p:nvPr>
+            <p:ph type="dt" idx="6"/>
+          </p:nvPr>
+        </p:nvSpPr>
+        <p:spPr/>
+        <p:txBody>
+          <a:bodyPr/>
+          <a:p>
+            <a:r>
+              <a:rPr lang="en-US"/>
+              <a:t/>
+            </a:r>
+          </a:p>
+        </p:txBody>
+      </p:sp>
+    </p:spTree>
+  </p:cSld>
+</p:sldLayout>
+</file>
+
+<file path=ppt/slideLayouts/slideLayout14.xml><?xml version="1.0" encoding="utf-8"?>
+<p:sldLayout xmlns:a="http://schemas.openxmlformats.org/drawingml/2006/main" xmlns:p="http://schemas.openxmlformats.org/presentationml/2006/main" xmlns:r="http://schemas.openxmlformats.org/officeDocument/2006/relationships" xmlns:p14="http://schemas.microsoft.com/office/powerpoint/2010/main" xmlns:p15="http://schemas.microsoft.com/office/powerpoint/2012/main" xmlns:mc="http://schemas.openxmlformats.org/markup-compatibility/2006" type="tx" preserve="1">
+  <p:cSld name="Title Slide">
+    <p:spTree>
+      <p:nvGrpSpPr>
+        <p:cNvPr id="1" name=""/>
+        <p:cNvGrpSpPr/>
+        <p:nvPr/>
+      </p:nvGrpSpPr>
+      <p:grpSpPr>
+        <a:xfrm>
+          <a:off x="0" y="0"/>
+          <a:ext cx="0" cy="0"/>
+          <a:chOff x="0" y="0"/>
+          <a:chExt cx="0" cy="0"/>
+        </a:xfrm>
+      </p:grpSpPr>
+      <p:sp>
+        <p:nvSpPr>
+          <p:cNvPr id="46" name="PlaceHolder 1"/>
+          <p:cNvSpPr>
+            <a:spLocks noGrp="1"/>
+          </p:cNvSpPr>
+          <p:nvPr>
+            <p:ph type="title"/>
+          </p:nvPr>
+        </p:nvSpPr>
+        <p:spPr>
+          <a:xfrm>
+            <a:off x="504000" y="226080"/>
+            <a:ext cx="9071280" cy="946080"/>
+          </a:xfrm>
+          <a:prstGeom prst="rect">
+            <a:avLst/>
+          </a:prstGeom>
+          <a:noFill/>
+          <a:ln w="0">
+            <a:noFill/>
+          </a:ln>
+        </p:spPr>
+        <p:txBody>
+          <a:bodyPr lIns="0" rIns="0" tIns="0" bIns="0" anchor="ctr">
+            <a:noAutofit/>
+          </a:bodyPr>
+          <a:p>
+            <a:pPr algn="ctr">
+              <a:buNone/>
+            </a:pPr>
+            <a:endParaRPr b="0" lang="en-US" sz="4400" spc="-1" strike="noStrike">
+              <a:latin typeface="Arial"/>
+            </a:endParaRPr>
+          </a:p>
+        </p:txBody>
+      </p:sp>
+      <p:sp>
+        <p:nvSpPr>
+          <p:cNvPr id="47" name="PlaceHolder 2"/>
+          <p:cNvSpPr>
+            <a:spLocks noGrp="1"/>
+          </p:cNvSpPr>
+          <p:nvPr>
+            <p:ph type="subTitle"/>
+          </p:nvPr>
+        </p:nvSpPr>
+        <p:spPr>
+          <a:xfrm>
+            <a:off x="504000" y="1326600"/>
+            <a:ext cx="9071280" cy="3287880"/>
+          </a:xfrm>
+          <a:prstGeom prst="rect">
+            <a:avLst/>
+          </a:prstGeom>
+          <a:noFill/>
+          <a:ln w="0">
+            <a:noFill/>
+          </a:ln>
+        </p:spPr>
+        <p:txBody>
+          <a:bodyPr lIns="0" rIns="0" tIns="0" bIns="0" anchor="ctr">
+            <a:noAutofit/>
+          </a:bodyPr>
+          <a:p>
+            <a:pPr algn="ctr">
+              <a:buNone/>
+            </a:pPr>
+            <a:endParaRPr b="0" lang="en-US" sz="3200" spc="-1" strike="noStrike">
+              <a:latin typeface="Arial"/>
+            </a:endParaRPr>
+          </a:p>
+        </p:txBody>
+      </p:sp>
+      <p:sp>
+        <p:nvSpPr>
+          <p:cNvPr id="4" name="PlaceHolder 3"/>
+          <p:cNvSpPr>
+            <a:spLocks noGrp="1"/>
+          </p:cNvSpPr>
+          <p:nvPr>
+            <p:ph type="ftr" idx="4"/>
+          </p:nvPr>
+        </p:nvSpPr>
+        <p:spPr/>
+        <p:txBody>
+          <a:bodyPr/>
+          <a:p>
+            <a:r>
+              <a:t>Footer</a:t>
+            </a:r>
+          </a:p>
+        </p:txBody>
+      </p:sp>
+      <p:sp>
+        <p:nvSpPr>
+          <p:cNvPr id="5" name="PlaceHolder 4"/>
+          <p:cNvSpPr>
+            <a:spLocks noGrp="1"/>
+          </p:cNvSpPr>
+          <p:nvPr>
+            <p:ph type="sldNum" idx="5"/>
+          </p:nvPr>
+        </p:nvSpPr>
+        <p:spPr/>
+        <p:txBody>
+          <a:bodyPr/>
+          <a:p>
+            <a:fld id="{7DC3B23E-5BEB-430F-8F9B-563F4571D624}" type="slidenum">
+              <a:t>&lt;#&gt;</a:t>
+            </a:fld>
+          </a:p>
+        </p:txBody>
+      </p:sp>
+      <p:sp>
+        <p:nvSpPr>
+          <p:cNvPr id="6" name="PlaceHolder 5"/>
+          <p:cNvSpPr>
+            <a:spLocks noGrp="1"/>
+          </p:cNvSpPr>
+          <p:nvPr>
+            <p:ph type="dt" idx="6"/>
+          </p:nvPr>
+        </p:nvSpPr>
+        <p:spPr/>
+        <p:txBody>
+          <a:bodyPr/>
+          <a:p>
+            <a:r>
+              <a:rPr lang="en-US"/>
+              <a:t/>
+            </a:r>
+          </a:p>
+        </p:txBody>
+      </p:sp>
+    </p:spTree>
+  </p:cSld>
+</p:sldLayout>
+</file>
+
+<file path=ppt/slideLayouts/slideLayout15.xml><?xml version="1.0" encoding="utf-8"?>
+<p:sldLayout xmlns:a="http://schemas.openxmlformats.org/drawingml/2006/main" xmlns:p="http://schemas.openxmlformats.org/presentationml/2006/main" xmlns:r="http://schemas.openxmlformats.org/officeDocument/2006/relationships" xmlns:p14="http://schemas.microsoft.com/office/powerpoint/2010/main" xmlns:p15="http://schemas.microsoft.com/office/powerpoint/2012/main" xmlns:mc="http://schemas.openxmlformats.org/markup-compatibility/2006" type="obj" preserve="1">
+  <p:cSld name="Title, Content">
+    <p:spTree>
+      <p:nvGrpSpPr>
+        <p:cNvPr id="1" name=""/>
+        <p:cNvGrpSpPr/>
+        <p:nvPr/>
+      </p:nvGrpSpPr>
+      <p:grpSpPr>
+        <a:xfrm>
+          <a:off x="0" y="0"/>
+          <a:ext cx="0" cy="0"/>
+          <a:chOff x="0" y="0"/>
+          <a:chExt cx="0" cy="0"/>
+        </a:xfrm>
+      </p:grpSpPr>
+      <p:sp>
+        <p:nvSpPr>
+          <p:cNvPr id="48" name="PlaceHolder 1"/>
+          <p:cNvSpPr>
+            <a:spLocks noGrp="1"/>
+          </p:cNvSpPr>
+          <p:nvPr>
+            <p:ph type="title"/>
+          </p:nvPr>
+        </p:nvSpPr>
+        <p:spPr>
+          <a:xfrm>
+            <a:off x="504000" y="226080"/>
+            <a:ext cx="9071280" cy="946080"/>
+          </a:xfrm>
+          <a:prstGeom prst="rect">
+            <a:avLst/>
+          </a:prstGeom>
+          <a:noFill/>
+          <a:ln w="0">
+            <a:noFill/>
+          </a:ln>
+        </p:spPr>
+        <p:txBody>
+          <a:bodyPr lIns="0" rIns="0" tIns="0" bIns="0" anchor="ctr">
+            <a:noAutofit/>
+          </a:bodyPr>
+          <a:p>
+            <a:pPr algn="ctr">
+              <a:buNone/>
+            </a:pPr>
+            <a:endParaRPr b="0" lang="en-US" sz="4400" spc="-1" strike="noStrike">
+              <a:latin typeface="Arial"/>
+            </a:endParaRPr>
+          </a:p>
+        </p:txBody>
+      </p:sp>
+      <p:sp>
+        <p:nvSpPr>
+          <p:cNvPr id="49" name="PlaceHolder 2"/>
+          <p:cNvSpPr>
+            <a:spLocks noGrp="1"/>
+          </p:cNvSpPr>
+          <p:nvPr>
+            <p:ph/>
+          </p:nvPr>
+        </p:nvSpPr>
+        <p:spPr>
+          <a:xfrm>
+            <a:off x="504000" y="1326600"/>
+            <a:ext cx="9071280" cy="3287880"/>
+          </a:xfrm>
+          <a:prstGeom prst="rect">
+            <a:avLst/>
+          </a:prstGeom>
+          <a:noFill/>
+          <a:ln w="0">
+            <a:noFill/>
+          </a:ln>
+        </p:spPr>
+        <p:txBody>
+          <a:bodyPr lIns="0" rIns="0" tIns="0" bIns="0" anchor="t">
+            <a:normAutofit/>
+          </a:bodyPr>
+          <a:p>
+            <a:endParaRPr b="0" lang="en-US" sz="3200" spc="-1" strike="noStrike">
+              <a:latin typeface="Arial"/>
+            </a:endParaRPr>
+          </a:p>
+        </p:txBody>
+      </p:sp>
+      <p:sp>
+        <p:nvSpPr>
+          <p:cNvPr id="4" name="PlaceHolder 3"/>
+          <p:cNvSpPr>
+            <a:spLocks noGrp="1"/>
+          </p:cNvSpPr>
+          <p:nvPr>
+            <p:ph type="ftr" idx="4"/>
+          </p:nvPr>
+        </p:nvSpPr>
+        <p:spPr/>
+        <p:txBody>
+          <a:bodyPr/>
+          <a:p>
+            <a:r>
+              <a:t>Footer</a:t>
+            </a:r>
+          </a:p>
+        </p:txBody>
+      </p:sp>
+      <p:sp>
+        <p:nvSpPr>
+          <p:cNvPr id="5" name="PlaceHolder 4"/>
+          <p:cNvSpPr>
+            <a:spLocks noGrp="1"/>
+          </p:cNvSpPr>
+          <p:nvPr>
+            <p:ph type="sldNum" idx="5"/>
+          </p:nvPr>
+        </p:nvSpPr>
+        <p:spPr/>
+        <p:txBody>
+          <a:bodyPr/>
+          <a:p>
+            <a:fld id="{A2FCB2AF-FC5E-46D1-83C1-7CF64C2010CD}" type="slidenum">
+              <a:t>&lt;#&gt;</a:t>
+            </a:fld>
+          </a:p>
+        </p:txBody>
+      </p:sp>
+      <p:sp>
+        <p:nvSpPr>
+          <p:cNvPr id="6" name="PlaceHolder 5"/>
+          <p:cNvSpPr>
+            <a:spLocks noGrp="1"/>
+          </p:cNvSpPr>
+          <p:nvPr>
+            <p:ph type="dt" idx="6"/>
+          </p:nvPr>
+        </p:nvSpPr>
+        <p:spPr/>
+        <p:txBody>
+          <a:bodyPr/>
+          <a:p>
+            <a:r>
+              <a:rPr lang="en-US"/>
+              <a:t/>
+            </a:r>
+          </a:p>
+        </p:txBody>
+      </p:sp>
+    </p:spTree>
+  </p:cSld>
+</p:sldLayout>
+</file>
+
+<file path=ppt/slideLayouts/slideLayout16.xml><?xml version="1.0" encoding="utf-8"?>
+<p:sldLayout xmlns:a="http://schemas.openxmlformats.org/drawingml/2006/main" xmlns:p="http://schemas.openxmlformats.org/presentationml/2006/main" xmlns:r="http://schemas.openxmlformats.org/officeDocument/2006/relationships" xmlns:p14="http://schemas.microsoft.com/office/powerpoint/2010/main" xmlns:p15="http://schemas.microsoft.com/office/powerpoint/2012/main" xmlns:mc="http://schemas.openxmlformats.org/markup-compatibility/2006" type="twoObj" preserve="1">
+  <p:cSld name="Title, 2 Content">
+    <p:spTree>
+      <p:nvGrpSpPr>
+        <p:cNvPr id="1" name=""/>
+        <p:cNvGrpSpPr/>
+        <p:nvPr/>
+      </p:nvGrpSpPr>
+      <p:grpSpPr>
+        <a:xfrm>
+          <a:off x="0" y="0"/>
+          <a:ext cx="0" cy="0"/>
+          <a:chOff x="0" y="0"/>
+          <a:chExt cx="0" cy="0"/>
+        </a:xfrm>
+      </p:grpSpPr>
+      <p:sp>
+        <p:nvSpPr>
+          <p:cNvPr id="50" name="PlaceHolder 1"/>
+          <p:cNvSpPr>
+            <a:spLocks noGrp="1"/>
+          </p:cNvSpPr>
+          <p:nvPr>
+            <p:ph type="title"/>
+          </p:nvPr>
+        </p:nvSpPr>
+        <p:spPr>
+          <a:xfrm>
+            <a:off x="504000" y="226080"/>
+            <a:ext cx="9071280" cy="946080"/>
+          </a:xfrm>
+          <a:prstGeom prst="rect">
+            <a:avLst/>
+          </a:prstGeom>
+          <a:noFill/>
+          <a:ln w="0">
+            <a:noFill/>
+          </a:ln>
+        </p:spPr>
+        <p:txBody>
+          <a:bodyPr lIns="0" rIns="0" tIns="0" bIns="0" anchor="ctr">
+            <a:noAutofit/>
+          </a:bodyPr>
+          <a:p>
+            <a:pPr algn="ctr">
+              <a:buNone/>
+            </a:pPr>
+            <a:endParaRPr b="0" lang="en-US" sz="4400" spc="-1" strike="noStrike">
+              <a:latin typeface="Arial"/>
+            </a:endParaRPr>
+          </a:p>
+        </p:txBody>
+      </p:sp>
+      <p:sp>
+        <p:nvSpPr>
+          <p:cNvPr id="51" name="PlaceHolder 2"/>
+          <p:cNvSpPr>
+            <a:spLocks noGrp="1"/>
+          </p:cNvSpPr>
+          <p:nvPr>
+            <p:ph/>
+          </p:nvPr>
+        </p:nvSpPr>
+        <p:spPr>
+          <a:xfrm>
+            <a:off x="504000" y="1326600"/>
+            <a:ext cx="4426560" cy="3287880"/>
+          </a:xfrm>
+          <a:prstGeom prst="rect">
+            <a:avLst/>
+          </a:prstGeom>
+          <a:noFill/>
+          <a:ln w="0">
+            <a:noFill/>
+          </a:ln>
+        </p:spPr>
+        <p:txBody>
+          <a:bodyPr lIns="0" rIns="0" tIns="0" bIns="0" anchor="t">
+            <a:normAutofit/>
+          </a:bodyPr>
+          <a:p>
+            <a:endParaRPr b="0" lang="en-US" sz="3200" spc="-1" strike="noStrike">
+              <a:latin typeface="Arial"/>
+            </a:endParaRPr>
+          </a:p>
+        </p:txBody>
+      </p:sp>
+      <p:sp>
+        <p:nvSpPr>
+          <p:cNvPr id="52" name="PlaceHolder 3"/>
+          <p:cNvSpPr>
+            <a:spLocks noGrp="1"/>
+          </p:cNvSpPr>
+          <p:nvPr>
+            <p:ph/>
+          </p:nvPr>
+        </p:nvSpPr>
+        <p:spPr>
+          <a:xfrm>
+            <a:off x="5152320" y="1326600"/>
+            <a:ext cx="4426560" cy="3287880"/>
+          </a:xfrm>
+          <a:prstGeom prst="rect">
+            <a:avLst/>
+          </a:prstGeom>
+          <a:noFill/>
+          <a:ln w="0">
+            <a:noFill/>
+          </a:ln>
+        </p:spPr>
+        <p:txBody>
+          <a:bodyPr lIns="0" rIns="0" tIns="0" bIns="0" anchor="t">
+            <a:normAutofit/>
+          </a:bodyPr>
+          <a:p>
+            <a:endParaRPr b="0" lang="en-US" sz="3200" spc="-1" strike="noStrike">
+              <a:latin typeface="Arial"/>
+            </a:endParaRPr>
+          </a:p>
+        </p:txBody>
+      </p:sp>
+      <p:sp>
+        <p:nvSpPr>
+          <p:cNvPr id="5" name="PlaceHolder 4"/>
+          <p:cNvSpPr>
+            <a:spLocks noGrp="1"/>
+          </p:cNvSpPr>
+          <p:nvPr>
+            <p:ph type="ftr" idx="4"/>
+          </p:nvPr>
+        </p:nvSpPr>
+        <p:spPr/>
+        <p:txBody>
+          <a:bodyPr/>
+          <a:p>
+            <a:r>
+              <a:t>Footer</a:t>
+            </a:r>
+          </a:p>
+        </p:txBody>
+      </p:sp>
+      <p:sp>
+        <p:nvSpPr>
+          <p:cNvPr id="6" name="PlaceHolder 5"/>
+          <p:cNvSpPr>
+            <a:spLocks noGrp="1"/>
+          </p:cNvSpPr>
+          <p:nvPr>
+            <p:ph type="sldNum" idx="5"/>
+          </p:nvPr>
+        </p:nvSpPr>
+        <p:spPr/>
+        <p:txBody>
+          <a:bodyPr/>
+          <a:p>
+            <a:fld id="{3822813A-9D02-47DE-9587-8259F4688021}" type="slidenum">
+              <a:t>&lt;#&gt;</a:t>
+            </a:fld>
+          </a:p>
+        </p:txBody>
+      </p:sp>
+      <p:sp>
+        <p:nvSpPr>
+          <p:cNvPr id="7" name="PlaceHolder 6"/>
+          <p:cNvSpPr>
+            <a:spLocks noGrp="1"/>
+          </p:cNvSpPr>
+          <p:nvPr>
+            <p:ph type="dt" idx="6"/>
+          </p:nvPr>
+        </p:nvSpPr>
+        <p:spPr/>
+        <p:txBody>
+          <a:bodyPr/>
+          <a:p>
+            <a:r>
+              <a:rPr lang="en-US"/>
+              <a:t/>
+            </a:r>
+          </a:p>
+        </p:txBody>
+      </p:sp>
+    </p:spTree>
+  </p:cSld>
+</p:sldLayout>
+</file>
+
+<file path=ppt/slideLayouts/slideLayout17.xml><?xml version="1.0" encoding="utf-8"?>
+<p:sldLayout xmlns:a="http://schemas.openxmlformats.org/drawingml/2006/main" xmlns:p="http://schemas.openxmlformats.org/presentationml/2006/main" xmlns:r="http://schemas.openxmlformats.org/officeDocument/2006/relationships" xmlns:p14="http://schemas.microsoft.com/office/powerpoint/2010/main" xmlns:p15="http://schemas.microsoft.com/office/powerpoint/2012/main" xmlns:mc="http://schemas.openxmlformats.org/markup-compatibility/2006" type="titleOnly" preserve="1">
+  <p:cSld name="Title Only">
+    <p:spTree>
+      <p:nvGrpSpPr>
+        <p:cNvPr id="1" name=""/>
+        <p:cNvGrpSpPr/>
+        <p:nvPr/>
+      </p:nvGrpSpPr>
+      <p:grpSpPr>
+        <a:xfrm>
+          <a:off x="0" y="0"/>
+          <a:ext cx="0" cy="0"/>
+          <a:chOff x="0" y="0"/>
+          <a:chExt cx="0" cy="0"/>
+        </a:xfrm>
+      </p:grpSpPr>
+      <p:sp>
+        <p:nvSpPr>
+          <p:cNvPr id="53" name="PlaceHolder 1"/>
+          <p:cNvSpPr>
+            <a:spLocks noGrp="1"/>
+          </p:cNvSpPr>
+          <p:nvPr>
+            <p:ph type="title"/>
+          </p:nvPr>
+        </p:nvSpPr>
+        <p:spPr>
+          <a:xfrm>
+            <a:off x="504000" y="226080"/>
+            <a:ext cx="9071280" cy="946080"/>
+          </a:xfrm>
+          <a:prstGeom prst="rect">
+            <a:avLst/>
+          </a:prstGeom>
+          <a:noFill/>
+          <a:ln w="0">
+            <a:noFill/>
+          </a:ln>
+        </p:spPr>
+        <p:txBody>
+          <a:bodyPr lIns="0" rIns="0" tIns="0" bIns="0" anchor="ctr">
+            <a:noAutofit/>
+          </a:bodyPr>
+          <a:p>
+            <a:pPr algn="ctr">
+              <a:buNone/>
+            </a:pPr>
+            <a:endParaRPr b="0" lang="en-US" sz="4400" spc="-1" strike="noStrike">
+              <a:latin typeface="Arial"/>
+            </a:endParaRPr>
+          </a:p>
+        </p:txBody>
+      </p:sp>
+      <p:sp>
+        <p:nvSpPr>
+          <p:cNvPr id="3" name="PlaceHolder 2"/>
+          <p:cNvSpPr>
+            <a:spLocks noGrp="1"/>
+          </p:cNvSpPr>
+          <p:nvPr>
+            <p:ph type="ftr" idx="4"/>
+          </p:nvPr>
+        </p:nvSpPr>
+        <p:spPr/>
+        <p:txBody>
+          <a:bodyPr/>
+          <a:p>
+            <a:r>
+              <a:t>Footer</a:t>
+            </a:r>
+          </a:p>
+        </p:txBody>
+      </p:sp>
+      <p:sp>
+        <p:nvSpPr>
+          <p:cNvPr id="4" name="PlaceHolder 3"/>
+          <p:cNvSpPr>
+            <a:spLocks noGrp="1"/>
+          </p:cNvSpPr>
+          <p:nvPr>
+            <p:ph type="sldNum" idx="5"/>
+          </p:nvPr>
+        </p:nvSpPr>
+        <p:spPr/>
+        <p:txBody>
+          <a:bodyPr/>
+          <a:p>
+            <a:fld id="{774DD43B-5727-4866-ADE9-A238DB1B6B52}" type="slidenum">
+              <a:t>&lt;#&gt;</a:t>
+            </a:fld>
+          </a:p>
+        </p:txBody>
+      </p:sp>
+      <p:sp>
+        <p:nvSpPr>
+          <p:cNvPr id="5" name="PlaceHolder 4"/>
+          <p:cNvSpPr>
+            <a:spLocks noGrp="1"/>
+          </p:cNvSpPr>
+          <p:nvPr>
+            <p:ph type="dt" idx="6"/>
+          </p:nvPr>
+        </p:nvSpPr>
+        <p:spPr/>
+        <p:txBody>
+          <a:bodyPr/>
+          <a:p>
+            <a:r>
+              <a:rPr lang="en-US"/>
+              <a:t/>
+            </a:r>
+          </a:p>
+        </p:txBody>
+      </p:sp>
+    </p:spTree>
+  </p:cSld>
+</p:sldLayout>
+</file>
+
+<file path=ppt/slideLayouts/slideLayout18.xml><?xml version="1.0" encoding="utf-8"?>
+<p:sldLayout xmlns:a="http://schemas.openxmlformats.org/drawingml/2006/main" xmlns:p="http://schemas.openxmlformats.org/presentationml/2006/main" xmlns:r="http://schemas.openxmlformats.org/officeDocument/2006/relationships" xmlns:p14="http://schemas.microsoft.com/office/powerpoint/2010/main" xmlns:p15="http://schemas.microsoft.com/office/powerpoint/2012/main" xmlns:mc="http://schemas.openxmlformats.org/markup-compatibility/2006" type="objOnly" preserve="1">
+  <p:cSld name="Centered Text">
+    <p:spTree>
+      <p:nvGrpSpPr>
+        <p:cNvPr id="1" name=""/>
+        <p:cNvGrpSpPr/>
+        <p:nvPr/>
+      </p:nvGrpSpPr>
+      <p:grpSpPr>
+        <a:xfrm>
+          <a:off x="0" y="0"/>
+          <a:ext cx="0" cy="0"/>
+          <a:chOff x="0" y="0"/>
+          <a:chExt cx="0" cy="0"/>
+        </a:xfrm>
+      </p:grpSpPr>
+      <p:sp>
+        <p:nvSpPr>
+          <p:cNvPr id="54" name="PlaceHolder 1"/>
+          <p:cNvSpPr>
+            <a:spLocks noGrp="1"/>
+          </p:cNvSpPr>
+          <p:nvPr>
+            <p:ph type="subTitle"/>
+          </p:nvPr>
+        </p:nvSpPr>
+        <p:spPr>
+          <a:xfrm>
+            <a:off x="504000" y="226080"/>
+            <a:ext cx="9071280" cy="4386600"/>
+          </a:xfrm>
+          <a:prstGeom prst="rect">
+            <a:avLst/>
+          </a:prstGeom>
+          <a:noFill/>
+          <a:ln w="0">
+            <a:noFill/>
+          </a:ln>
+        </p:spPr>
+        <p:txBody>
+          <a:bodyPr lIns="0" rIns="0" tIns="0" bIns="0" anchor="ctr">
+            <a:noAutofit/>
+          </a:bodyPr>
+          <a:p>
+            <a:pPr algn="ctr">
+              <a:buNone/>
+            </a:pPr>
+            <a:endParaRPr b="0" lang="en-US" sz="3200" spc="-1" strike="noStrike">
+              <a:latin typeface="Arial"/>
+            </a:endParaRPr>
+          </a:p>
+        </p:txBody>
+      </p:sp>
+      <p:sp>
+        <p:nvSpPr>
+          <p:cNvPr id="3" name="PlaceHolder 2"/>
+          <p:cNvSpPr>
+            <a:spLocks noGrp="1"/>
+          </p:cNvSpPr>
+          <p:nvPr>
+            <p:ph type="ftr" idx="4"/>
+          </p:nvPr>
+        </p:nvSpPr>
+        <p:spPr/>
+        <p:txBody>
+          <a:bodyPr/>
+          <a:p>
+            <a:r>
+              <a:t>Footer</a:t>
+            </a:r>
+          </a:p>
+        </p:txBody>
+      </p:sp>
+      <p:sp>
+        <p:nvSpPr>
+          <p:cNvPr id="4" name="PlaceHolder 3"/>
+          <p:cNvSpPr>
+            <a:spLocks noGrp="1"/>
+          </p:cNvSpPr>
+          <p:nvPr>
+            <p:ph type="sldNum" idx="5"/>
+          </p:nvPr>
+        </p:nvSpPr>
+        <p:spPr/>
+        <p:txBody>
+          <a:bodyPr/>
+          <a:p>
+            <a:fld id="{5626C695-7B5D-4B9E-8E93-0BD33700AB66}" type="slidenum">
+              <a:t>&lt;#&gt;</a:t>
+            </a:fld>
+          </a:p>
+        </p:txBody>
+      </p:sp>
+      <p:sp>
+        <p:nvSpPr>
+          <p:cNvPr id="5" name="PlaceHolder 4"/>
+          <p:cNvSpPr>
+            <a:spLocks noGrp="1"/>
+          </p:cNvSpPr>
+          <p:nvPr>
+            <p:ph type="dt" idx="6"/>
+          </p:nvPr>
+        </p:nvSpPr>
+        <p:spPr/>
+        <p:txBody>
+          <a:bodyPr/>
+          <a:p>
+            <a:r>
+              <a:rPr lang="en-US"/>
+              <a:t/>
+            </a:r>
+          </a:p>
+        </p:txBody>
+      </p:sp>
+    </p:spTree>
+  </p:cSld>
+</p:sldLayout>
+</file>
+
+<file path=ppt/slideLayouts/slideLayout19.xml><?xml version="1.0" encoding="utf-8"?>
+<p:sldLayout xmlns:a="http://schemas.openxmlformats.org/drawingml/2006/main" xmlns:p="http://schemas.openxmlformats.org/presentationml/2006/main" xmlns:r="http://schemas.openxmlformats.org/officeDocument/2006/relationships" xmlns:p14="http://schemas.microsoft.com/office/powerpoint/2010/main" xmlns:p15="http://schemas.microsoft.com/office/powerpoint/2012/main" xmlns:mc="http://schemas.openxmlformats.org/markup-compatibility/2006" type="twoObjAndObj" preserve="1">
+  <p:cSld name="Title, 2 Content and Content">
+    <p:spTree>
+      <p:nvGrpSpPr>
+        <p:cNvPr id="1" name=""/>
+        <p:cNvGrpSpPr/>
+        <p:nvPr/>
+      </p:nvGrpSpPr>
+      <p:grpSpPr>
+        <a:xfrm>
+          <a:off x="0" y="0"/>
+          <a:ext cx="0" cy="0"/>
+          <a:chOff x="0" y="0"/>
+          <a:chExt cx="0" cy="0"/>
+        </a:xfrm>
+      </p:grpSpPr>
+      <p:sp>
+        <p:nvSpPr>
+          <p:cNvPr id="55" name="PlaceHolder 1"/>
+          <p:cNvSpPr>
+            <a:spLocks noGrp="1"/>
+          </p:cNvSpPr>
+          <p:nvPr>
+            <p:ph type="title"/>
+          </p:nvPr>
+        </p:nvSpPr>
+        <p:spPr>
+          <a:xfrm>
+            <a:off x="504000" y="226080"/>
+            <a:ext cx="9071280" cy="946080"/>
+          </a:xfrm>
+          <a:prstGeom prst="rect">
+            <a:avLst/>
+          </a:prstGeom>
+          <a:noFill/>
+          <a:ln w="0">
+            <a:noFill/>
+          </a:ln>
+        </p:spPr>
+        <p:txBody>
+          <a:bodyPr lIns="0" rIns="0" tIns="0" bIns="0" anchor="ctr">
+            <a:noAutofit/>
+          </a:bodyPr>
+          <a:p>
+            <a:pPr algn="ctr">
+              <a:buNone/>
+            </a:pPr>
+            <a:endParaRPr b="0" lang="en-US" sz="4400" spc="-1" strike="noStrike">
+              <a:latin typeface="Arial"/>
+            </a:endParaRPr>
+          </a:p>
+        </p:txBody>
+      </p:sp>
+      <p:sp>
+        <p:nvSpPr>
+          <p:cNvPr id="56" name="PlaceHolder 2"/>
+          <p:cNvSpPr>
+            <a:spLocks noGrp="1"/>
+          </p:cNvSpPr>
+          <p:nvPr>
+            <p:ph/>
+          </p:nvPr>
+        </p:nvSpPr>
+        <p:spPr>
+          <a:xfrm>
+            <a:off x="504000" y="1326600"/>
+            <a:ext cx="4426560" cy="1568160"/>
+          </a:xfrm>
+          <a:prstGeom prst="rect">
+            <a:avLst/>
+          </a:prstGeom>
+          <a:noFill/>
+          <a:ln w="0">
+            <a:noFill/>
+          </a:ln>
+        </p:spPr>
+        <p:txBody>
+          <a:bodyPr lIns="0" rIns="0" tIns="0" bIns="0" anchor="t">
+            <a:normAutofit/>
+          </a:bodyPr>
+          <a:p>
+            <a:endParaRPr b="0" lang="en-US" sz="3200" spc="-1" strike="noStrike">
+              <a:latin typeface="Arial"/>
+            </a:endParaRPr>
+          </a:p>
+        </p:txBody>
+      </p:sp>
+      <p:sp>
+        <p:nvSpPr>
+          <p:cNvPr id="57" name="PlaceHolder 3"/>
+          <p:cNvSpPr>
+            <a:spLocks noGrp="1"/>
+          </p:cNvSpPr>
+          <p:nvPr>
+            <p:ph/>
+          </p:nvPr>
+        </p:nvSpPr>
+        <p:spPr>
+          <a:xfrm>
+            <a:off x="5152320" y="1326600"/>
+            <a:ext cx="4426560" cy="3287880"/>
+          </a:xfrm>
+          <a:prstGeom prst="rect">
+            <a:avLst/>
+          </a:prstGeom>
+          <a:noFill/>
+          <a:ln w="0">
+            <a:noFill/>
+          </a:ln>
+        </p:spPr>
+        <p:txBody>
+          <a:bodyPr lIns="0" rIns="0" tIns="0" bIns="0" anchor="t">
+            <a:normAutofit/>
+          </a:bodyPr>
+          <a:p>
+            <a:endParaRPr b="0" lang="en-US" sz="3200" spc="-1" strike="noStrike">
+              <a:latin typeface="Arial"/>
+            </a:endParaRPr>
+          </a:p>
+        </p:txBody>
+      </p:sp>
+      <p:sp>
+        <p:nvSpPr>
+          <p:cNvPr id="58" name="PlaceHolder 4"/>
+          <p:cNvSpPr>
+            <a:spLocks noGrp="1"/>
+          </p:cNvSpPr>
+          <p:nvPr>
+            <p:ph/>
+          </p:nvPr>
+        </p:nvSpPr>
+        <p:spPr>
+          <a:xfrm>
+            <a:off x="504000" y="3044160"/>
+            <a:ext cx="4426560" cy="1568160"/>
+          </a:xfrm>
+          <a:prstGeom prst="rect">
+            <a:avLst/>
+          </a:prstGeom>
+          <a:noFill/>
+          <a:ln w="0">
+            <a:noFill/>
+          </a:ln>
+        </p:spPr>
+        <p:txBody>
+          <a:bodyPr lIns="0" rIns="0" tIns="0" bIns="0" anchor="t">
+            <a:normAutofit/>
+          </a:bodyPr>
+          <a:p>
+            <a:endParaRPr b="0" lang="en-US" sz="3200" spc="-1" strike="noStrike">
+              <a:latin typeface="Arial"/>
+            </a:endParaRPr>
+          </a:p>
+        </p:txBody>
+      </p:sp>
+      <p:sp>
+        <p:nvSpPr>
+          <p:cNvPr id="6" name="PlaceHolder 5"/>
+          <p:cNvSpPr>
+            <a:spLocks noGrp="1"/>
+          </p:cNvSpPr>
+          <p:nvPr>
+            <p:ph type="ftr" idx="4"/>
+          </p:nvPr>
+        </p:nvSpPr>
+        <p:spPr/>
+        <p:txBody>
+          <a:bodyPr/>
+          <a:p>
+            <a:r>
+              <a:t>Footer</a:t>
+            </a:r>
+          </a:p>
+        </p:txBody>
+      </p:sp>
+      <p:sp>
+        <p:nvSpPr>
+          <p:cNvPr id="7" name="PlaceHolder 6"/>
+          <p:cNvSpPr>
+            <a:spLocks noGrp="1"/>
+          </p:cNvSpPr>
+          <p:nvPr>
+            <p:ph type="sldNum" idx="5"/>
+          </p:nvPr>
+        </p:nvSpPr>
+        <p:spPr/>
+        <p:txBody>
+          <a:bodyPr/>
+          <a:p>
+            <a:fld id="{281C61B3-F214-45C7-999D-2A2227930433}" type="slidenum">
+              <a:t>&lt;#&gt;</a:t>
+            </a:fld>
+          </a:p>
+        </p:txBody>
+      </p:sp>
+      <p:sp>
+        <p:nvSpPr>
+          <p:cNvPr id="8" name="PlaceHolder 7"/>
+          <p:cNvSpPr>
+            <a:spLocks noGrp="1"/>
+          </p:cNvSpPr>
+          <p:nvPr>
+            <p:ph type="dt" idx="6"/>
           </p:nvPr>
         </p:nvSpPr>
         <p:spPr/>
@@ -897,7 +1942,7 @@
         <p:spPr>
           <a:xfrm>
             <a:off x="504000" y="226080"/>
-            <a:ext cx="9071640" cy="946440"/>
+            <a:ext cx="9071280" cy="946080"/>
           </a:xfrm>
           <a:prstGeom prst="rect">
             <a:avLst/>
@@ -934,7 +1979,7 @@
         <p:spPr>
           <a:xfrm>
             <a:off x="504000" y="1326600"/>
-            <a:ext cx="9071640" cy="3288240"/>
+            <a:ext cx="9071280" cy="3287880"/>
           </a:xfrm>
           <a:prstGeom prst="rect">
             <a:avLst/>
@@ -965,7 +2010,7 @@
             <a:spLocks noGrp="1"/>
           </p:cNvSpPr>
           <p:nvPr>
-            <p:ph type="ftr" idx="2"/>
+            <p:ph type="ftr" idx="1"/>
           </p:nvPr>
         </p:nvSpPr>
         <p:spPr/>
@@ -985,14 +2030,14 @@
             <a:spLocks noGrp="1"/>
           </p:cNvSpPr>
           <p:nvPr>
-            <p:ph type="sldNum" idx="3"/>
+            <p:ph type="sldNum" idx="2"/>
           </p:nvPr>
         </p:nvSpPr>
         <p:spPr/>
         <p:txBody>
           <a:bodyPr/>
           <a:p>
-            <a:fld id="{D4D68EF0-46C3-4B6F-B1C9-9D120DDDB89E}" type="slidenum">
+            <a:fld id="{6FBE8104-CB8C-4E2A-80ED-6958BC625E0F}" type="slidenum">
               <a:t>&lt;#&gt;</a:t>
             </a:fld>
           </a:p>
@@ -1005,7 +2050,1219 @@
             <a:spLocks noGrp="1"/>
           </p:cNvSpPr>
           <p:nvPr>
-            <p:ph type="dt" idx="1"/>
+            <p:ph type="dt" idx="3"/>
+          </p:nvPr>
+        </p:nvSpPr>
+        <p:spPr/>
+        <p:txBody>
+          <a:bodyPr/>
+          <a:p>
+            <a:r>
+              <a:rPr lang="en-US"/>
+              <a:t/>
+            </a:r>
+          </a:p>
+        </p:txBody>
+      </p:sp>
+    </p:spTree>
+  </p:cSld>
+</p:sldLayout>
+</file>
+
+<file path=ppt/slideLayouts/slideLayout20.xml><?xml version="1.0" encoding="utf-8"?>
+<p:sldLayout xmlns:a="http://schemas.openxmlformats.org/drawingml/2006/main" xmlns:p="http://schemas.openxmlformats.org/presentationml/2006/main" xmlns:r="http://schemas.openxmlformats.org/officeDocument/2006/relationships" xmlns:p14="http://schemas.microsoft.com/office/powerpoint/2010/main" xmlns:p15="http://schemas.microsoft.com/office/powerpoint/2012/main" xmlns:mc="http://schemas.openxmlformats.org/markup-compatibility/2006" type="objAndTwoObj" preserve="1">
+  <p:cSld name="Title Content and 2 Content">
+    <p:spTree>
+      <p:nvGrpSpPr>
+        <p:cNvPr id="1" name=""/>
+        <p:cNvGrpSpPr/>
+        <p:nvPr/>
+      </p:nvGrpSpPr>
+      <p:grpSpPr>
+        <a:xfrm>
+          <a:off x="0" y="0"/>
+          <a:ext cx="0" cy="0"/>
+          <a:chOff x="0" y="0"/>
+          <a:chExt cx="0" cy="0"/>
+        </a:xfrm>
+      </p:grpSpPr>
+      <p:sp>
+        <p:nvSpPr>
+          <p:cNvPr id="59" name="PlaceHolder 1"/>
+          <p:cNvSpPr>
+            <a:spLocks noGrp="1"/>
+          </p:cNvSpPr>
+          <p:nvPr>
+            <p:ph type="title"/>
+          </p:nvPr>
+        </p:nvSpPr>
+        <p:spPr>
+          <a:xfrm>
+            <a:off x="504000" y="226080"/>
+            <a:ext cx="9071280" cy="946080"/>
+          </a:xfrm>
+          <a:prstGeom prst="rect">
+            <a:avLst/>
+          </a:prstGeom>
+          <a:noFill/>
+          <a:ln w="0">
+            <a:noFill/>
+          </a:ln>
+        </p:spPr>
+        <p:txBody>
+          <a:bodyPr lIns="0" rIns="0" tIns="0" bIns="0" anchor="ctr">
+            <a:noAutofit/>
+          </a:bodyPr>
+          <a:p>
+            <a:pPr algn="ctr">
+              <a:buNone/>
+            </a:pPr>
+            <a:endParaRPr b="0" lang="en-US" sz="4400" spc="-1" strike="noStrike">
+              <a:latin typeface="Arial"/>
+            </a:endParaRPr>
+          </a:p>
+        </p:txBody>
+      </p:sp>
+      <p:sp>
+        <p:nvSpPr>
+          <p:cNvPr id="60" name="PlaceHolder 2"/>
+          <p:cNvSpPr>
+            <a:spLocks noGrp="1"/>
+          </p:cNvSpPr>
+          <p:nvPr>
+            <p:ph/>
+          </p:nvPr>
+        </p:nvSpPr>
+        <p:spPr>
+          <a:xfrm>
+            <a:off x="504000" y="1326600"/>
+            <a:ext cx="4426560" cy="3287880"/>
+          </a:xfrm>
+          <a:prstGeom prst="rect">
+            <a:avLst/>
+          </a:prstGeom>
+          <a:noFill/>
+          <a:ln w="0">
+            <a:noFill/>
+          </a:ln>
+        </p:spPr>
+        <p:txBody>
+          <a:bodyPr lIns="0" rIns="0" tIns="0" bIns="0" anchor="t">
+            <a:normAutofit/>
+          </a:bodyPr>
+          <a:p>
+            <a:endParaRPr b="0" lang="en-US" sz="3200" spc="-1" strike="noStrike">
+              <a:latin typeface="Arial"/>
+            </a:endParaRPr>
+          </a:p>
+        </p:txBody>
+      </p:sp>
+      <p:sp>
+        <p:nvSpPr>
+          <p:cNvPr id="61" name="PlaceHolder 3"/>
+          <p:cNvSpPr>
+            <a:spLocks noGrp="1"/>
+          </p:cNvSpPr>
+          <p:nvPr>
+            <p:ph/>
+          </p:nvPr>
+        </p:nvSpPr>
+        <p:spPr>
+          <a:xfrm>
+            <a:off x="5152320" y="1326600"/>
+            <a:ext cx="4426560" cy="1568160"/>
+          </a:xfrm>
+          <a:prstGeom prst="rect">
+            <a:avLst/>
+          </a:prstGeom>
+          <a:noFill/>
+          <a:ln w="0">
+            <a:noFill/>
+          </a:ln>
+        </p:spPr>
+        <p:txBody>
+          <a:bodyPr lIns="0" rIns="0" tIns="0" bIns="0" anchor="t">
+            <a:normAutofit/>
+          </a:bodyPr>
+          <a:p>
+            <a:endParaRPr b="0" lang="en-US" sz="3200" spc="-1" strike="noStrike">
+              <a:latin typeface="Arial"/>
+            </a:endParaRPr>
+          </a:p>
+        </p:txBody>
+      </p:sp>
+      <p:sp>
+        <p:nvSpPr>
+          <p:cNvPr id="62" name="PlaceHolder 4"/>
+          <p:cNvSpPr>
+            <a:spLocks noGrp="1"/>
+          </p:cNvSpPr>
+          <p:nvPr>
+            <p:ph/>
+          </p:nvPr>
+        </p:nvSpPr>
+        <p:spPr>
+          <a:xfrm>
+            <a:off x="5152320" y="3044160"/>
+            <a:ext cx="4426560" cy="1568160"/>
+          </a:xfrm>
+          <a:prstGeom prst="rect">
+            <a:avLst/>
+          </a:prstGeom>
+          <a:noFill/>
+          <a:ln w="0">
+            <a:noFill/>
+          </a:ln>
+        </p:spPr>
+        <p:txBody>
+          <a:bodyPr lIns="0" rIns="0" tIns="0" bIns="0" anchor="t">
+            <a:normAutofit/>
+          </a:bodyPr>
+          <a:p>
+            <a:endParaRPr b="0" lang="en-US" sz="3200" spc="-1" strike="noStrike">
+              <a:latin typeface="Arial"/>
+            </a:endParaRPr>
+          </a:p>
+        </p:txBody>
+      </p:sp>
+      <p:sp>
+        <p:nvSpPr>
+          <p:cNvPr id="6" name="PlaceHolder 5"/>
+          <p:cNvSpPr>
+            <a:spLocks noGrp="1"/>
+          </p:cNvSpPr>
+          <p:nvPr>
+            <p:ph type="ftr" idx="4"/>
+          </p:nvPr>
+        </p:nvSpPr>
+        <p:spPr/>
+        <p:txBody>
+          <a:bodyPr/>
+          <a:p>
+            <a:r>
+              <a:t>Footer</a:t>
+            </a:r>
+          </a:p>
+        </p:txBody>
+      </p:sp>
+      <p:sp>
+        <p:nvSpPr>
+          <p:cNvPr id="7" name="PlaceHolder 6"/>
+          <p:cNvSpPr>
+            <a:spLocks noGrp="1"/>
+          </p:cNvSpPr>
+          <p:nvPr>
+            <p:ph type="sldNum" idx="5"/>
+          </p:nvPr>
+        </p:nvSpPr>
+        <p:spPr/>
+        <p:txBody>
+          <a:bodyPr/>
+          <a:p>
+            <a:fld id="{6F7ECCAF-57A4-4259-B24B-37CA9625B7C2}" type="slidenum">
+              <a:t>&lt;#&gt;</a:t>
+            </a:fld>
+          </a:p>
+        </p:txBody>
+      </p:sp>
+      <p:sp>
+        <p:nvSpPr>
+          <p:cNvPr id="8" name="PlaceHolder 7"/>
+          <p:cNvSpPr>
+            <a:spLocks noGrp="1"/>
+          </p:cNvSpPr>
+          <p:nvPr>
+            <p:ph type="dt" idx="6"/>
+          </p:nvPr>
+        </p:nvSpPr>
+        <p:spPr/>
+        <p:txBody>
+          <a:bodyPr/>
+          <a:p>
+            <a:r>
+              <a:rPr lang="en-US"/>
+              <a:t/>
+            </a:r>
+          </a:p>
+        </p:txBody>
+      </p:sp>
+    </p:spTree>
+  </p:cSld>
+</p:sldLayout>
+</file>
+
+<file path=ppt/slideLayouts/slideLayout21.xml><?xml version="1.0" encoding="utf-8"?>
+<p:sldLayout xmlns:a="http://schemas.openxmlformats.org/drawingml/2006/main" xmlns:p="http://schemas.openxmlformats.org/presentationml/2006/main" xmlns:r="http://schemas.openxmlformats.org/officeDocument/2006/relationships" xmlns:p14="http://schemas.microsoft.com/office/powerpoint/2010/main" xmlns:p15="http://schemas.microsoft.com/office/powerpoint/2012/main" xmlns:mc="http://schemas.openxmlformats.org/markup-compatibility/2006" type="twoObjOverTx" preserve="1">
+  <p:cSld name="Title, 2 Content over Content">
+    <p:spTree>
+      <p:nvGrpSpPr>
+        <p:cNvPr id="1" name=""/>
+        <p:cNvGrpSpPr/>
+        <p:nvPr/>
+      </p:nvGrpSpPr>
+      <p:grpSpPr>
+        <a:xfrm>
+          <a:off x="0" y="0"/>
+          <a:ext cx="0" cy="0"/>
+          <a:chOff x="0" y="0"/>
+          <a:chExt cx="0" cy="0"/>
+        </a:xfrm>
+      </p:grpSpPr>
+      <p:sp>
+        <p:nvSpPr>
+          <p:cNvPr id="63" name="PlaceHolder 1"/>
+          <p:cNvSpPr>
+            <a:spLocks noGrp="1"/>
+          </p:cNvSpPr>
+          <p:nvPr>
+            <p:ph type="title"/>
+          </p:nvPr>
+        </p:nvSpPr>
+        <p:spPr>
+          <a:xfrm>
+            <a:off x="504000" y="226080"/>
+            <a:ext cx="9071280" cy="946080"/>
+          </a:xfrm>
+          <a:prstGeom prst="rect">
+            <a:avLst/>
+          </a:prstGeom>
+          <a:noFill/>
+          <a:ln w="0">
+            <a:noFill/>
+          </a:ln>
+        </p:spPr>
+        <p:txBody>
+          <a:bodyPr lIns="0" rIns="0" tIns="0" bIns="0" anchor="ctr">
+            <a:noAutofit/>
+          </a:bodyPr>
+          <a:p>
+            <a:pPr algn="ctr">
+              <a:buNone/>
+            </a:pPr>
+            <a:endParaRPr b="0" lang="en-US" sz="4400" spc="-1" strike="noStrike">
+              <a:latin typeface="Arial"/>
+            </a:endParaRPr>
+          </a:p>
+        </p:txBody>
+      </p:sp>
+      <p:sp>
+        <p:nvSpPr>
+          <p:cNvPr id="64" name="PlaceHolder 2"/>
+          <p:cNvSpPr>
+            <a:spLocks noGrp="1"/>
+          </p:cNvSpPr>
+          <p:nvPr>
+            <p:ph/>
+          </p:nvPr>
+        </p:nvSpPr>
+        <p:spPr>
+          <a:xfrm>
+            <a:off x="504000" y="1326600"/>
+            <a:ext cx="4426560" cy="1568160"/>
+          </a:xfrm>
+          <a:prstGeom prst="rect">
+            <a:avLst/>
+          </a:prstGeom>
+          <a:noFill/>
+          <a:ln w="0">
+            <a:noFill/>
+          </a:ln>
+        </p:spPr>
+        <p:txBody>
+          <a:bodyPr lIns="0" rIns="0" tIns="0" bIns="0" anchor="t">
+            <a:normAutofit/>
+          </a:bodyPr>
+          <a:p>
+            <a:endParaRPr b="0" lang="en-US" sz="3200" spc="-1" strike="noStrike">
+              <a:latin typeface="Arial"/>
+            </a:endParaRPr>
+          </a:p>
+        </p:txBody>
+      </p:sp>
+      <p:sp>
+        <p:nvSpPr>
+          <p:cNvPr id="65" name="PlaceHolder 3"/>
+          <p:cNvSpPr>
+            <a:spLocks noGrp="1"/>
+          </p:cNvSpPr>
+          <p:nvPr>
+            <p:ph/>
+          </p:nvPr>
+        </p:nvSpPr>
+        <p:spPr>
+          <a:xfrm>
+            <a:off x="5152320" y="1326600"/>
+            <a:ext cx="4426560" cy="1568160"/>
+          </a:xfrm>
+          <a:prstGeom prst="rect">
+            <a:avLst/>
+          </a:prstGeom>
+          <a:noFill/>
+          <a:ln w="0">
+            <a:noFill/>
+          </a:ln>
+        </p:spPr>
+        <p:txBody>
+          <a:bodyPr lIns="0" rIns="0" tIns="0" bIns="0" anchor="t">
+            <a:normAutofit/>
+          </a:bodyPr>
+          <a:p>
+            <a:endParaRPr b="0" lang="en-US" sz="3200" spc="-1" strike="noStrike">
+              <a:latin typeface="Arial"/>
+            </a:endParaRPr>
+          </a:p>
+        </p:txBody>
+      </p:sp>
+      <p:sp>
+        <p:nvSpPr>
+          <p:cNvPr id="66" name="PlaceHolder 4"/>
+          <p:cNvSpPr>
+            <a:spLocks noGrp="1"/>
+          </p:cNvSpPr>
+          <p:nvPr>
+            <p:ph/>
+          </p:nvPr>
+        </p:nvSpPr>
+        <p:spPr>
+          <a:xfrm>
+            <a:off x="504000" y="3044160"/>
+            <a:ext cx="9071280" cy="1568160"/>
+          </a:xfrm>
+          <a:prstGeom prst="rect">
+            <a:avLst/>
+          </a:prstGeom>
+          <a:noFill/>
+          <a:ln w="0">
+            <a:noFill/>
+          </a:ln>
+        </p:spPr>
+        <p:txBody>
+          <a:bodyPr lIns="0" rIns="0" tIns="0" bIns="0" anchor="t">
+            <a:normAutofit/>
+          </a:bodyPr>
+          <a:p>
+            <a:endParaRPr b="0" lang="en-US" sz="3200" spc="-1" strike="noStrike">
+              <a:latin typeface="Arial"/>
+            </a:endParaRPr>
+          </a:p>
+        </p:txBody>
+      </p:sp>
+      <p:sp>
+        <p:nvSpPr>
+          <p:cNvPr id="6" name="PlaceHolder 5"/>
+          <p:cNvSpPr>
+            <a:spLocks noGrp="1"/>
+          </p:cNvSpPr>
+          <p:nvPr>
+            <p:ph type="ftr" idx="4"/>
+          </p:nvPr>
+        </p:nvSpPr>
+        <p:spPr/>
+        <p:txBody>
+          <a:bodyPr/>
+          <a:p>
+            <a:r>
+              <a:t>Footer</a:t>
+            </a:r>
+          </a:p>
+        </p:txBody>
+      </p:sp>
+      <p:sp>
+        <p:nvSpPr>
+          <p:cNvPr id="7" name="PlaceHolder 6"/>
+          <p:cNvSpPr>
+            <a:spLocks noGrp="1"/>
+          </p:cNvSpPr>
+          <p:nvPr>
+            <p:ph type="sldNum" idx="5"/>
+          </p:nvPr>
+        </p:nvSpPr>
+        <p:spPr/>
+        <p:txBody>
+          <a:bodyPr/>
+          <a:p>
+            <a:fld id="{79EEE7E1-4888-4B43-8BE1-C3E80CF2A89A}" type="slidenum">
+              <a:t>&lt;#&gt;</a:t>
+            </a:fld>
+          </a:p>
+        </p:txBody>
+      </p:sp>
+      <p:sp>
+        <p:nvSpPr>
+          <p:cNvPr id="8" name="PlaceHolder 7"/>
+          <p:cNvSpPr>
+            <a:spLocks noGrp="1"/>
+          </p:cNvSpPr>
+          <p:nvPr>
+            <p:ph type="dt" idx="6"/>
+          </p:nvPr>
+        </p:nvSpPr>
+        <p:spPr/>
+        <p:txBody>
+          <a:bodyPr/>
+          <a:p>
+            <a:r>
+              <a:rPr lang="en-US"/>
+              <a:t/>
+            </a:r>
+          </a:p>
+        </p:txBody>
+      </p:sp>
+    </p:spTree>
+  </p:cSld>
+</p:sldLayout>
+</file>
+
+<file path=ppt/slideLayouts/slideLayout22.xml><?xml version="1.0" encoding="utf-8"?>
+<p:sldLayout xmlns:a="http://schemas.openxmlformats.org/drawingml/2006/main" xmlns:p="http://schemas.openxmlformats.org/presentationml/2006/main" xmlns:r="http://schemas.openxmlformats.org/officeDocument/2006/relationships" xmlns:p14="http://schemas.microsoft.com/office/powerpoint/2010/main" xmlns:p15="http://schemas.microsoft.com/office/powerpoint/2012/main" xmlns:mc="http://schemas.openxmlformats.org/markup-compatibility/2006" type="objOverTx" preserve="1">
+  <p:cSld name="Title, Content over Content">
+    <p:spTree>
+      <p:nvGrpSpPr>
+        <p:cNvPr id="1" name=""/>
+        <p:cNvGrpSpPr/>
+        <p:nvPr/>
+      </p:nvGrpSpPr>
+      <p:grpSpPr>
+        <a:xfrm>
+          <a:off x="0" y="0"/>
+          <a:ext cx="0" cy="0"/>
+          <a:chOff x="0" y="0"/>
+          <a:chExt cx="0" cy="0"/>
+        </a:xfrm>
+      </p:grpSpPr>
+      <p:sp>
+        <p:nvSpPr>
+          <p:cNvPr id="67" name="PlaceHolder 1"/>
+          <p:cNvSpPr>
+            <a:spLocks noGrp="1"/>
+          </p:cNvSpPr>
+          <p:nvPr>
+            <p:ph type="title"/>
+          </p:nvPr>
+        </p:nvSpPr>
+        <p:spPr>
+          <a:xfrm>
+            <a:off x="504000" y="226080"/>
+            <a:ext cx="9071280" cy="946080"/>
+          </a:xfrm>
+          <a:prstGeom prst="rect">
+            <a:avLst/>
+          </a:prstGeom>
+          <a:noFill/>
+          <a:ln w="0">
+            <a:noFill/>
+          </a:ln>
+        </p:spPr>
+        <p:txBody>
+          <a:bodyPr lIns="0" rIns="0" tIns="0" bIns="0" anchor="ctr">
+            <a:noAutofit/>
+          </a:bodyPr>
+          <a:p>
+            <a:pPr algn="ctr">
+              <a:buNone/>
+            </a:pPr>
+            <a:endParaRPr b="0" lang="en-US" sz="4400" spc="-1" strike="noStrike">
+              <a:latin typeface="Arial"/>
+            </a:endParaRPr>
+          </a:p>
+        </p:txBody>
+      </p:sp>
+      <p:sp>
+        <p:nvSpPr>
+          <p:cNvPr id="68" name="PlaceHolder 2"/>
+          <p:cNvSpPr>
+            <a:spLocks noGrp="1"/>
+          </p:cNvSpPr>
+          <p:nvPr>
+            <p:ph/>
+          </p:nvPr>
+        </p:nvSpPr>
+        <p:spPr>
+          <a:xfrm>
+            <a:off x="504000" y="1326600"/>
+            <a:ext cx="9071280" cy="1568160"/>
+          </a:xfrm>
+          <a:prstGeom prst="rect">
+            <a:avLst/>
+          </a:prstGeom>
+          <a:noFill/>
+          <a:ln w="0">
+            <a:noFill/>
+          </a:ln>
+        </p:spPr>
+        <p:txBody>
+          <a:bodyPr lIns="0" rIns="0" tIns="0" bIns="0" anchor="t">
+            <a:normAutofit/>
+          </a:bodyPr>
+          <a:p>
+            <a:endParaRPr b="0" lang="en-US" sz="3200" spc="-1" strike="noStrike">
+              <a:latin typeface="Arial"/>
+            </a:endParaRPr>
+          </a:p>
+        </p:txBody>
+      </p:sp>
+      <p:sp>
+        <p:nvSpPr>
+          <p:cNvPr id="69" name="PlaceHolder 3"/>
+          <p:cNvSpPr>
+            <a:spLocks noGrp="1"/>
+          </p:cNvSpPr>
+          <p:nvPr>
+            <p:ph/>
+          </p:nvPr>
+        </p:nvSpPr>
+        <p:spPr>
+          <a:xfrm>
+            <a:off x="504000" y="3044160"/>
+            <a:ext cx="9071280" cy="1568160"/>
+          </a:xfrm>
+          <a:prstGeom prst="rect">
+            <a:avLst/>
+          </a:prstGeom>
+          <a:noFill/>
+          <a:ln w="0">
+            <a:noFill/>
+          </a:ln>
+        </p:spPr>
+        <p:txBody>
+          <a:bodyPr lIns="0" rIns="0" tIns="0" bIns="0" anchor="t">
+            <a:normAutofit/>
+          </a:bodyPr>
+          <a:p>
+            <a:endParaRPr b="0" lang="en-US" sz="3200" spc="-1" strike="noStrike">
+              <a:latin typeface="Arial"/>
+            </a:endParaRPr>
+          </a:p>
+        </p:txBody>
+      </p:sp>
+      <p:sp>
+        <p:nvSpPr>
+          <p:cNvPr id="5" name="PlaceHolder 4"/>
+          <p:cNvSpPr>
+            <a:spLocks noGrp="1"/>
+          </p:cNvSpPr>
+          <p:nvPr>
+            <p:ph type="ftr" idx="4"/>
+          </p:nvPr>
+        </p:nvSpPr>
+        <p:spPr/>
+        <p:txBody>
+          <a:bodyPr/>
+          <a:p>
+            <a:r>
+              <a:t>Footer</a:t>
+            </a:r>
+          </a:p>
+        </p:txBody>
+      </p:sp>
+      <p:sp>
+        <p:nvSpPr>
+          <p:cNvPr id="6" name="PlaceHolder 5"/>
+          <p:cNvSpPr>
+            <a:spLocks noGrp="1"/>
+          </p:cNvSpPr>
+          <p:nvPr>
+            <p:ph type="sldNum" idx="5"/>
+          </p:nvPr>
+        </p:nvSpPr>
+        <p:spPr/>
+        <p:txBody>
+          <a:bodyPr/>
+          <a:p>
+            <a:fld id="{EF28FE13-EFEC-40FC-9A75-B3ED160B5E23}" type="slidenum">
+              <a:t>&lt;#&gt;</a:t>
+            </a:fld>
+          </a:p>
+        </p:txBody>
+      </p:sp>
+      <p:sp>
+        <p:nvSpPr>
+          <p:cNvPr id="7" name="PlaceHolder 6"/>
+          <p:cNvSpPr>
+            <a:spLocks noGrp="1"/>
+          </p:cNvSpPr>
+          <p:nvPr>
+            <p:ph type="dt" idx="6"/>
+          </p:nvPr>
+        </p:nvSpPr>
+        <p:spPr/>
+        <p:txBody>
+          <a:bodyPr/>
+          <a:p>
+            <a:r>
+              <a:rPr lang="en-US"/>
+              <a:t/>
+            </a:r>
+          </a:p>
+        </p:txBody>
+      </p:sp>
+    </p:spTree>
+  </p:cSld>
+</p:sldLayout>
+</file>
+
+<file path=ppt/slideLayouts/slideLayout23.xml><?xml version="1.0" encoding="utf-8"?>
+<p:sldLayout xmlns:a="http://schemas.openxmlformats.org/drawingml/2006/main" xmlns:p="http://schemas.openxmlformats.org/presentationml/2006/main" xmlns:r="http://schemas.openxmlformats.org/officeDocument/2006/relationships" xmlns:p14="http://schemas.microsoft.com/office/powerpoint/2010/main" xmlns:p15="http://schemas.microsoft.com/office/powerpoint/2012/main" xmlns:mc="http://schemas.openxmlformats.org/markup-compatibility/2006" type="fourObj" preserve="1">
+  <p:cSld name="Title, 4 Content">
+    <p:spTree>
+      <p:nvGrpSpPr>
+        <p:cNvPr id="1" name=""/>
+        <p:cNvGrpSpPr/>
+        <p:nvPr/>
+      </p:nvGrpSpPr>
+      <p:grpSpPr>
+        <a:xfrm>
+          <a:off x="0" y="0"/>
+          <a:ext cx="0" cy="0"/>
+          <a:chOff x="0" y="0"/>
+          <a:chExt cx="0" cy="0"/>
+        </a:xfrm>
+      </p:grpSpPr>
+      <p:sp>
+        <p:nvSpPr>
+          <p:cNvPr id="70" name="PlaceHolder 1"/>
+          <p:cNvSpPr>
+            <a:spLocks noGrp="1"/>
+          </p:cNvSpPr>
+          <p:nvPr>
+            <p:ph type="title"/>
+          </p:nvPr>
+        </p:nvSpPr>
+        <p:spPr>
+          <a:xfrm>
+            <a:off x="504000" y="226080"/>
+            <a:ext cx="9071280" cy="946080"/>
+          </a:xfrm>
+          <a:prstGeom prst="rect">
+            <a:avLst/>
+          </a:prstGeom>
+          <a:noFill/>
+          <a:ln w="0">
+            <a:noFill/>
+          </a:ln>
+        </p:spPr>
+        <p:txBody>
+          <a:bodyPr lIns="0" rIns="0" tIns="0" bIns="0" anchor="ctr">
+            <a:noAutofit/>
+          </a:bodyPr>
+          <a:p>
+            <a:pPr algn="ctr">
+              <a:buNone/>
+            </a:pPr>
+            <a:endParaRPr b="0" lang="en-US" sz="4400" spc="-1" strike="noStrike">
+              <a:latin typeface="Arial"/>
+            </a:endParaRPr>
+          </a:p>
+        </p:txBody>
+      </p:sp>
+      <p:sp>
+        <p:nvSpPr>
+          <p:cNvPr id="71" name="PlaceHolder 2"/>
+          <p:cNvSpPr>
+            <a:spLocks noGrp="1"/>
+          </p:cNvSpPr>
+          <p:nvPr>
+            <p:ph/>
+          </p:nvPr>
+        </p:nvSpPr>
+        <p:spPr>
+          <a:xfrm>
+            <a:off x="504000" y="1326600"/>
+            <a:ext cx="4426560" cy="1568160"/>
+          </a:xfrm>
+          <a:prstGeom prst="rect">
+            <a:avLst/>
+          </a:prstGeom>
+          <a:noFill/>
+          <a:ln w="0">
+            <a:noFill/>
+          </a:ln>
+        </p:spPr>
+        <p:txBody>
+          <a:bodyPr lIns="0" rIns="0" tIns="0" bIns="0" anchor="t">
+            <a:normAutofit/>
+          </a:bodyPr>
+          <a:p>
+            <a:endParaRPr b="0" lang="en-US" sz="3200" spc="-1" strike="noStrike">
+              <a:latin typeface="Arial"/>
+            </a:endParaRPr>
+          </a:p>
+        </p:txBody>
+      </p:sp>
+      <p:sp>
+        <p:nvSpPr>
+          <p:cNvPr id="72" name="PlaceHolder 3"/>
+          <p:cNvSpPr>
+            <a:spLocks noGrp="1"/>
+          </p:cNvSpPr>
+          <p:nvPr>
+            <p:ph/>
+          </p:nvPr>
+        </p:nvSpPr>
+        <p:spPr>
+          <a:xfrm>
+            <a:off x="5152320" y="1326600"/>
+            <a:ext cx="4426560" cy="1568160"/>
+          </a:xfrm>
+          <a:prstGeom prst="rect">
+            <a:avLst/>
+          </a:prstGeom>
+          <a:noFill/>
+          <a:ln w="0">
+            <a:noFill/>
+          </a:ln>
+        </p:spPr>
+        <p:txBody>
+          <a:bodyPr lIns="0" rIns="0" tIns="0" bIns="0" anchor="t">
+            <a:normAutofit/>
+          </a:bodyPr>
+          <a:p>
+            <a:endParaRPr b="0" lang="en-US" sz="3200" spc="-1" strike="noStrike">
+              <a:latin typeface="Arial"/>
+            </a:endParaRPr>
+          </a:p>
+        </p:txBody>
+      </p:sp>
+      <p:sp>
+        <p:nvSpPr>
+          <p:cNvPr id="73" name="PlaceHolder 4"/>
+          <p:cNvSpPr>
+            <a:spLocks noGrp="1"/>
+          </p:cNvSpPr>
+          <p:nvPr>
+            <p:ph/>
+          </p:nvPr>
+        </p:nvSpPr>
+        <p:spPr>
+          <a:xfrm>
+            <a:off x="504000" y="3044160"/>
+            <a:ext cx="4426560" cy="1568160"/>
+          </a:xfrm>
+          <a:prstGeom prst="rect">
+            <a:avLst/>
+          </a:prstGeom>
+          <a:noFill/>
+          <a:ln w="0">
+            <a:noFill/>
+          </a:ln>
+        </p:spPr>
+        <p:txBody>
+          <a:bodyPr lIns="0" rIns="0" tIns="0" bIns="0" anchor="t">
+            <a:normAutofit/>
+          </a:bodyPr>
+          <a:p>
+            <a:endParaRPr b="0" lang="en-US" sz="3200" spc="-1" strike="noStrike">
+              <a:latin typeface="Arial"/>
+            </a:endParaRPr>
+          </a:p>
+        </p:txBody>
+      </p:sp>
+      <p:sp>
+        <p:nvSpPr>
+          <p:cNvPr id="74" name="PlaceHolder 5"/>
+          <p:cNvSpPr>
+            <a:spLocks noGrp="1"/>
+          </p:cNvSpPr>
+          <p:nvPr>
+            <p:ph/>
+          </p:nvPr>
+        </p:nvSpPr>
+        <p:spPr>
+          <a:xfrm>
+            <a:off x="5152320" y="3044160"/>
+            <a:ext cx="4426560" cy="1568160"/>
+          </a:xfrm>
+          <a:prstGeom prst="rect">
+            <a:avLst/>
+          </a:prstGeom>
+          <a:noFill/>
+          <a:ln w="0">
+            <a:noFill/>
+          </a:ln>
+        </p:spPr>
+        <p:txBody>
+          <a:bodyPr lIns="0" rIns="0" tIns="0" bIns="0" anchor="t">
+            <a:normAutofit/>
+          </a:bodyPr>
+          <a:p>
+            <a:endParaRPr b="0" lang="en-US" sz="3200" spc="-1" strike="noStrike">
+              <a:latin typeface="Arial"/>
+            </a:endParaRPr>
+          </a:p>
+        </p:txBody>
+      </p:sp>
+      <p:sp>
+        <p:nvSpPr>
+          <p:cNvPr id="7" name="PlaceHolder 6"/>
+          <p:cNvSpPr>
+            <a:spLocks noGrp="1"/>
+          </p:cNvSpPr>
+          <p:nvPr>
+            <p:ph type="ftr" idx="4"/>
+          </p:nvPr>
+        </p:nvSpPr>
+        <p:spPr/>
+        <p:txBody>
+          <a:bodyPr/>
+          <a:p>
+            <a:r>
+              <a:t>Footer</a:t>
+            </a:r>
+          </a:p>
+        </p:txBody>
+      </p:sp>
+      <p:sp>
+        <p:nvSpPr>
+          <p:cNvPr id="8" name="PlaceHolder 7"/>
+          <p:cNvSpPr>
+            <a:spLocks noGrp="1"/>
+          </p:cNvSpPr>
+          <p:nvPr>
+            <p:ph type="sldNum" idx="5"/>
+          </p:nvPr>
+        </p:nvSpPr>
+        <p:spPr/>
+        <p:txBody>
+          <a:bodyPr/>
+          <a:p>
+            <a:fld id="{EF5180AC-8CC8-442B-B750-F3E1D5728C80}" type="slidenum">
+              <a:t>&lt;#&gt;</a:t>
+            </a:fld>
+          </a:p>
+        </p:txBody>
+      </p:sp>
+      <p:sp>
+        <p:nvSpPr>
+          <p:cNvPr id="9" name="PlaceHolder 8"/>
+          <p:cNvSpPr>
+            <a:spLocks noGrp="1"/>
+          </p:cNvSpPr>
+          <p:nvPr>
+            <p:ph type="dt" idx="6"/>
+          </p:nvPr>
+        </p:nvSpPr>
+        <p:spPr/>
+        <p:txBody>
+          <a:bodyPr/>
+          <a:p>
+            <a:r>
+              <a:rPr lang="en-US"/>
+              <a:t/>
+            </a:r>
+          </a:p>
+        </p:txBody>
+      </p:sp>
+    </p:spTree>
+  </p:cSld>
+</p:sldLayout>
+</file>
+
+<file path=ppt/slideLayouts/slideLayout24.xml><?xml version="1.0" encoding="utf-8"?>
+<p:sldLayout xmlns:a="http://schemas.openxmlformats.org/drawingml/2006/main" xmlns:p="http://schemas.openxmlformats.org/presentationml/2006/main" xmlns:r="http://schemas.openxmlformats.org/officeDocument/2006/relationships" xmlns:p14="http://schemas.microsoft.com/office/powerpoint/2010/main" xmlns:p15="http://schemas.microsoft.com/office/powerpoint/2012/main" xmlns:mc="http://schemas.openxmlformats.org/markup-compatibility/2006" type="blank" preserve="1">
+  <p:cSld name="Title, 6 Content">
+    <p:spTree>
+      <p:nvGrpSpPr>
+        <p:cNvPr id="1" name=""/>
+        <p:cNvGrpSpPr/>
+        <p:nvPr/>
+      </p:nvGrpSpPr>
+      <p:grpSpPr>
+        <a:xfrm>
+          <a:off x="0" y="0"/>
+          <a:ext cx="0" cy="0"/>
+          <a:chOff x="0" y="0"/>
+          <a:chExt cx="0" cy="0"/>
+        </a:xfrm>
+      </p:grpSpPr>
+      <p:sp>
+        <p:nvSpPr>
+          <p:cNvPr id="75" name="PlaceHolder 1"/>
+          <p:cNvSpPr>
+            <a:spLocks noGrp="1"/>
+          </p:cNvSpPr>
+          <p:nvPr>
+            <p:ph type="title"/>
+          </p:nvPr>
+        </p:nvSpPr>
+        <p:spPr>
+          <a:xfrm>
+            <a:off x="504000" y="226080"/>
+            <a:ext cx="9071280" cy="946080"/>
+          </a:xfrm>
+          <a:prstGeom prst="rect">
+            <a:avLst/>
+          </a:prstGeom>
+          <a:noFill/>
+          <a:ln w="0">
+            <a:noFill/>
+          </a:ln>
+        </p:spPr>
+        <p:txBody>
+          <a:bodyPr lIns="0" rIns="0" tIns="0" bIns="0" anchor="ctr">
+            <a:noAutofit/>
+          </a:bodyPr>
+          <a:p>
+            <a:pPr algn="ctr">
+              <a:buNone/>
+            </a:pPr>
+            <a:endParaRPr b="0" lang="en-US" sz="4400" spc="-1" strike="noStrike">
+              <a:latin typeface="Arial"/>
+            </a:endParaRPr>
+          </a:p>
+        </p:txBody>
+      </p:sp>
+      <p:sp>
+        <p:nvSpPr>
+          <p:cNvPr id="76" name="PlaceHolder 2"/>
+          <p:cNvSpPr>
+            <a:spLocks noGrp="1"/>
+          </p:cNvSpPr>
+          <p:nvPr>
+            <p:ph/>
+          </p:nvPr>
+        </p:nvSpPr>
+        <p:spPr>
+          <a:xfrm>
+            <a:off x="504000" y="1326600"/>
+            <a:ext cx="2920680" cy="1568160"/>
+          </a:xfrm>
+          <a:prstGeom prst="rect">
+            <a:avLst/>
+          </a:prstGeom>
+          <a:noFill/>
+          <a:ln w="0">
+            <a:noFill/>
+          </a:ln>
+        </p:spPr>
+        <p:txBody>
+          <a:bodyPr lIns="0" rIns="0" tIns="0" bIns="0" anchor="t">
+            <a:normAutofit/>
+          </a:bodyPr>
+          <a:p>
+            <a:endParaRPr b="0" lang="en-US" sz="3200" spc="-1" strike="noStrike">
+              <a:latin typeface="Arial"/>
+            </a:endParaRPr>
+          </a:p>
+        </p:txBody>
+      </p:sp>
+      <p:sp>
+        <p:nvSpPr>
+          <p:cNvPr id="77" name="PlaceHolder 3"/>
+          <p:cNvSpPr>
+            <a:spLocks noGrp="1"/>
+          </p:cNvSpPr>
+          <p:nvPr>
+            <p:ph/>
+          </p:nvPr>
+        </p:nvSpPr>
+        <p:spPr>
+          <a:xfrm>
+            <a:off x="3571200" y="1326600"/>
+            <a:ext cx="2920680" cy="1568160"/>
+          </a:xfrm>
+          <a:prstGeom prst="rect">
+            <a:avLst/>
+          </a:prstGeom>
+          <a:noFill/>
+          <a:ln w="0">
+            <a:noFill/>
+          </a:ln>
+        </p:spPr>
+        <p:txBody>
+          <a:bodyPr lIns="0" rIns="0" tIns="0" bIns="0" anchor="t">
+            <a:normAutofit/>
+          </a:bodyPr>
+          <a:p>
+            <a:endParaRPr b="0" lang="en-US" sz="3200" spc="-1" strike="noStrike">
+              <a:latin typeface="Arial"/>
+            </a:endParaRPr>
+          </a:p>
+        </p:txBody>
+      </p:sp>
+      <p:sp>
+        <p:nvSpPr>
+          <p:cNvPr id="78" name="PlaceHolder 4"/>
+          <p:cNvSpPr>
+            <a:spLocks noGrp="1"/>
+          </p:cNvSpPr>
+          <p:nvPr>
+            <p:ph/>
+          </p:nvPr>
+        </p:nvSpPr>
+        <p:spPr>
+          <a:xfrm>
+            <a:off x="6638040" y="1326600"/>
+            <a:ext cx="2920680" cy="1568160"/>
+          </a:xfrm>
+          <a:prstGeom prst="rect">
+            <a:avLst/>
+          </a:prstGeom>
+          <a:noFill/>
+          <a:ln w="0">
+            <a:noFill/>
+          </a:ln>
+        </p:spPr>
+        <p:txBody>
+          <a:bodyPr lIns="0" rIns="0" tIns="0" bIns="0" anchor="t">
+            <a:normAutofit/>
+          </a:bodyPr>
+          <a:p>
+            <a:endParaRPr b="0" lang="en-US" sz="3200" spc="-1" strike="noStrike">
+              <a:latin typeface="Arial"/>
+            </a:endParaRPr>
+          </a:p>
+        </p:txBody>
+      </p:sp>
+      <p:sp>
+        <p:nvSpPr>
+          <p:cNvPr id="79" name="PlaceHolder 5"/>
+          <p:cNvSpPr>
+            <a:spLocks noGrp="1"/>
+          </p:cNvSpPr>
+          <p:nvPr>
+            <p:ph/>
+          </p:nvPr>
+        </p:nvSpPr>
+        <p:spPr>
+          <a:xfrm>
+            <a:off x="504000" y="3044160"/>
+            <a:ext cx="2920680" cy="1568160"/>
+          </a:xfrm>
+          <a:prstGeom prst="rect">
+            <a:avLst/>
+          </a:prstGeom>
+          <a:noFill/>
+          <a:ln w="0">
+            <a:noFill/>
+          </a:ln>
+        </p:spPr>
+        <p:txBody>
+          <a:bodyPr lIns="0" rIns="0" tIns="0" bIns="0" anchor="t">
+            <a:normAutofit/>
+          </a:bodyPr>
+          <a:p>
+            <a:endParaRPr b="0" lang="en-US" sz="3200" spc="-1" strike="noStrike">
+              <a:latin typeface="Arial"/>
+            </a:endParaRPr>
+          </a:p>
+        </p:txBody>
+      </p:sp>
+      <p:sp>
+        <p:nvSpPr>
+          <p:cNvPr id="80" name="PlaceHolder 6"/>
+          <p:cNvSpPr>
+            <a:spLocks noGrp="1"/>
+          </p:cNvSpPr>
+          <p:nvPr>
+            <p:ph/>
+          </p:nvPr>
+        </p:nvSpPr>
+        <p:spPr>
+          <a:xfrm>
+            <a:off x="3571200" y="3044160"/>
+            <a:ext cx="2920680" cy="1568160"/>
+          </a:xfrm>
+          <a:prstGeom prst="rect">
+            <a:avLst/>
+          </a:prstGeom>
+          <a:noFill/>
+          <a:ln w="0">
+            <a:noFill/>
+          </a:ln>
+        </p:spPr>
+        <p:txBody>
+          <a:bodyPr lIns="0" rIns="0" tIns="0" bIns="0" anchor="t">
+            <a:normAutofit/>
+          </a:bodyPr>
+          <a:p>
+            <a:endParaRPr b="0" lang="en-US" sz="3200" spc="-1" strike="noStrike">
+              <a:latin typeface="Arial"/>
+            </a:endParaRPr>
+          </a:p>
+        </p:txBody>
+      </p:sp>
+      <p:sp>
+        <p:nvSpPr>
+          <p:cNvPr id="81" name="PlaceHolder 7"/>
+          <p:cNvSpPr>
+            <a:spLocks noGrp="1"/>
+          </p:cNvSpPr>
+          <p:nvPr>
+            <p:ph/>
+          </p:nvPr>
+        </p:nvSpPr>
+        <p:spPr>
+          <a:xfrm>
+            <a:off x="6638040" y="3044160"/>
+            <a:ext cx="2920680" cy="1568160"/>
+          </a:xfrm>
+          <a:prstGeom prst="rect">
+            <a:avLst/>
+          </a:prstGeom>
+          <a:noFill/>
+          <a:ln w="0">
+            <a:noFill/>
+          </a:ln>
+        </p:spPr>
+        <p:txBody>
+          <a:bodyPr lIns="0" rIns="0" tIns="0" bIns="0" anchor="t">
+            <a:normAutofit/>
+          </a:bodyPr>
+          <a:p>
+            <a:endParaRPr b="0" lang="en-US" sz="3200" spc="-1" strike="noStrike">
+              <a:latin typeface="Arial"/>
+            </a:endParaRPr>
+          </a:p>
+        </p:txBody>
+      </p:sp>
+      <p:sp>
+        <p:nvSpPr>
+          <p:cNvPr id="9" name="PlaceHolder 8"/>
+          <p:cNvSpPr>
+            <a:spLocks noGrp="1"/>
+          </p:cNvSpPr>
+          <p:nvPr>
+            <p:ph type="ftr" idx="4"/>
+          </p:nvPr>
+        </p:nvSpPr>
+        <p:spPr/>
+        <p:txBody>
+          <a:bodyPr/>
+          <a:p>
+            <a:r>
+              <a:t>Footer</a:t>
+            </a:r>
+          </a:p>
+        </p:txBody>
+      </p:sp>
+      <p:sp>
+        <p:nvSpPr>
+          <p:cNvPr id="10" name="PlaceHolder 9"/>
+          <p:cNvSpPr>
+            <a:spLocks noGrp="1"/>
+          </p:cNvSpPr>
+          <p:nvPr>
+            <p:ph type="sldNum" idx="5"/>
+          </p:nvPr>
+        </p:nvSpPr>
+        <p:spPr/>
+        <p:txBody>
+          <a:bodyPr/>
+          <a:p>
+            <a:fld id="{8BB85E34-465B-4178-A9B1-0171FAC8879A}" type="slidenum">
+              <a:t>&lt;#&gt;</a:t>
+            </a:fld>
+          </a:p>
+        </p:txBody>
+      </p:sp>
+      <p:sp>
+        <p:nvSpPr>
+          <p:cNvPr id="11" name="PlaceHolder 10"/>
+          <p:cNvSpPr>
+            <a:spLocks noGrp="1"/>
+          </p:cNvSpPr>
+          <p:nvPr>
+            <p:ph type="dt" idx="6"/>
           </p:nvPr>
         </p:nvSpPr>
         <p:spPr/>
@@ -1054,7 +3311,7 @@
         <p:spPr>
           <a:xfrm>
             <a:off x="504000" y="226080"/>
-            <a:ext cx="9071640" cy="946440"/>
+            <a:ext cx="9071280" cy="946080"/>
           </a:xfrm>
           <a:prstGeom prst="rect">
             <a:avLst/>
@@ -1091,7 +3348,7 @@
         <p:spPr>
           <a:xfrm>
             <a:off x="504000" y="1326600"/>
-            <a:ext cx="9071640" cy="3288240"/>
+            <a:ext cx="9071280" cy="3287880"/>
           </a:xfrm>
           <a:prstGeom prst="rect">
             <a:avLst/>
@@ -1119,7 +3376,7 @@
             <a:spLocks noGrp="1"/>
           </p:cNvSpPr>
           <p:nvPr>
-            <p:ph type="ftr" idx="2"/>
+            <p:ph type="ftr" idx="1"/>
           </p:nvPr>
         </p:nvSpPr>
         <p:spPr/>
@@ -1139,14 +3396,14 @@
             <a:spLocks noGrp="1"/>
           </p:cNvSpPr>
           <p:nvPr>
-            <p:ph type="sldNum" idx="3"/>
+            <p:ph type="sldNum" idx="2"/>
           </p:nvPr>
         </p:nvSpPr>
         <p:spPr/>
         <p:txBody>
           <a:bodyPr/>
           <a:p>
-            <a:fld id="{55678084-91BC-4DE3-BB9A-3069801BD5D6}" type="slidenum">
+            <a:fld id="{7B9F98C1-B3D4-47BA-B901-A54D99DC7282}" type="slidenum">
               <a:t>&lt;#&gt;</a:t>
             </a:fld>
           </a:p>
@@ -1159,7 +3416,7 @@
             <a:spLocks noGrp="1"/>
           </p:cNvSpPr>
           <p:nvPr>
-            <p:ph type="dt" idx="1"/>
+            <p:ph type="dt" idx="3"/>
           </p:nvPr>
         </p:nvSpPr>
         <p:spPr/>
@@ -1208,7 +3465,7 @@
         <p:spPr>
           <a:xfrm>
             <a:off x="504000" y="226080"/>
-            <a:ext cx="9071640" cy="946440"/>
+            <a:ext cx="9071280" cy="946080"/>
           </a:xfrm>
           <a:prstGeom prst="rect">
             <a:avLst/>
@@ -1245,7 +3502,7 @@
         <p:spPr>
           <a:xfrm>
             <a:off x="504000" y="1326600"/>
-            <a:ext cx="4426920" cy="3288240"/>
+            <a:ext cx="4426560" cy="3287880"/>
           </a:xfrm>
           <a:prstGeom prst="rect">
             <a:avLst/>
@@ -1278,8 +3535,8 @@
         </p:nvSpPr>
         <p:spPr>
           <a:xfrm>
-            <a:off x="5152680" y="1326600"/>
-            <a:ext cx="4426920" cy="3288240"/>
+            <a:off x="5152320" y="1326600"/>
+            <a:ext cx="4426560" cy="3287880"/>
           </a:xfrm>
           <a:prstGeom prst="rect">
             <a:avLst/>
@@ -1307,7 +3564,7 @@
             <a:spLocks noGrp="1"/>
           </p:cNvSpPr>
           <p:nvPr>
-            <p:ph type="ftr" idx="2"/>
+            <p:ph type="ftr" idx="1"/>
           </p:nvPr>
         </p:nvSpPr>
         <p:spPr/>
@@ -1327,14 +3584,14 @@
             <a:spLocks noGrp="1"/>
           </p:cNvSpPr>
           <p:nvPr>
-            <p:ph type="sldNum" idx="3"/>
+            <p:ph type="sldNum" idx="2"/>
           </p:nvPr>
         </p:nvSpPr>
         <p:spPr/>
         <p:txBody>
           <a:bodyPr/>
           <a:p>
-            <a:fld id="{32F99F0D-9C82-4035-A130-D7830233D3C7}" type="slidenum">
+            <a:fld id="{980E5B4D-A546-41E6-8C95-861081170958}" type="slidenum">
               <a:t>&lt;#&gt;</a:t>
             </a:fld>
           </a:p>
@@ -1347,7 +3604,7 @@
             <a:spLocks noGrp="1"/>
           </p:cNvSpPr>
           <p:nvPr>
-            <p:ph type="dt" idx="1"/>
+            <p:ph type="dt" idx="3"/>
           </p:nvPr>
         </p:nvSpPr>
         <p:spPr/>
@@ -1396,7 +3653,7 @@
         <p:spPr>
           <a:xfrm>
             <a:off x="504000" y="226080"/>
-            <a:ext cx="9071640" cy="946440"/>
+            <a:ext cx="9071280" cy="946080"/>
           </a:xfrm>
           <a:prstGeom prst="rect">
             <a:avLst/>
@@ -1427,7 +3684,7 @@
             <a:spLocks noGrp="1"/>
           </p:cNvSpPr>
           <p:nvPr>
-            <p:ph type="ftr" idx="2"/>
+            <p:ph type="ftr" idx="1"/>
           </p:nvPr>
         </p:nvSpPr>
         <p:spPr/>
@@ -1447,14 +3704,14 @@
             <a:spLocks noGrp="1"/>
           </p:cNvSpPr>
           <p:nvPr>
-            <p:ph type="sldNum" idx="3"/>
+            <p:ph type="sldNum" idx="2"/>
           </p:nvPr>
         </p:nvSpPr>
         <p:spPr/>
         <p:txBody>
           <a:bodyPr/>
           <a:p>
-            <a:fld id="{1F111DE8-7377-4989-A639-027EF50275BF}" type="slidenum">
+            <a:fld id="{A62530A5-E7E5-4CD3-A960-63B6DE22D7BE}" type="slidenum">
               <a:t>&lt;#&gt;</a:t>
             </a:fld>
           </a:p>
@@ -1467,7 +3724,7 @@
             <a:spLocks noGrp="1"/>
           </p:cNvSpPr>
           <p:nvPr>
-            <p:ph type="dt" idx="1"/>
+            <p:ph type="dt" idx="3"/>
           </p:nvPr>
         </p:nvSpPr>
         <p:spPr/>
@@ -1516,7 +3773,7 @@
         <p:spPr>
           <a:xfrm>
             <a:off x="504000" y="226080"/>
-            <a:ext cx="9071640" cy="4388400"/>
+            <a:ext cx="9071280" cy="4386600"/>
           </a:xfrm>
           <a:prstGeom prst="rect">
             <a:avLst/>
@@ -1547,7 +3804,7 @@
             <a:spLocks noGrp="1"/>
           </p:cNvSpPr>
           <p:nvPr>
-            <p:ph type="ftr" idx="2"/>
+            <p:ph type="ftr" idx="1"/>
           </p:nvPr>
         </p:nvSpPr>
         <p:spPr/>
@@ -1567,14 +3824,14 @@
             <a:spLocks noGrp="1"/>
           </p:cNvSpPr>
           <p:nvPr>
-            <p:ph type="sldNum" idx="3"/>
+            <p:ph type="sldNum" idx="2"/>
           </p:nvPr>
         </p:nvSpPr>
         <p:spPr/>
         <p:txBody>
           <a:bodyPr/>
           <a:p>
-            <a:fld id="{5D1763EE-E1A9-4E35-A6C2-9B3FAA344562}" type="slidenum">
+            <a:fld id="{C5C73D72-C2AE-4F0F-B83B-B2D69BA70829}" type="slidenum">
               <a:t>&lt;#&gt;</a:t>
             </a:fld>
           </a:p>
@@ -1587,7 +3844,7 @@
             <a:spLocks noGrp="1"/>
           </p:cNvSpPr>
           <p:nvPr>
-            <p:ph type="dt" idx="1"/>
+            <p:ph type="dt" idx="3"/>
           </p:nvPr>
         </p:nvSpPr>
         <p:spPr/>
@@ -1636,7 +3893,7 @@
         <p:spPr>
           <a:xfrm>
             <a:off x="504000" y="226080"/>
-            <a:ext cx="9071640" cy="946440"/>
+            <a:ext cx="9071280" cy="946080"/>
           </a:xfrm>
           <a:prstGeom prst="rect">
             <a:avLst/>
@@ -1673,7 +3930,7 @@
         <p:spPr>
           <a:xfrm>
             <a:off x="504000" y="1326600"/>
-            <a:ext cx="4426920" cy="1568160"/>
+            <a:ext cx="4426560" cy="1568160"/>
           </a:xfrm>
           <a:prstGeom prst="rect">
             <a:avLst/>
@@ -1706,8 +3963,8 @@
         </p:nvSpPr>
         <p:spPr>
           <a:xfrm>
-            <a:off x="5152680" y="1326600"/>
-            <a:ext cx="4426920" cy="3288240"/>
+            <a:off x="5152320" y="1326600"/>
+            <a:ext cx="4426560" cy="3287880"/>
           </a:xfrm>
           <a:prstGeom prst="rect">
             <a:avLst/>
@@ -1741,7 +3998,7 @@
         <p:spPr>
           <a:xfrm>
             <a:off x="504000" y="3044160"/>
-            <a:ext cx="4426920" cy="1568160"/>
+            <a:ext cx="4426560" cy="1568160"/>
           </a:xfrm>
           <a:prstGeom prst="rect">
             <a:avLst/>
@@ -1769,7 +4026,7 @@
             <a:spLocks noGrp="1"/>
           </p:cNvSpPr>
           <p:nvPr>
-            <p:ph type="ftr" idx="2"/>
+            <p:ph type="ftr" idx="1"/>
           </p:nvPr>
         </p:nvSpPr>
         <p:spPr/>
@@ -1789,14 +4046,14 @@
             <a:spLocks noGrp="1"/>
           </p:cNvSpPr>
           <p:nvPr>
-            <p:ph type="sldNum" idx="3"/>
+            <p:ph type="sldNum" idx="2"/>
           </p:nvPr>
         </p:nvSpPr>
         <p:spPr/>
         <p:txBody>
           <a:bodyPr/>
           <a:p>
-            <a:fld id="{76D97B73-B5F4-4A39-B719-695DF49D108C}" type="slidenum">
+            <a:fld id="{ECAF9781-826E-4B69-AF7E-5F515D411AEE}" type="slidenum">
               <a:t>&lt;#&gt;</a:t>
             </a:fld>
           </a:p>
@@ -1809,7 +4066,7 @@
             <a:spLocks noGrp="1"/>
           </p:cNvSpPr>
           <p:nvPr>
-            <p:ph type="dt" idx="1"/>
+            <p:ph type="dt" idx="3"/>
           </p:nvPr>
         </p:nvSpPr>
         <p:spPr/>
@@ -1858,7 +4115,7 @@
         <p:spPr>
           <a:xfrm>
             <a:off x="504000" y="226080"/>
-            <a:ext cx="9071640" cy="946440"/>
+            <a:ext cx="9071280" cy="946080"/>
           </a:xfrm>
           <a:prstGeom prst="rect">
             <a:avLst/>
@@ -1895,7 +4152,7 @@
         <p:spPr>
           <a:xfrm>
             <a:off x="504000" y="1326600"/>
-            <a:ext cx="4426920" cy="3288240"/>
+            <a:ext cx="4426560" cy="3287880"/>
           </a:xfrm>
           <a:prstGeom prst="rect">
             <a:avLst/>
@@ -1928,8 +4185,8 @@
         </p:nvSpPr>
         <p:spPr>
           <a:xfrm>
-            <a:off x="5152680" y="1326600"/>
-            <a:ext cx="4426920" cy="1568160"/>
+            <a:off x="5152320" y="1326600"/>
+            <a:ext cx="4426560" cy="1568160"/>
           </a:xfrm>
           <a:prstGeom prst="rect">
             <a:avLst/>
@@ -1962,8 +4219,8 @@
         </p:nvSpPr>
         <p:spPr>
           <a:xfrm>
-            <a:off x="5152680" y="3044160"/>
-            <a:ext cx="4426920" cy="1568160"/>
+            <a:off x="5152320" y="3044160"/>
+            <a:ext cx="4426560" cy="1568160"/>
           </a:xfrm>
           <a:prstGeom prst="rect">
             <a:avLst/>
@@ -1991,7 +4248,7 @@
             <a:spLocks noGrp="1"/>
           </p:cNvSpPr>
           <p:nvPr>
-            <p:ph type="ftr" idx="2"/>
+            <p:ph type="ftr" idx="1"/>
           </p:nvPr>
         </p:nvSpPr>
         <p:spPr/>
@@ -2011,14 +4268,14 @@
             <a:spLocks noGrp="1"/>
           </p:cNvSpPr>
           <p:nvPr>
-            <p:ph type="sldNum" idx="3"/>
+            <p:ph type="sldNum" idx="2"/>
           </p:nvPr>
         </p:nvSpPr>
         <p:spPr/>
         <p:txBody>
           <a:bodyPr/>
           <a:p>
-            <a:fld id="{35C9015F-DA77-4B33-8B8B-93309D21505B}" type="slidenum">
+            <a:fld id="{E8D613C8-7F91-4FA9-A728-CE877A16B215}" type="slidenum">
               <a:t>&lt;#&gt;</a:t>
             </a:fld>
           </a:p>
@@ -2031,7 +4288,7 @@
             <a:spLocks noGrp="1"/>
           </p:cNvSpPr>
           <p:nvPr>
-            <p:ph type="dt" idx="1"/>
+            <p:ph type="dt" idx="3"/>
           </p:nvPr>
         </p:nvSpPr>
         <p:spPr/>
@@ -2080,7 +4337,7 @@
         <p:spPr>
           <a:xfrm>
             <a:off x="504000" y="226080"/>
-            <a:ext cx="9071640" cy="946440"/>
+            <a:ext cx="9071280" cy="946080"/>
           </a:xfrm>
           <a:prstGeom prst="rect">
             <a:avLst/>
@@ -2117,7 +4374,7 @@
         <p:spPr>
           <a:xfrm>
             <a:off x="504000" y="1326600"/>
-            <a:ext cx="4426920" cy="1568160"/>
+            <a:ext cx="4426560" cy="1568160"/>
           </a:xfrm>
           <a:prstGeom prst="rect">
             <a:avLst/>
@@ -2150,8 +4407,8 @@
         </p:nvSpPr>
         <p:spPr>
           <a:xfrm>
-            <a:off x="5152680" y="1326600"/>
-            <a:ext cx="4426920" cy="1568160"/>
+            <a:off x="5152320" y="1326600"/>
+            <a:ext cx="4426560" cy="1568160"/>
           </a:xfrm>
           <a:prstGeom prst="rect">
             <a:avLst/>
@@ -2185,7 +4442,7 @@
         <p:spPr>
           <a:xfrm>
             <a:off x="504000" y="3044160"/>
-            <a:ext cx="9071640" cy="1568160"/>
+            <a:ext cx="9071280" cy="1568160"/>
           </a:xfrm>
           <a:prstGeom prst="rect">
             <a:avLst/>
@@ -2213,7 +4470,7 @@
             <a:spLocks noGrp="1"/>
           </p:cNvSpPr>
           <p:nvPr>
-            <p:ph type="ftr" idx="2"/>
+            <p:ph type="ftr" idx="1"/>
           </p:nvPr>
         </p:nvSpPr>
         <p:spPr/>
@@ -2233,14 +4490,14 @@
             <a:spLocks noGrp="1"/>
           </p:cNvSpPr>
           <p:nvPr>
-            <p:ph type="sldNum" idx="3"/>
+            <p:ph type="sldNum" idx="2"/>
           </p:nvPr>
         </p:nvSpPr>
         <p:spPr/>
         <p:txBody>
           <a:bodyPr/>
           <a:p>
-            <a:fld id="{2956188D-8416-41A7-93B7-9A609C118C54}" type="slidenum">
+            <a:fld id="{E5B319EC-96E9-4126-A62E-5AD25C4106BF}" type="slidenum">
               <a:t>&lt;#&gt;</a:t>
             </a:fld>
           </a:p>
@@ -2253,7 +4510,7 @@
             <a:spLocks noGrp="1"/>
           </p:cNvSpPr>
           <p:nvPr>
-            <p:ph type="dt" idx="1"/>
+            <p:ph type="dt" idx="3"/>
           </p:nvPr>
         </p:nvSpPr>
         <p:spPr/>
@@ -2302,7 +4559,7 @@
         <p:spPr>
           <a:xfrm>
             <a:off x="504000" y="226080"/>
-            <a:ext cx="9071640" cy="946440"/>
+            <a:ext cx="9071280" cy="946080"/>
           </a:xfrm>
           <a:prstGeom prst="rect">
             <a:avLst/>
@@ -2317,30 +4574,182 @@
             <a:noAutofit/>
           </a:bodyPr>
           <a:p>
+            <a:r>
+              <a:rPr b="0" lang="en-US" sz="1800" spc="-1" strike="noStrike">
+                <a:latin typeface="Arial"/>
+              </a:rPr>
+              <a:t>Click to edit the title text format</a:t>
+            </a:r>
+            <a:endParaRPr b="0" lang="en-US" sz="1800" spc="-1" strike="noStrike">
+              <a:latin typeface="Arial"/>
+            </a:endParaRPr>
+          </a:p>
+        </p:txBody>
+      </p:sp>
+      <p:sp>
+        <p:nvSpPr>
+          <p:cNvPr id="1" name="PlaceHolder 2"/>
+          <p:cNvSpPr>
+            <a:spLocks noGrp="1"/>
+          </p:cNvSpPr>
+          <p:nvPr>
+            <p:ph type="ftr" idx="1"/>
+          </p:nvPr>
+        </p:nvSpPr>
+        <p:spPr>
+          <a:xfrm>
+            <a:off x="3447360" y="5165280"/>
+            <a:ext cx="3194640" cy="390240"/>
+          </a:xfrm>
+          <a:prstGeom prst="rect">
+            <a:avLst/>
+          </a:prstGeom>
+          <a:noFill/>
+          <a:ln w="0">
+            <a:noFill/>
+          </a:ln>
+        </p:spPr>
+        <p:txBody>
+          <a:bodyPr lIns="0" rIns="0" tIns="0" bIns="0" anchor="t">
+            <a:noAutofit/>
+          </a:bodyPr>
+          <a:lstStyle>
+            <a:lvl1pPr algn="ctr">
+              <a:lnSpc>
+                <a:spcPct val="100000"/>
+              </a:lnSpc>
+              <a:buNone/>
+              <a:defRPr b="0" lang="en-US" sz="1400" spc="-1" strike="noStrike">
+                <a:latin typeface="Times New Roman"/>
+              </a:defRPr>
+            </a:lvl1pPr>
+          </a:lstStyle>
+          <a:p>
             <a:pPr algn="ctr">
+              <a:lnSpc>
+                <a:spcPct val="100000"/>
+              </a:lnSpc>
               <a:buNone/>
             </a:pPr>
             <a:r>
-              <a:rPr b="0" lang="en-US" sz="4400" spc="-1" strike="noStrike">
-                <a:latin typeface="Arial"/>
-              </a:rPr>
-              <a:t>Click to edit the </a:t>
-            </a:r>
-            <a:r>
-              <a:rPr b="0" lang="en-US" sz="4400" spc="-1" strike="noStrike">
-                <a:latin typeface="Arial"/>
-              </a:rPr>
-              <a:t>title text format</a:t>
-            </a:r>
-            <a:endParaRPr b="0" lang="en-US" sz="4400" spc="-1" strike="noStrike">
-              <a:latin typeface="Arial"/>
-            </a:endParaRPr>
-          </a:p>
-        </p:txBody>
-      </p:sp>
-      <p:sp>
-        <p:nvSpPr>
-          <p:cNvPr id="1" name="PlaceHolder 2"/>
+              <a:rPr b="0" lang="en-US" sz="1400" spc="-1" strike="noStrike">
+                <a:latin typeface="Times New Roman"/>
+              </a:rPr>
+              <a:t> </a:t>
+            </a:r>
+            <a:endParaRPr b="0" lang="en-US" sz="1400" spc="-1" strike="noStrike">
+              <a:latin typeface="Times New Roman"/>
+            </a:endParaRPr>
+          </a:p>
+        </p:txBody>
+      </p:sp>
+      <p:sp>
+        <p:nvSpPr>
+          <p:cNvPr id="2" name="PlaceHolder 3"/>
+          <p:cNvSpPr>
+            <a:spLocks noGrp="1"/>
+          </p:cNvSpPr>
+          <p:nvPr>
+            <p:ph type="sldNum" idx="2"/>
+          </p:nvPr>
+        </p:nvSpPr>
+        <p:spPr>
+          <a:xfrm>
+            <a:off x="7227360" y="5165280"/>
+            <a:ext cx="2347920" cy="390240"/>
+          </a:xfrm>
+          <a:prstGeom prst="rect">
+            <a:avLst/>
+          </a:prstGeom>
+          <a:noFill/>
+          <a:ln w="0">
+            <a:noFill/>
+          </a:ln>
+        </p:spPr>
+        <p:txBody>
+          <a:bodyPr lIns="0" rIns="0" tIns="0" bIns="0" anchor="t">
+            <a:noAutofit/>
+          </a:bodyPr>
+          <a:lstStyle>
+            <a:lvl1pPr algn="r">
+              <a:lnSpc>
+                <a:spcPct val="100000"/>
+              </a:lnSpc>
+              <a:buNone/>
+              <a:defRPr b="0" lang="en-US" sz="1400" spc="-1" strike="noStrike">
+                <a:latin typeface="Times New Roman"/>
+              </a:defRPr>
+            </a:lvl1pPr>
+          </a:lstStyle>
+          <a:p>
+            <a:pPr algn="r">
+              <a:lnSpc>
+                <a:spcPct val="100000"/>
+              </a:lnSpc>
+              <a:buNone/>
+            </a:pPr>
+            <a:fld id="{2D435D92-5559-4D88-A14A-3D4D7CEE2ADA}" type="slidenum">
+              <a:rPr b="0" lang="en-US" sz="1400" spc="-1" strike="noStrike">
+                <a:latin typeface="Times New Roman"/>
+              </a:rPr>
+              <a:t>5</a:t>
+            </a:fld>
+            <a:endParaRPr b="0" lang="en-US" sz="1400" spc="-1" strike="noStrike">
+              <a:latin typeface="Times New Roman"/>
+            </a:endParaRPr>
+          </a:p>
+        </p:txBody>
+      </p:sp>
+      <p:sp>
+        <p:nvSpPr>
+          <p:cNvPr id="3" name="PlaceHolder 4"/>
+          <p:cNvSpPr>
+            <a:spLocks noGrp="1"/>
+          </p:cNvSpPr>
+          <p:nvPr>
+            <p:ph type="dt" idx="3"/>
+          </p:nvPr>
+        </p:nvSpPr>
+        <p:spPr>
+          <a:xfrm>
+            <a:off x="504000" y="5165280"/>
+            <a:ext cx="2347920" cy="390240"/>
+          </a:xfrm>
+          <a:prstGeom prst="rect">
+            <a:avLst/>
+          </a:prstGeom>
+          <a:noFill/>
+          <a:ln w="0">
+            <a:noFill/>
+          </a:ln>
+        </p:spPr>
+        <p:txBody>
+          <a:bodyPr lIns="0" rIns="0" tIns="0" bIns="0" anchor="t">
+            <a:noAutofit/>
+          </a:bodyPr>
+          <a:lstStyle>
+            <a:lvl1pPr>
+              <a:defRPr b="0" lang="en-US" sz="1400" spc="-1" strike="noStrike">
+                <a:latin typeface="Times New Roman"/>
+              </a:defRPr>
+            </a:lvl1pPr>
+          </a:lstStyle>
+          <a:p>
+            <a:r>
+              <a:rPr b="0" lang="en-US" sz="1400" spc="-1" strike="noStrike">
+                <a:latin typeface="Times New Roman"/>
+              </a:rPr>
+              <a:t> </a:t>
+            </a:r>
+            <a:endParaRPr b="0" lang="en-US" sz="1400" spc="-1" strike="noStrike">
+              <a:latin typeface="Times New Roman"/>
+            </a:endParaRPr>
+          </a:p>
+        </p:txBody>
+      </p:sp>
+      <p:sp>
+        <p:nvSpPr>
+          <p:cNvPr id="4" name="PlaceHolder 5"/>
           <p:cNvSpPr>
             <a:spLocks noGrp="1"/>
           </p:cNvSpPr>
@@ -2351,7 +4760,7 @@
         <p:spPr>
           <a:xfrm>
             <a:off x="504000" y="1326600"/>
-            <a:ext cx="9071640" cy="3288240"/>
+            <a:ext cx="9072000" cy="3288600"/>
           </a:xfrm>
           <a:prstGeom prst="rect">
             <a:avLst/>
@@ -2517,155 +4926,6 @@
             </a:r>
             <a:endParaRPr b="0" lang="en-US" sz="2000" spc="-1" strike="noStrike">
               <a:latin typeface="Arial"/>
-            </a:endParaRPr>
-          </a:p>
-        </p:txBody>
-      </p:sp>
-      <p:sp>
-        <p:nvSpPr>
-          <p:cNvPr id="2" name="PlaceHolder 3"/>
-          <p:cNvSpPr>
-            <a:spLocks noGrp="1"/>
-          </p:cNvSpPr>
-          <p:nvPr>
-            <p:ph type="dt" idx="1"/>
-          </p:nvPr>
-        </p:nvSpPr>
-        <p:spPr>
-          <a:xfrm>
-            <a:off x="504000" y="5165280"/>
-            <a:ext cx="2348280" cy="390600"/>
-          </a:xfrm>
-          <a:prstGeom prst="rect">
-            <a:avLst/>
-          </a:prstGeom>
-          <a:noFill/>
-          <a:ln w="0">
-            <a:noFill/>
-          </a:ln>
-        </p:spPr>
-        <p:txBody>
-          <a:bodyPr lIns="0" rIns="0" tIns="0" bIns="0" anchor="t">
-            <a:noAutofit/>
-          </a:bodyPr>
-          <a:lstStyle>
-            <a:lvl1pPr>
-              <a:defRPr b="0" lang="en-US" sz="1400" spc="-1" strike="noStrike">
-                <a:latin typeface="Times New Roman"/>
-              </a:defRPr>
-            </a:lvl1pPr>
-          </a:lstStyle>
-          <a:p>
-            <a:r>
-              <a:rPr b="0" lang="en-US" sz="1400" spc="-1" strike="noStrike">
-                <a:latin typeface="Times New Roman"/>
-              </a:rPr>
-              <a:t>&lt;date/time&gt;</a:t>
-            </a:r>
-            <a:endParaRPr b="0" lang="en-US" sz="1400" spc="-1" strike="noStrike">
-              <a:latin typeface="Times New Roman"/>
-            </a:endParaRPr>
-          </a:p>
-        </p:txBody>
-      </p:sp>
-      <p:sp>
-        <p:nvSpPr>
-          <p:cNvPr id="3" name="PlaceHolder 4"/>
-          <p:cNvSpPr>
-            <a:spLocks noGrp="1"/>
-          </p:cNvSpPr>
-          <p:nvPr>
-            <p:ph type="ftr" idx="2"/>
-          </p:nvPr>
-        </p:nvSpPr>
-        <p:spPr>
-          <a:xfrm>
-            <a:off x="3447360" y="5165280"/>
-            <a:ext cx="3195000" cy="390600"/>
-          </a:xfrm>
-          <a:prstGeom prst="rect">
-            <a:avLst/>
-          </a:prstGeom>
-          <a:noFill/>
-          <a:ln w="0">
-            <a:noFill/>
-          </a:ln>
-        </p:spPr>
-        <p:txBody>
-          <a:bodyPr lIns="0" rIns="0" tIns="0" bIns="0" anchor="t">
-            <a:noAutofit/>
-          </a:bodyPr>
-          <a:lstStyle>
-            <a:lvl1pPr algn="ctr">
-              <a:buNone/>
-              <a:defRPr b="0" lang="en-US" sz="1400" spc="-1" strike="noStrike">
-                <a:latin typeface="Times New Roman"/>
-              </a:defRPr>
-            </a:lvl1pPr>
-          </a:lstStyle>
-          <a:p>
-            <a:pPr algn="ctr">
-              <a:buNone/>
-            </a:pPr>
-            <a:r>
-              <a:rPr b="0" lang="en-US" sz="1400" spc="-1" strike="noStrike">
-                <a:latin typeface="Times New Roman"/>
-              </a:rPr>
-              <a:t>&lt;footer&gt;</a:t>
-            </a:r>
-            <a:endParaRPr b="0" lang="en-US" sz="1400" spc="-1" strike="noStrike">
-              <a:latin typeface="Times New Roman"/>
-            </a:endParaRPr>
-          </a:p>
-        </p:txBody>
-      </p:sp>
-      <p:sp>
-        <p:nvSpPr>
-          <p:cNvPr id="4" name="PlaceHolder 5"/>
-          <p:cNvSpPr>
-            <a:spLocks noGrp="1"/>
-          </p:cNvSpPr>
-          <p:nvPr>
-            <p:ph type="sldNum" idx="3"/>
-          </p:nvPr>
-        </p:nvSpPr>
-        <p:spPr>
-          <a:xfrm>
-            <a:off x="7227360" y="5165280"/>
-            <a:ext cx="2348280" cy="390600"/>
-          </a:xfrm>
-          <a:prstGeom prst="rect">
-            <a:avLst/>
-          </a:prstGeom>
-          <a:noFill/>
-          <a:ln w="0">
-            <a:noFill/>
-          </a:ln>
-        </p:spPr>
-        <p:txBody>
-          <a:bodyPr lIns="0" rIns="0" tIns="0" bIns="0" anchor="t">
-            <a:noAutofit/>
-          </a:bodyPr>
-          <a:lstStyle>
-            <a:lvl1pPr algn="r">
-              <a:buNone/>
-              <a:defRPr b="0" lang="en-US" sz="1400" spc="-1" strike="noStrike">
-                <a:latin typeface="Times New Roman"/>
-              </a:defRPr>
-            </a:lvl1pPr>
-          </a:lstStyle>
-          <a:p>
-            <a:pPr algn="r">
-              <a:buNone/>
-            </a:pPr>
-            <a:fld id="{4A6E66E8-4B8B-4A63-A53D-21BE93C89340}" type="slidenum">
-              <a:rPr b="0" lang="en-US" sz="1400" spc="-1" strike="noStrike">
-                <a:latin typeface="Times New Roman"/>
-              </a:rPr>
-              <a:t>&lt;number&gt;</a:t>
-            </a:fld>
-            <a:endParaRPr b="0" lang="en-US" sz="1400" spc="-1" strike="noStrike">
-              <a:latin typeface="Times New Roman"/>
             </a:endParaRPr>
           </a:p>
         </p:txBody>
@@ -2686,6 +4946,427 @@
     <p:sldLayoutId id="2147483658" r:id="rId11"/>
     <p:sldLayoutId id="2147483659" r:id="rId12"/>
     <p:sldLayoutId id="2147483660" r:id="rId13"/>
+  </p:sldLayoutIdLst>
+</p:sldMaster>
+</file>
+
+<file path=ppt/slideMasters/slideMaster2.xml><?xml version="1.0" encoding="utf-8"?>
+<p:sldMaster xmlns:a="http://schemas.openxmlformats.org/drawingml/2006/main" xmlns:p="http://schemas.openxmlformats.org/presentationml/2006/main" xmlns:r="http://schemas.openxmlformats.org/officeDocument/2006/relationships" xmlns:p14="http://schemas.microsoft.com/office/powerpoint/2010/main" xmlns:p15="http://schemas.microsoft.com/office/powerpoint/2012/main" xmlns:mc="http://schemas.openxmlformats.org/markup-compatibility/2006">
+  <p:cSld>
+    <p:spTree>
+      <p:nvGrpSpPr>
+        <p:cNvPr id="1" name=""/>
+        <p:cNvGrpSpPr/>
+        <p:nvPr/>
+      </p:nvGrpSpPr>
+      <p:grpSpPr>
+        <a:xfrm>
+          <a:off x="0" y="0"/>
+          <a:ext cx="0" cy="0"/>
+          <a:chOff x="0" y="0"/>
+          <a:chExt cx="0" cy="0"/>
+        </a:xfrm>
+      </p:grpSpPr>
+      <p:sp>
+        <p:nvSpPr>
+          <p:cNvPr id="41" name="PlaceHolder 1"/>
+          <p:cNvSpPr>
+            <a:spLocks noGrp="1"/>
+          </p:cNvSpPr>
+          <p:nvPr>
+            <p:ph type="title"/>
+          </p:nvPr>
+        </p:nvSpPr>
+        <p:spPr>
+          <a:xfrm>
+            <a:off x="504000" y="226080"/>
+            <a:ext cx="9071280" cy="946080"/>
+          </a:xfrm>
+          <a:prstGeom prst="rect">
+            <a:avLst/>
+          </a:prstGeom>
+          <a:noFill/>
+          <a:ln w="0">
+            <a:noFill/>
+          </a:ln>
+        </p:spPr>
+        <p:txBody>
+          <a:bodyPr lIns="0" rIns="0" tIns="0" bIns="0" anchor="ctr">
+            <a:noAutofit/>
+          </a:bodyPr>
+          <a:p>
+            <a:r>
+              <a:rPr b="0" lang="en-US" sz="1800" spc="-1" strike="noStrike">
+                <a:latin typeface="Arial"/>
+              </a:rPr>
+              <a:t>Click to edit the title text format</a:t>
+            </a:r>
+            <a:endParaRPr b="0" lang="en-US" sz="1800" spc="-1" strike="noStrike">
+              <a:latin typeface="Arial"/>
+            </a:endParaRPr>
+          </a:p>
+        </p:txBody>
+      </p:sp>
+      <p:sp>
+        <p:nvSpPr>
+          <p:cNvPr id="42" name="PlaceHolder 2"/>
+          <p:cNvSpPr>
+            <a:spLocks noGrp="1"/>
+          </p:cNvSpPr>
+          <p:nvPr>
+            <p:ph type="body"/>
+          </p:nvPr>
+        </p:nvSpPr>
+        <p:spPr>
+          <a:xfrm>
+            <a:off x="504000" y="1326600"/>
+            <a:ext cx="9071280" cy="3287880"/>
+          </a:xfrm>
+          <a:prstGeom prst="rect">
+            <a:avLst/>
+          </a:prstGeom>
+          <a:noFill/>
+          <a:ln w="0">
+            <a:noFill/>
+          </a:ln>
+        </p:spPr>
+        <p:txBody>
+          <a:bodyPr lIns="0" rIns="0" tIns="0" bIns="0" anchor="t">
+            <a:normAutofit/>
+          </a:bodyPr>
+          <a:p>
+            <a:pPr marL="432000" indent="-324000">
+              <a:spcBef>
+                <a:spcPts val="1417"/>
+              </a:spcBef>
+              <a:buClr>
+                <a:srgbClr val="000000"/>
+              </a:buClr>
+              <a:buSzPct val="45000"/>
+              <a:buFont typeface="Wingdings" charset="2"/>
+              <a:buChar char=""/>
+            </a:pPr>
+            <a:r>
+              <a:rPr b="0" lang="en-US" sz="1800" spc="-1" strike="noStrike">
+                <a:latin typeface="Arial"/>
+              </a:rPr>
+              <a:t>Click to edit the outline text format</a:t>
+            </a:r>
+            <a:endParaRPr b="0" lang="en-US" sz="1800" spc="-1" strike="noStrike">
+              <a:latin typeface="Arial"/>
+            </a:endParaRPr>
+          </a:p>
+          <a:p>
+            <a:pPr lvl="1" marL="864000" indent="-324000">
+              <a:spcBef>
+                <a:spcPts val="1134"/>
+              </a:spcBef>
+              <a:buClr>
+                <a:srgbClr val="000000"/>
+              </a:buClr>
+              <a:buSzPct val="75000"/>
+              <a:buFont typeface="Symbol" charset="2"/>
+              <a:buChar char=""/>
+            </a:pPr>
+            <a:r>
+              <a:rPr b="0" lang="en-US" sz="1800" spc="-1" strike="noStrike">
+                <a:latin typeface="Arial"/>
+              </a:rPr>
+              <a:t>Second Outline Level</a:t>
+            </a:r>
+            <a:endParaRPr b="0" lang="en-US" sz="1800" spc="-1" strike="noStrike">
+              <a:latin typeface="Arial"/>
+            </a:endParaRPr>
+          </a:p>
+          <a:p>
+            <a:pPr lvl="2" marL="1296000" indent="-288000">
+              <a:spcBef>
+                <a:spcPts val="850"/>
+              </a:spcBef>
+              <a:buClr>
+                <a:srgbClr val="000000"/>
+              </a:buClr>
+              <a:buSzPct val="45000"/>
+              <a:buFont typeface="Wingdings" charset="2"/>
+              <a:buChar char=""/>
+            </a:pPr>
+            <a:r>
+              <a:rPr b="0" lang="en-US" sz="1800" spc="-1" strike="noStrike">
+                <a:latin typeface="Arial"/>
+              </a:rPr>
+              <a:t>Third Outline Level</a:t>
+            </a:r>
+            <a:endParaRPr b="0" lang="en-US" sz="1800" spc="-1" strike="noStrike">
+              <a:latin typeface="Arial"/>
+            </a:endParaRPr>
+          </a:p>
+          <a:p>
+            <a:pPr lvl="3" marL="1728000" indent="-216000">
+              <a:spcBef>
+                <a:spcPts val="567"/>
+              </a:spcBef>
+              <a:buClr>
+                <a:srgbClr val="000000"/>
+              </a:buClr>
+              <a:buSzPct val="75000"/>
+              <a:buFont typeface="Symbol" charset="2"/>
+              <a:buChar char=""/>
+            </a:pPr>
+            <a:r>
+              <a:rPr b="0" lang="en-US" sz="1800" spc="-1" strike="noStrike">
+                <a:latin typeface="Arial"/>
+              </a:rPr>
+              <a:t>Fourth Outline Level</a:t>
+            </a:r>
+            <a:endParaRPr b="0" lang="en-US" sz="1800" spc="-1" strike="noStrike">
+              <a:latin typeface="Arial"/>
+            </a:endParaRPr>
+          </a:p>
+          <a:p>
+            <a:pPr lvl="4" marL="2160000" indent="-216000">
+              <a:spcBef>
+                <a:spcPts val="283"/>
+              </a:spcBef>
+              <a:buClr>
+                <a:srgbClr val="000000"/>
+              </a:buClr>
+              <a:buSzPct val="45000"/>
+              <a:buFont typeface="Wingdings" charset="2"/>
+              <a:buChar char=""/>
+            </a:pPr>
+            <a:r>
+              <a:rPr b="0" lang="en-US" sz="1800" spc="-1" strike="noStrike">
+                <a:latin typeface="Arial"/>
+              </a:rPr>
+              <a:t>Fifth Outline Level</a:t>
+            </a:r>
+            <a:endParaRPr b="0" lang="en-US" sz="1800" spc="-1" strike="noStrike">
+              <a:latin typeface="Arial"/>
+            </a:endParaRPr>
+          </a:p>
+          <a:p>
+            <a:pPr lvl="5" marL="2592000" indent="-216000">
+              <a:spcBef>
+                <a:spcPts val="283"/>
+              </a:spcBef>
+              <a:buClr>
+                <a:srgbClr val="000000"/>
+              </a:buClr>
+              <a:buSzPct val="45000"/>
+              <a:buFont typeface="Wingdings" charset="2"/>
+              <a:buChar char=""/>
+            </a:pPr>
+            <a:r>
+              <a:rPr b="0" lang="en-US" sz="1800" spc="-1" strike="noStrike">
+                <a:latin typeface="Arial"/>
+              </a:rPr>
+              <a:t>Sixth Outline Level</a:t>
+            </a:r>
+            <a:endParaRPr b="0" lang="en-US" sz="1800" spc="-1" strike="noStrike">
+              <a:latin typeface="Arial"/>
+            </a:endParaRPr>
+          </a:p>
+          <a:p>
+            <a:pPr lvl="6" marL="3024000" indent="-216000">
+              <a:spcBef>
+                <a:spcPts val="283"/>
+              </a:spcBef>
+              <a:buClr>
+                <a:srgbClr val="000000"/>
+              </a:buClr>
+              <a:buSzPct val="45000"/>
+              <a:buFont typeface="Wingdings" charset="2"/>
+              <a:buChar char=""/>
+            </a:pPr>
+            <a:r>
+              <a:rPr b="0" lang="en-US" sz="1800" spc="-1" strike="noStrike">
+                <a:latin typeface="Arial"/>
+              </a:rPr>
+              <a:t>Seventh Outline Level</a:t>
+            </a:r>
+            <a:endParaRPr b="0" lang="en-US" sz="1800" spc="-1" strike="noStrike">
+              <a:latin typeface="Arial"/>
+            </a:endParaRPr>
+          </a:p>
+        </p:txBody>
+      </p:sp>
+      <p:sp>
+        <p:nvSpPr>
+          <p:cNvPr id="43" name="PlaceHolder 3"/>
+          <p:cNvSpPr>
+            <a:spLocks noGrp="1"/>
+          </p:cNvSpPr>
+          <p:nvPr>
+            <p:ph type="ftr" idx="4"/>
+          </p:nvPr>
+        </p:nvSpPr>
+        <p:spPr>
+          <a:xfrm>
+            <a:off x="3447360" y="5165280"/>
+            <a:ext cx="3194640" cy="390240"/>
+          </a:xfrm>
+          <a:prstGeom prst="rect">
+            <a:avLst/>
+          </a:prstGeom>
+          <a:noFill/>
+          <a:ln w="0">
+            <a:noFill/>
+          </a:ln>
+        </p:spPr>
+        <p:txBody>
+          <a:bodyPr lIns="0" rIns="0" tIns="0" bIns="0" anchor="t">
+            <a:noAutofit/>
+          </a:bodyPr>
+          <a:lstStyle>
+            <a:lvl1pPr algn="ctr">
+              <a:lnSpc>
+                <a:spcPct val="100000"/>
+              </a:lnSpc>
+              <a:buNone/>
+              <a:defRPr b="0" lang="en-US" sz="1400" spc="-1" strike="noStrike">
+                <a:latin typeface="Times New Roman"/>
+              </a:defRPr>
+            </a:lvl1pPr>
+          </a:lstStyle>
+          <a:p>
+            <a:pPr algn="ctr">
+              <a:lnSpc>
+                <a:spcPct val="100000"/>
+              </a:lnSpc>
+              <a:buNone/>
+            </a:pPr>
+            <a:r>
+              <a:rPr b="0" lang="en-US" sz="1400" spc="-1" strike="noStrike">
+                <a:latin typeface="Times New Roman"/>
+              </a:rPr>
+              <a:t>&lt;footer&gt;</a:t>
+            </a:r>
+            <a:endParaRPr b="0" lang="en-US" sz="1400" spc="-1" strike="noStrike">
+              <a:latin typeface="Times New Roman"/>
+            </a:endParaRPr>
+          </a:p>
+        </p:txBody>
+      </p:sp>
+      <p:sp>
+        <p:nvSpPr>
+          <p:cNvPr id="44" name="PlaceHolder 4"/>
+          <p:cNvSpPr>
+            <a:spLocks noGrp="1"/>
+          </p:cNvSpPr>
+          <p:nvPr>
+            <p:ph type="sldNum" idx="5"/>
+          </p:nvPr>
+        </p:nvSpPr>
+        <p:spPr>
+          <a:xfrm>
+            <a:off x="7227360" y="5165280"/>
+            <a:ext cx="2347920" cy="390240"/>
+          </a:xfrm>
+          <a:prstGeom prst="rect">
+            <a:avLst/>
+          </a:prstGeom>
+          <a:noFill/>
+          <a:ln w="0">
+            <a:noFill/>
+          </a:ln>
+        </p:spPr>
+        <p:txBody>
+          <a:bodyPr lIns="0" rIns="0" tIns="0" bIns="0" anchor="t">
+            <a:noAutofit/>
+          </a:bodyPr>
+          <a:lstStyle>
+            <a:lvl1pPr algn="r">
+              <a:lnSpc>
+                <a:spcPct val="100000"/>
+              </a:lnSpc>
+              <a:buNone/>
+              <a:defRPr b="0" lang="en-US" sz="1400" spc="-1" strike="noStrike">
+                <a:latin typeface="Times New Roman"/>
+              </a:defRPr>
+            </a:lvl1pPr>
+          </a:lstStyle>
+          <a:p>
+            <a:pPr algn="r">
+              <a:lnSpc>
+                <a:spcPct val="100000"/>
+              </a:lnSpc>
+              <a:buNone/>
+            </a:pPr>
+            <a:fld id="{888F2697-D2B9-413B-A5E1-83B511DA47EA}" type="slidenum">
+              <a:rPr b="0" lang="en-US" sz="1400" spc="-1" strike="noStrike">
+                <a:latin typeface="Times New Roman"/>
+              </a:rPr>
+              <a:t>&lt;number&gt;</a:t>
+            </a:fld>
+            <a:endParaRPr b="0" lang="en-US" sz="1400" spc="-1" strike="noStrike">
+              <a:latin typeface="Times New Roman"/>
+            </a:endParaRPr>
+          </a:p>
+        </p:txBody>
+      </p:sp>
+      <p:sp>
+        <p:nvSpPr>
+          <p:cNvPr id="45" name="PlaceHolder 5"/>
+          <p:cNvSpPr>
+            <a:spLocks noGrp="1"/>
+          </p:cNvSpPr>
+          <p:nvPr>
+            <p:ph type="dt" idx="6"/>
+          </p:nvPr>
+        </p:nvSpPr>
+        <p:spPr>
+          <a:xfrm>
+            <a:off x="504000" y="5165280"/>
+            <a:ext cx="2347920" cy="390240"/>
+          </a:xfrm>
+          <a:prstGeom prst="rect">
+            <a:avLst/>
+          </a:prstGeom>
+          <a:noFill/>
+          <a:ln w="0">
+            <a:noFill/>
+          </a:ln>
+        </p:spPr>
+        <p:txBody>
+          <a:bodyPr lIns="0" rIns="0" tIns="0" bIns="0" anchor="t">
+            <a:noAutofit/>
+          </a:bodyPr>
+          <a:lstStyle>
+            <a:lvl1pPr>
+              <a:defRPr b="0" lang="en-US" sz="1400" spc="-1" strike="noStrike">
+                <a:latin typeface="Times New Roman"/>
+              </a:defRPr>
+            </a:lvl1pPr>
+          </a:lstStyle>
+          <a:p>
+            <a:r>
+              <a:rPr b="0" lang="en-US" sz="1400" spc="-1" strike="noStrike">
+                <a:latin typeface="Times New Roman"/>
+              </a:rPr>
+              <a:t>&lt;date/time&gt;</a:t>
+            </a:r>
+            <a:endParaRPr b="0" lang="en-US" sz="1400" spc="-1" strike="noStrike">
+              <a:latin typeface="Times New Roman"/>
+            </a:endParaRPr>
+          </a:p>
+        </p:txBody>
+      </p:sp>
+    </p:spTree>
+  </p:cSld>
+  <p:clrMap bg1="lt1" bg2="lt2" tx1="dk1" tx2="dk2" accent1="accent1" accent2="accent2" accent3="accent3" accent4="accent4" accent5="accent5" accent6="accent6" hlink="hlink" folHlink="folHlink"/>
+  <p:sldLayoutIdLst>
+    <p:sldLayoutId id="2147483662" r:id="rId2"/>
+    <p:sldLayoutId id="2147483663" r:id="rId3"/>
+    <p:sldLayoutId id="2147483664" r:id="rId4"/>
+    <p:sldLayoutId id="2147483665" r:id="rId5"/>
+    <p:sldLayoutId id="2147483666" r:id="rId6"/>
+    <p:sldLayoutId id="2147483667" r:id="rId7"/>
+    <p:sldLayoutId id="2147483668" r:id="rId8"/>
+    <p:sldLayoutId id="2147483669" r:id="rId9"/>
+    <p:sldLayoutId id="2147483670" r:id="rId10"/>
+    <p:sldLayoutId id="2147483671" r:id="rId11"/>
+    <p:sldLayoutId id="2147483672" r:id="rId12"/>
+    <p:sldLayoutId id="2147483673" r:id="rId13"/>
   </p:sldLayoutIdLst>
 </p:sldMaster>
 </file>
@@ -2709,7 +5390,7 @@
       </p:grpSpPr>
       <p:sp>
         <p:nvSpPr>
-          <p:cNvPr id="41" name="PlaceHolder 1"/>
+          <p:cNvPr id="82" name="PlaceHolder 1"/>
           <p:cNvSpPr>
             <a:spLocks noGrp="1"/>
           </p:cNvSpPr>
@@ -2720,7 +5401,7 @@
         <p:spPr>
           <a:xfrm>
             <a:off x="504000" y="226080"/>
-            <a:ext cx="9071640" cy="946440"/>
+            <a:ext cx="9071280" cy="946080"/>
           </a:xfrm>
           <a:prstGeom prst="rect">
             <a:avLst/>
@@ -2736,6 +5417,9 @@
           </a:bodyPr>
           <a:p>
             <a:pPr algn="ctr">
+              <a:lnSpc>
+                <a:spcPct val="100000"/>
+              </a:lnSpc>
               <a:buNone/>
             </a:pPr>
             <a:r>
@@ -2752,7 +5436,7 @@
       </p:sp>
       <p:sp>
         <p:nvSpPr>
-          <p:cNvPr id="42" name="PlaceHolder 2"/>
+          <p:cNvPr id="83" name="PlaceHolder 2"/>
           <p:cNvSpPr>
             <a:spLocks noGrp="1"/>
           </p:cNvSpPr>
@@ -2763,7 +5447,7 @@
         <p:spPr>
           <a:xfrm>
             <a:off x="504000" y="1326600"/>
-            <a:ext cx="9071640" cy="3288240"/>
+            <a:ext cx="9071280" cy="3287880"/>
           </a:xfrm>
           <a:prstGeom prst="rect">
             <a:avLst/>
@@ -2819,7 +5503,7 @@
       </p:grpSpPr>
       <p:sp>
         <p:nvSpPr>
-          <p:cNvPr id="43" name="PlaceHolder 1"/>
+          <p:cNvPr id="84" name="PlaceHolder 1"/>
           <p:cNvSpPr>
             <a:spLocks noGrp="1"/>
           </p:cNvSpPr>
@@ -2830,7 +5514,7 @@
         <p:spPr>
           <a:xfrm>
             <a:off x="504000" y="226080"/>
-            <a:ext cx="9071640" cy="946440"/>
+            <a:ext cx="9071280" cy="946080"/>
           </a:xfrm>
           <a:prstGeom prst="rect">
             <a:avLst/>
@@ -2856,7 +5540,7 @@
       </p:sp>
       <p:sp>
         <p:nvSpPr>
-          <p:cNvPr id="44" name="PlaceHolder 2"/>
+          <p:cNvPr id="85" name="PlaceHolder 2"/>
           <p:cNvSpPr>
             <a:spLocks noGrp="1"/>
           </p:cNvSpPr>
@@ -2867,7 +5551,7 @@
         <p:spPr>
           <a:xfrm>
             <a:off x="504000" y="1326600"/>
-            <a:ext cx="9071640" cy="3288240"/>
+            <a:ext cx="9071280" cy="3287880"/>
           </a:xfrm>
           <a:prstGeom prst="rect">
             <a:avLst/>
@@ -2883,6 +5567,9 @@
           </a:bodyPr>
           <a:p>
             <a:pPr marL="432000" indent="-324000">
+              <a:lnSpc>
+                <a:spcPct val="100000"/>
+              </a:lnSpc>
               <a:spcBef>
                 <a:spcPts val="1417"/>
               </a:spcBef>
@@ -2905,6 +5592,9 @@
           </a:p>
           <a:p>
             <a:pPr lvl="1" marL="864000" indent="-324000">
+              <a:lnSpc>
+                <a:spcPct val="100000"/>
+              </a:lnSpc>
               <a:spcBef>
                 <a:spcPts val="1134"/>
               </a:spcBef>
@@ -2912,7 +5602,7 @@
                 <a:srgbClr val="000000"/>
               </a:buClr>
               <a:buSzPct val="75000"/>
-              <a:buFont typeface="Symbol" charset="2"/>
+              <a:buFont typeface="Symbol"/>
               <a:buChar char=""/>
             </a:pPr>
             <a:r>
@@ -2927,6 +5617,9 @@
           </a:p>
           <a:p>
             <a:pPr marL="432000" indent="-324000">
+              <a:lnSpc>
+                <a:spcPct val="100000"/>
+              </a:lnSpc>
               <a:spcBef>
                 <a:spcPts val="1417"/>
               </a:spcBef>
@@ -2949,6 +5642,9 @@
           </a:p>
           <a:p>
             <a:pPr marL="432000" indent="-324000">
+              <a:lnSpc>
+                <a:spcPct val="100000"/>
+              </a:lnSpc>
               <a:spcBef>
                 <a:spcPts val="1417"/>
               </a:spcBef>
@@ -3003,7 +5699,7 @@
       </p:grpSpPr>
       <p:sp>
         <p:nvSpPr>
-          <p:cNvPr id="45" name="PlaceHolder 1"/>
+          <p:cNvPr id="86" name="PlaceHolder 1"/>
           <p:cNvSpPr>
             <a:spLocks noGrp="1"/>
           </p:cNvSpPr>
@@ -3014,7 +5710,7 @@
         <p:spPr>
           <a:xfrm>
             <a:off x="504000" y="226080"/>
-            <a:ext cx="9071640" cy="946440"/>
+            <a:ext cx="9071280" cy="946080"/>
           </a:xfrm>
           <a:prstGeom prst="rect">
             <a:avLst/>
@@ -3030,6 +5726,9 @@
           </a:bodyPr>
           <a:p>
             <a:pPr algn="ctr">
+              <a:lnSpc>
+                <a:spcPct val="100000"/>
+              </a:lnSpc>
               <a:buNone/>
             </a:pPr>
             <a:r>
@@ -3046,7 +5745,7 @@
       </p:sp>
       <p:pic>
         <p:nvPicPr>
-          <p:cNvPr id="46" name="" descr=""/>
+          <p:cNvPr id="87" name="" descr=""/>
           <p:cNvPicPr/>
           <p:nvPr/>
         </p:nvPicPr>
@@ -3057,7 +5756,7 @@
         <p:spPr>
           <a:xfrm>
             <a:off x="4903920" y="4835160"/>
-            <a:ext cx="4524120" cy="275760"/>
+            <a:ext cx="4523760" cy="275400"/>
           </a:xfrm>
           <a:prstGeom prst="rect">
             <a:avLst/>
@@ -3069,19 +5768,19 @@
       </p:pic>
       <p:pic>
         <p:nvPicPr>
-          <p:cNvPr id="47" name="" descr=""/>
+          <p:cNvPr id="88" name="" descr=""/>
           <p:cNvPicPr/>
           <p:nvPr/>
         </p:nvPicPr>
         <p:blipFill>
           <a:blip r:embed="rId2"/>
-          <a:srcRect l="0" t="0" r="66407" b="54168"/>
+          <a:srcRect l="0" t="0" r="66400" b="54159"/>
           <a:stretch/>
         </p:blipFill>
         <p:spPr>
           <a:xfrm>
             <a:off x="1064160" y="1269000"/>
-            <a:ext cx="2445120" cy="2598120"/>
+            <a:ext cx="2444760" cy="2597760"/>
           </a:xfrm>
           <a:prstGeom prst="rect">
             <a:avLst/>
@@ -3093,28 +5792,40 @@
       </p:pic>
       <p:sp>
         <p:nvSpPr>
-          <p:cNvPr id="48" name=""/>
-          <p:cNvSpPr txBox="1"/>
+          <p:cNvPr id="89" name=""/>
+          <p:cNvSpPr/>
           <p:nvPr/>
         </p:nvSpPr>
         <p:spPr>
           <a:xfrm>
             <a:off x="4954320" y="1828080"/>
-            <a:ext cx="4423680" cy="1370160"/>
-          </a:xfrm>
-          <a:prstGeom prst="rect">
-            <a:avLst/>
-          </a:prstGeom>
-          <a:noFill/>
-          <a:ln w="0">
-            <a:noFill/>
-          </a:ln>
-        </p:spPr>
+            <a:ext cx="4423320" cy="1369800"/>
+          </a:xfrm>
+          <a:prstGeom prst="rect">
+            <a:avLst/>
+          </a:prstGeom>
+          <a:noFill/>
+          <a:ln w="0">
+            <a:noFill/>
+          </a:ln>
+        </p:spPr>
+        <p:style>
+          <a:lnRef idx="0"/>
+          <a:fillRef idx="0"/>
+          <a:effectRef idx="0"/>
+          <a:fontRef idx="minor"/>
+        </p:style>
         <p:txBody>
           <a:bodyPr lIns="90000" rIns="90000" tIns="45000" bIns="45000" anchor="t">
             <a:noAutofit/>
           </a:bodyPr>
           <a:p>
+            <a:pPr>
+              <a:lnSpc>
+                <a:spcPct val="100000"/>
+              </a:lnSpc>
+              <a:buNone/>
+            </a:pPr>
             <a:r>
               <a:rPr b="0" lang="en-US" sz="1800" spc="-1" strike="noStrike">
                 <a:latin typeface="Arial"/>
@@ -3126,6 +5837,12 @@
             </a:endParaRPr>
           </a:p>
           <a:p>
+            <a:pPr>
+              <a:lnSpc>
+                <a:spcPct val="100000"/>
+              </a:lnSpc>
+              <a:buNone/>
+            </a:pPr>
             <a:r>
               <a:rPr b="0" lang="en-US" sz="1800" spc="-1" strike="noStrike">
                 <a:latin typeface="Arial"/>
@@ -3140,28 +5857,40 @@
       </p:sp>
       <p:sp>
         <p:nvSpPr>
-          <p:cNvPr id="49" name=""/>
-          <p:cNvSpPr txBox="1"/>
+          <p:cNvPr id="90" name=""/>
+          <p:cNvSpPr/>
           <p:nvPr/>
         </p:nvSpPr>
         <p:spPr>
           <a:xfrm>
             <a:off x="294120" y="4564080"/>
-            <a:ext cx="4423680" cy="346320"/>
-          </a:xfrm>
-          <a:prstGeom prst="rect">
-            <a:avLst/>
-          </a:prstGeom>
-          <a:noFill/>
-          <a:ln w="0">
-            <a:noFill/>
-          </a:ln>
-        </p:spPr>
+            <a:ext cx="4423320" cy="345960"/>
+          </a:xfrm>
+          <a:prstGeom prst="rect">
+            <a:avLst/>
+          </a:prstGeom>
+          <a:noFill/>
+          <a:ln w="0">
+            <a:noFill/>
+          </a:ln>
+        </p:spPr>
+        <p:style>
+          <a:lnRef idx="0"/>
+          <a:fillRef idx="0"/>
+          <a:effectRef idx="0"/>
+          <a:fontRef idx="minor"/>
+        </p:style>
         <p:txBody>
           <a:bodyPr lIns="90000" rIns="90000" tIns="45000" bIns="45000" anchor="t">
             <a:noAutofit/>
           </a:bodyPr>
           <a:p>
+            <a:pPr>
+              <a:lnSpc>
+                <a:spcPct val="100000"/>
+              </a:lnSpc>
+              <a:buNone/>
+            </a:pPr>
             <a:r>
               <a:rPr b="0" lang="en-US" sz="1800" spc="-1" strike="noStrike">
                 <a:latin typeface="Arial"/>
@@ -3206,7 +5935,7 @@
       </p:grpSpPr>
       <p:sp>
         <p:nvSpPr>
-          <p:cNvPr id="50" name="PlaceHolder 1"/>
+          <p:cNvPr id="91" name="PlaceHolder 1"/>
           <p:cNvSpPr>
             <a:spLocks noGrp="1"/>
           </p:cNvSpPr>
@@ -3217,7 +5946,7 @@
         <p:spPr>
           <a:xfrm>
             <a:off x="504000" y="226080"/>
-            <a:ext cx="9071640" cy="946440"/>
+            <a:ext cx="9071280" cy="946080"/>
           </a:xfrm>
           <a:prstGeom prst="rect">
             <a:avLst/>
@@ -3233,6 +5962,9 @@
           </a:bodyPr>
           <a:p>
             <a:pPr algn="ctr">
+              <a:lnSpc>
+                <a:spcPct val="100000"/>
+              </a:lnSpc>
               <a:buNone/>
             </a:pPr>
             <a:r>
@@ -3249,7 +5981,7 @@
       </p:sp>
       <p:sp>
         <p:nvSpPr>
-          <p:cNvPr id="51" name="PlaceHolder 2"/>
+          <p:cNvPr id="92" name="PlaceHolder 2"/>
           <p:cNvSpPr>
             <a:spLocks noGrp="1"/>
           </p:cNvSpPr>
@@ -3260,7 +5992,7 @@
         <p:spPr>
           <a:xfrm>
             <a:off x="504000" y="1326600"/>
-            <a:ext cx="9071640" cy="3288240"/>
+            <a:ext cx="9071280" cy="3287880"/>
           </a:xfrm>
           <a:prstGeom prst="rect">
             <a:avLst/>
@@ -3272,10 +6004,13 @@
         </p:spPr>
         <p:txBody>
           <a:bodyPr lIns="0" rIns="0" tIns="0" bIns="0" anchor="t">
-            <a:normAutofit/>
+            <a:normAutofit fontScale="97000"/>
           </a:bodyPr>
           <a:p>
             <a:pPr marL="432000" indent="-324000">
+              <a:lnSpc>
+                <a:spcPct val="100000"/>
+              </a:lnSpc>
               <a:spcBef>
                 <a:spcPts val="1417"/>
               </a:spcBef>
@@ -3298,6 +6033,9 @@
           </a:p>
           <a:p>
             <a:pPr lvl="1" marL="864000" indent="-324000">
+              <a:lnSpc>
+                <a:spcPct val="100000"/>
+              </a:lnSpc>
               <a:spcBef>
                 <a:spcPts val="1134"/>
               </a:spcBef>
@@ -3305,7 +6043,7 @@
                 <a:srgbClr val="000000"/>
               </a:buClr>
               <a:buSzPct val="75000"/>
-              <a:buFont typeface="Symbol" charset="2"/>
+              <a:buFont typeface="Symbol"/>
               <a:buChar char=""/>
             </a:pPr>
             <a:r>
@@ -3320,6 +6058,9 @@
           </a:p>
           <a:p>
             <a:pPr lvl="1" marL="864000" indent="-324000">
+              <a:lnSpc>
+                <a:spcPct val="100000"/>
+              </a:lnSpc>
               <a:spcBef>
                 <a:spcPts val="1134"/>
               </a:spcBef>
@@ -3327,7 +6068,7 @@
                 <a:srgbClr val="000000"/>
               </a:buClr>
               <a:buSzPct val="75000"/>
-              <a:buFont typeface="Symbol" charset="2"/>
+              <a:buFont typeface="Symbol"/>
               <a:buChar char=""/>
             </a:pPr>
             <a:r>
@@ -3342,6 +6083,9 @@
           </a:p>
           <a:p>
             <a:pPr marL="432000" indent="-324000">
+              <a:lnSpc>
+                <a:spcPct val="100000"/>
+              </a:lnSpc>
               <a:spcBef>
                 <a:spcPts val="1417"/>
               </a:spcBef>
@@ -3364,6 +6108,9 @@
           </a:p>
           <a:p>
             <a:pPr marL="432000" indent="-324000">
+              <a:lnSpc>
+                <a:spcPct val="100000"/>
+              </a:lnSpc>
               <a:spcBef>
                 <a:spcPts val="1417"/>
               </a:spcBef>
@@ -3385,16 +6132,14 @@
             </a:endParaRPr>
           </a:p>
           <a:p>
-            <a:pPr lvl="1" marL="864000" indent="-324000">
+            <a:pPr>
+              <a:lnSpc>
+                <a:spcPct val="100000"/>
+              </a:lnSpc>
               <a:spcBef>
-                <a:spcPts val="1134"/>
+                <a:spcPts val="1417"/>
               </a:spcBef>
-              <a:buClr>
-                <a:srgbClr val="000000"/>
-              </a:buClr>
-              <a:buSzPct val="75000"/>
-              <a:buFont typeface="Symbol" charset="2"/>
-              <a:buChar char=""/>
+              <a:buNone/>
             </a:pPr>
             <a:endParaRPr b="0" lang="en-US" sz="2800" spc="-1" strike="noStrike">
               <a:latin typeface="Arial"/>
@@ -3434,29 +6179,59 @@
       </p:grpSpPr>
       <p:sp>
         <p:nvSpPr>
-          <p:cNvPr id="52" name="PlaceHolder 1"/>
-          <p:cNvSpPr>
-            <a:spLocks noGrp="1"/>
-          </p:cNvSpPr>
-          <p:nvPr>
-            <p:ph type="title"/>
-          </p:nvPr>
-        </p:nvSpPr>
-        <p:spPr>
-          <a:xfrm>
-            <a:off x="504000" y="226080"/>
-            <a:ext cx="9071640" cy="946440"/>
-          </a:xfrm>
-          <a:prstGeom prst="rect">
-            <a:avLst/>
-          </a:prstGeom>
-          <a:noFill/>
-          <a:ln w="0">
-            <a:noFill/>
-          </a:ln>
-        </p:spPr>
-        <p:txBody>
-          <a:bodyPr lIns="0" rIns="0" tIns="0" bIns="0" anchor="ctr">
+          <p:cNvPr id="93" name=""/>
+          <p:cNvSpPr/>
+          <p:nvPr/>
+        </p:nvSpPr>
+        <p:spPr>
+          <a:xfrm>
+            <a:off x="2147400" y="958680"/>
+            <a:ext cx="2429280" cy="1387080"/>
+          </a:xfrm>
+          <a:custGeom>
+            <a:avLst/>
+            <a:gdLst/>
+            <a:ahLst/>
+            <a:rect l="l" t="t" r="r" b="b"/>
+            <a:pathLst>
+              <a:path w="37825" h="21600">
+                <a:moveTo>
+                  <a:pt x="3600" y="0"/>
+                </a:moveTo>
+                <a:arcTo wR="3600" hR="3600" stAng="16200000" swAng="-5400000"/>
+                <a:lnTo>
+                  <a:pt x="0" y="18000"/>
+                </a:lnTo>
+                <a:arcTo wR="3600" hR="3600" stAng="10800000" swAng="-5400000"/>
+                <a:lnTo>
+                  <a:pt x="34225" y="21600"/>
+                </a:lnTo>
+                <a:arcTo wR="12625" hR="3600" stAng="5400000" swAng="5400000"/>
+                <a:lnTo>
+                  <a:pt x="21600" y="3600"/>
+                </a:lnTo>
+                <a:arcTo wR="12625" hR="3600" stAng="10800000" swAng="5400000"/>
+                <a:close/>
+              </a:path>
+            </a:pathLst>
+          </a:custGeom>
+          <a:solidFill>
+            <a:srgbClr val="729fcf"/>
+          </a:solidFill>
+          <a:ln w="0">
+            <a:solidFill>
+              <a:srgbClr val="800000"/>
+            </a:solidFill>
+          </a:ln>
+        </p:spPr>
+        <p:style>
+          <a:lnRef idx="0"/>
+          <a:fillRef idx="0"/>
+          <a:effectRef idx="0"/>
+          <a:fontRef idx="minor"/>
+        </p:style>
+        <p:txBody>
+          <a:bodyPr lIns="0" rIns="90000" tIns="-9000" bIns="45000" anchor="t">
             <a:noAutofit/>
           </a:bodyPr>
           <a:p>
@@ -3464,12 +6239,1535 @@
               <a:buNone/>
             </a:pPr>
             <a:r>
+              <a:rPr b="0" lang="en-US" sz="1800" spc="-1" strike="noStrike">
+                <a:latin typeface="Arial"/>
+              </a:rPr>
+              <a:t>Repeat for each Chrom</a:t>
+            </a:r>
+            <a:endParaRPr b="0" lang="en-US" sz="1800" spc="-1" strike="noStrike">
+              <a:latin typeface="Arial"/>
+            </a:endParaRPr>
+          </a:p>
+        </p:txBody>
+      </p:sp>
+      <p:sp>
+        <p:nvSpPr>
+          <p:cNvPr id="94" name=""/>
+          <p:cNvSpPr/>
+          <p:nvPr/>
+        </p:nvSpPr>
+        <p:spPr>
+          <a:xfrm>
+            <a:off x="2371680" y="1623600"/>
+            <a:ext cx="1758240" cy="607320"/>
+          </a:xfrm>
+          <a:prstGeom prst="flowChartProcess">
+            <a:avLst/>
+          </a:prstGeom>
+          <a:solidFill>
+            <a:srgbClr val="ff0000"/>
+          </a:solidFill>
+          <a:ln w="0">
+            <a:solidFill>
+              <a:srgbClr val="000000"/>
+            </a:solidFill>
+          </a:ln>
+        </p:spPr>
+        <p:style>
+          <a:lnRef idx="0"/>
+          <a:fillRef idx="0"/>
+          <a:effectRef idx="0"/>
+          <a:fontRef idx="minor"/>
+        </p:style>
+        <p:txBody>
+          <a:bodyPr lIns="90000" rIns="90000" tIns="45000" bIns="45000" anchor="ctr">
+            <a:noAutofit/>
+          </a:bodyPr>
+          <a:p>
+            <a:pPr algn="ctr">
+              <a:buNone/>
+            </a:pPr>
+            <a:r>
+              <a:rPr b="0" lang="en-US" sz="1800" spc="-1" strike="noStrike">
+                <a:latin typeface="Arial"/>
+              </a:rPr>
+              <a:t>QC</a:t>
+            </a:r>
+            <a:endParaRPr b="0" lang="en-US" sz="1800" spc="-1" strike="noStrike">
+              <a:latin typeface="Arial"/>
+            </a:endParaRPr>
+          </a:p>
+          <a:p>
+            <a:pPr algn="ctr">
+              <a:buNone/>
+            </a:pPr>
+            <a:r>
+              <a:rPr b="0" lang="en-US" sz="1200" spc="-1" strike="noStrike">
+                <a:latin typeface="Arial"/>
+              </a:rPr>
+              <a:t>(convert to bed, missing, het, LD, MAF)</a:t>
+            </a:r>
+            <a:endParaRPr b="0" lang="en-US" sz="1200" spc="-1" strike="noStrike">
+              <a:latin typeface="Arial"/>
+            </a:endParaRPr>
+          </a:p>
+        </p:txBody>
+      </p:sp>
+      <p:sp>
+        <p:nvSpPr>
+          <p:cNvPr id="95" name="PlaceHolder 1"/>
+          <p:cNvSpPr>
+            <a:spLocks noGrp="1"/>
+          </p:cNvSpPr>
+          <p:nvPr>
+            <p:ph type="title"/>
+          </p:nvPr>
+        </p:nvSpPr>
+        <p:spPr>
+          <a:xfrm>
+            <a:off x="504000" y="0"/>
+            <a:ext cx="9071280" cy="946080"/>
+          </a:xfrm>
+          <a:prstGeom prst="rect">
+            <a:avLst/>
+          </a:prstGeom>
+          <a:noFill/>
+          <a:ln w="0">
+            <a:noFill/>
+          </a:ln>
+        </p:spPr>
+        <p:txBody>
+          <a:bodyPr lIns="0" rIns="0" tIns="0" bIns="0" anchor="ctr">
+            <a:noAutofit/>
+          </a:bodyPr>
+          <a:p>
+            <a:pPr algn="ctr">
+              <a:lnSpc>
+                <a:spcPct val="100000"/>
+              </a:lnSpc>
+              <a:buNone/>
+            </a:pPr>
+            <a:r>
               <a:rPr b="0" lang="en-US" sz="4400" spc="-1" strike="noStrike">
                 <a:latin typeface="Arial"/>
               </a:rPr>
               <a:t>Structure</a:t>
             </a:r>
             <a:endParaRPr b="0" lang="en-US" sz="4400" spc="-1" strike="noStrike">
+              <a:latin typeface="Arial"/>
+            </a:endParaRPr>
+          </a:p>
+        </p:txBody>
+      </p:sp>
+      <p:sp>
+        <p:nvSpPr>
+          <p:cNvPr id="96" name=""/>
+          <p:cNvSpPr/>
+          <p:nvPr/>
+        </p:nvSpPr>
+        <p:spPr>
+          <a:xfrm>
+            <a:off x="607320" y="1501920"/>
+            <a:ext cx="1342440" cy="409320"/>
+          </a:xfrm>
+          <a:prstGeom prst="flowChartInputOutput">
+            <a:avLst/>
+          </a:prstGeom>
+          <a:solidFill>
+            <a:srgbClr val="808080"/>
+          </a:solidFill>
+          <a:ln w="0">
+            <a:solidFill>
+              <a:srgbClr val="800000"/>
+            </a:solidFill>
+          </a:ln>
+        </p:spPr>
+        <p:style>
+          <a:lnRef idx="0"/>
+          <a:fillRef idx="0"/>
+          <a:effectRef idx="0"/>
+          <a:fontRef idx="minor"/>
+        </p:style>
+        <p:txBody>
+          <a:bodyPr lIns="90000" rIns="90000" tIns="45000" bIns="45000" anchor="ctr">
+            <a:noAutofit/>
+          </a:bodyPr>
+          <a:p>
+            <a:pPr algn="ctr">
+              <a:buNone/>
+            </a:pPr>
+            <a:r>
+              <a:rPr b="0" lang="en-US" sz="1800" spc="-1" strike="noStrike">
+                <a:latin typeface="Arial"/>
+              </a:rPr>
+              <a:t>Data</a:t>
+            </a:r>
+            <a:endParaRPr b="0" lang="en-US" sz="1800" spc="-1" strike="noStrike">
+              <a:latin typeface="Arial"/>
+            </a:endParaRPr>
+          </a:p>
+        </p:txBody>
+      </p:sp>
+      <p:sp>
+        <p:nvSpPr>
+          <p:cNvPr id="97" name=""/>
+          <p:cNvSpPr/>
+          <p:nvPr/>
+        </p:nvSpPr>
+        <p:spPr>
+          <a:xfrm>
+            <a:off x="4833000" y="1463760"/>
+            <a:ext cx="1144080" cy="441000"/>
+          </a:xfrm>
+          <a:prstGeom prst="flowChartProcess">
+            <a:avLst/>
+          </a:prstGeom>
+          <a:solidFill>
+            <a:srgbClr val="ff0000"/>
+          </a:solidFill>
+          <a:ln w="0">
+            <a:solidFill>
+              <a:srgbClr val="800000"/>
+            </a:solidFill>
+          </a:ln>
+        </p:spPr>
+        <p:style>
+          <a:lnRef idx="0"/>
+          <a:fillRef idx="0"/>
+          <a:effectRef idx="0"/>
+          <a:fontRef idx="minor"/>
+        </p:style>
+        <p:txBody>
+          <a:bodyPr lIns="90000" rIns="90000" tIns="45000" bIns="45000" anchor="ctr">
+            <a:noAutofit/>
+          </a:bodyPr>
+          <a:p>
+            <a:pPr algn="ctr">
+              <a:buNone/>
+            </a:pPr>
+            <a:r>
+              <a:rPr b="0" lang="en-US" sz="1800" spc="-1" strike="noStrike">
+                <a:latin typeface="Arial"/>
+              </a:rPr>
+              <a:t>Merge Chrom’s</a:t>
+            </a:r>
+            <a:endParaRPr b="0" lang="en-US" sz="1800" spc="-1" strike="noStrike">
+              <a:latin typeface="Arial"/>
+            </a:endParaRPr>
+          </a:p>
+        </p:txBody>
+      </p:sp>
+      <p:sp>
+        <p:nvSpPr>
+          <p:cNvPr id="98" name=""/>
+          <p:cNvSpPr/>
+          <p:nvPr/>
+        </p:nvSpPr>
+        <p:spPr>
+          <a:xfrm>
+            <a:off x="6482160" y="1299960"/>
+            <a:ext cx="1598400" cy="739080"/>
+          </a:xfrm>
+          <a:prstGeom prst="flowChartProcess">
+            <a:avLst/>
+          </a:prstGeom>
+          <a:solidFill>
+            <a:srgbClr val="ff0000"/>
+          </a:solidFill>
+          <a:ln w="0">
+            <a:solidFill>
+              <a:srgbClr val="800000"/>
+            </a:solidFill>
+          </a:ln>
+        </p:spPr>
+        <p:style>
+          <a:lnRef idx="0"/>
+          <a:fillRef idx="0"/>
+          <a:effectRef idx="0"/>
+          <a:fontRef idx="minor"/>
+        </p:style>
+        <p:txBody>
+          <a:bodyPr lIns="90000" rIns="90000" tIns="45000" bIns="45000" anchor="ctr">
+            <a:noAutofit/>
+          </a:bodyPr>
+          <a:p>
+            <a:pPr algn="ctr">
+              <a:buNone/>
+            </a:pPr>
+            <a:r>
+              <a:rPr b="0" lang="en-US" sz="1800" spc="-1" strike="noStrike">
+                <a:latin typeface="Arial"/>
+              </a:rPr>
+              <a:t>Project onto PC space</a:t>
+            </a:r>
+            <a:endParaRPr b="0" lang="en-US" sz="1800" spc="-1" strike="noStrike">
+              <a:latin typeface="Arial"/>
+            </a:endParaRPr>
+          </a:p>
+        </p:txBody>
+      </p:sp>
+      <p:sp>
+        <p:nvSpPr>
+          <p:cNvPr id="99" name=""/>
+          <p:cNvSpPr/>
+          <p:nvPr/>
+        </p:nvSpPr>
+        <p:spPr>
+          <a:xfrm>
+            <a:off x="6456600" y="2397240"/>
+            <a:ext cx="2262960" cy="1361520"/>
+          </a:xfrm>
+          <a:prstGeom prst="flowChartDecision">
+            <a:avLst/>
+          </a:prstGeom>
+          <a:solidFill>
+            <a:srgbClr val="ff0000"/>
+          </a:solidFill>
+          <a:ln w="0">
+            <a:solidFill>
+              <a:srgbClr val="800000"/>
+            </a:solidFill>
+          </a:ln>
+        </p:spPr>
+        <p:style>
+          <a:lnRef idx="0"/>
+          <a:fillRef idx="0"/>
+          <a:effectRef idx="0"/>
+          <a:fontRef idx="minor"/>
+        </p:style>
+        <p:txBody>
+          <a:bodyPr lIns="90000" rIns="90000" tIns="45000" bIns="45000" anchor="ctr">
+            <a:noAutofit/>
+          </a:bodyPr>
+          <a:p>
+            <a:pPr algn="ctr">
+              <a:buNone/>
+            </a:pPr>
+            <a:r>
+              <a:rPr b="0" lang="en-US" sz="1500" spc="-1" strike="noStrike">
+                <a:latin typeface="Arial"/>
+              </a:rPr>
+              <a:t>Knn or probabilistic clustering</a:t>
+            </a:r>
+            <a:endParaRPr b="0" lang="en-US" sz="1500" spc="-1" strike="noStrike">
+              <a:latin typeface="Arial"/>
+            </a:endParaRPr>
+          </a:p>
+        </p:txBody>
+      </p:sp>
+      <p:sp>
+        <p:nvSpPr>
+          <p:cNvPr id="100" name=""/>
+          <p:cNvSpPr/>
+          <p:nvPr/>
+        </p:nvSpPr>
+        <p:spPr>
+          <a:xfrm>
+            <a:off x="1598040" y="3081240"/>
+            <a:ext cx="1483200" cy="939600"/>
+          </a:xfrm>
+          <a:prstGeom prst="flowChartProcess">
+            <a:avLst/>
+          </a:prstGeom>
+          <a:solidFill>
+            <a:srgbClr val="ff0000"/>
+          </a:solidFill>
+          <a:ln w="0">
+            <a:solidFill>
+              <a:srgbClr val="800000"/>
+            </a:solidFill>
+          </a:ln>
+        </p:spPr>
+        <p:style>
+          <a:lnRef idx="0"/>
+          <a:fillRef idx="0"/>
+          <a:effectRef idx="0"/>
+          <a:fontRef idx="minor"/>
+        </p:style>
+        <p:txBody>
+          <a:bodyPr lIns="90000" rIns="90000" tIns="45000" bIns="45000" anchor="ctr">
+            <a:noAutofit/>
+          </a:bodyPr>
+          <a:p>
+            <a:pPr algn="ctr">
+              <a:buNone/>
+            </a:pPr>
+            <a:r>
+              <a:rPr b="0" lang="en-US" sz="1600" spc="-1" strike="noStrike">
+                <a:latin typeface="Arial"/>
+              </a:rPr>
+              <a:t>PCRelate and GRM select unrelated</a:t>
+            </a:r>
+            <a:endParaRPr b="0" lang="en-US" sz="1600" spc="-1" strike="noStrike">
+              <a:latin typeface="Arial"/>
+            </a:endParaRPr>
+          </a:p>
+        </p:txBody>
+      </p:sp>
+      <p:sp>
+        <p:nvSpPr>
+          <p:cNvPr id="101" name=""/>
+          <p:cNvSpPr/>
+          <p:nvPr/>
+        </p:nvSpPr>
+        <p:spPr>
+          <a:xfrm>
+            <a:off x="1777320" y="1738440"/>
+            <a:ext cx="370080" cy="0"/>
+          </a:xfrm>
+          <a:prstGeom prst="line">
+            <a:avLst/>
+          </a:prstGeom>
+          <a:ln w="0">
+            <a:solidFill>
+              <a:srgbClr val="000000"/>
+            </a:solidFill>
+          </a:ln>
+        </p:spPr>
+        <p:style>
+          <a:lnRef idx="0"/>
+          <a:fillRef idx="0"/>
+          <a:effectRef idx="0"/>
+          <a:fontRef idx="minor"/>
+        </p:style>
+      </p:sp>
+      <p:sp>
+        <p:nvSpPr>
+          <p:cNvPr id="102" name=""/>
+          <p:cNvSpPr/>
+          <p:nvPr/>
+        </p:nvSpPr>
+        <p:spPr>
+          <a:xfrm>
+            <a:off x="4576680" y="1706400"/>
+            <a:ext cx="370080" cy="0"/>
+          </a:xfrm>
+          <a:prstGeom prst="line">
+            <a:avLst/>
+          </a:prstGeom>
+          <a:ln w="0">
+            <a:solidFill>
+              <a:srgbClr val="000000"/>
+            </a:solidFill>
+          </a:ln>
+        </p:spPr>
+        <p:style>
+          <a:lnRef idx="0"/>
+          <a:fillRef idx="0"/>
+          <a:effectRef idx="0"/>
+          <a:fontRef idx="minor"/>
+        </p:style>
+      </p:sp>
+      <p:sp>
+        <p:nvSpPr>
+          <p:cNvPr id="103" name=""/>
+          <p:cNvSpPr/>
+          <p:nvPr/>
+        </p:nvSpPr>
+        <p:spPr>
+          <a:xfrm flipV="1">
+            <a:off x="1854000" y="2179800"/>
+            <a:ext cx="345240" cy="255240"/>
+          </a:xfrm>
+          <a:prstGeom prst="line">
+            <a:avLst/>
+          </a:prstGeom>
+          <a:ln w="0">
+            <a:solidFill>
+              <a:srgbClr val="000000"/>
+            </a:solidFill>
+          </a:ln>
+        </p:spPr>
+        <p:style>
+          <a:lnRef idx="0"/>
+          <a:fillRef idx="0"/>
+          <a:effectRef idx="0"/>
+          <a:fontRef idx="minor"/>
+        </p:style>
+      </p:sp>
+      <p:sp>
+        <p:nvSpPr>
+          <p:cNvPr id="104" name=""/>
+          <p:cNvSpPr/>
+          <p:nvPr/>
+        </p:nvSpPr>
+        <p:spPr>
+          <a:xfrm>
+            <a:off x="3151800" y="3490200"/>
+            <a:ext cx="370080" cy="0"/>
+          </a:xfrm>
+          <a:prstGeom prst="line">
+            <a:avLst/>
+          </a:prstGeom>
+          <a:ln w="0">
+            <a:solidFill>
+              <a:srgbClr val="000000"/>
+            </a:solidFill>
+          </a:ln>
+        </p:spPr>
+        <p:style>
+          <a:lnRef idx="0"/>
+          <a:fillRef idx="0"/>
+          <a:effectRef idx="0"/>
+          <a:fontRef idx="minor"/>
+        </p:style>
+      </p:sp>
+      <p:sp>
+        <p:nvSpPr>
+          <p:cNvPr id="105" name=""/>
+          <p:cNvSpPr/>
+          <p:nvPr/>
+        </p:nvSpPr>
+        <p:spPr>
+          <a:xfrm>
+            <a:off x="6041160" y="3080880"/>
+            <a:ext cx="370080" cy="0"/>
+          </a:xfrm>
+          <a:prstGeom prst="line">
+            <a:avLst/>
+          </a:prstGeom>
+          <a:ln w="0">
+            <a:solidFill>
+              <a:srgbClr val="000000"/>
+            </a:solidFill>
+          </a:ln>
+        </p:spPr>
+        <p:style>
+          <a:lnRef idx="0"/>
+          <a:fillRef idx="0"/>
+          <a:effectRef idx="0"/>
+          <a:fontRef idx="minor"/>
+        </p:style>
+      </p:sp>
+      <p:sp>
+        <p:nvSpPr>
+          <p:cNvPr id="106" name=""/>
+          <p:cNvSpPr/>
+          <p:nvPr/>
+        </p:nvSpPr>
+        <p:spPr>
+          <a:xfrm>
+            <a:off x="7594560" y="2039040"/>
+            <a:ext cx="5760" cy="358200"/>
+          </a:xfrm>
+          <a:prstGeom prst="line">
+            <a:avLst/>
+          </a:prstGeom>
+          <a:ln w="0">
+            <a:solidFill>
+              <a:srgbClr val="000000"/>
+            </a:solidFill>
+          </a:ln>
+        </p:spPr>
+        <p:style>
+          <a:lnRef idx="0"/>
+          <a:fillRef idx="0"/>
+          <a:effectRef idx="0"/>
+          <a:fontRef idx="minor"/>
+        </p:style>
+      </p:sp>
+      <p:sp>
+        <p:nvSpPr>
+          <p:cNvPr id="107" name=""/>
+          <p:cNvSpPr/>
+          <p:nvPr/>
+        </p:nvSpPr>
+        <p:spPr>
+          <a:xfrm flipV="1">
+            <a:off x="5977080" y="1706760"/>
+            <a:ext cx="505080" cy="12240"/>
+          </a:xfrm>
+          <a:prstGeom prst="line">
+            <a:avLst/>
+          </a:prstGeom>
+          <a:ln w="0">
+            <a:solidFill>
+              <a:srgbClr val="000000"/>
+            </a:solidFill>
+          </a:ln>
+        </p:spPr>
+        <p:style>
+          <a:lnRef idx="0"/>
+          <a:fillRef idx="0"/>
+          <a:effectRef idx="0"/>
+          <a:fontRef idx="minor"/>
+        </p:style>
+      </p:sp>
+      <p:sp>
+        <p:nvSpPr>
+          <p:cNvPr id="108" name=""/>
+          <p:cNvSpPr/>
+          <p:nvPr/>
+        </p:nvSpPr>
+        <p:spPr>
+          <a:xfrm>
+            <a:off x="3579840" y="2703960"/>
+            <a:ext cx="2429280" cy="1387080"/>
+          </a:xfrm>
+          <a:custGeom>
+            <a:avLst/>
+            <a:gdLst/>
+            <a:ahLst/>
+            <a:rect l="l" t="t" r="r" b="b"/>
+            <a:pathLst>
+              <a:path w="37825" h="21600">
+                <a:moveTo>
+                  <a:pt x="3600" y="0"/>
+                </a:moveTo>
+                <a:arcTo wR="3600" hR="3600" stAng="16200000" swAng="-5400000"/>
+                <a:lnTo>
+                  <a:pt x="0" y="18000"/>
+                </a:lnTo>
+                <a:arcTo wR="3600" hR="3600" stAng="10800000" swAng="-5400000"/>
+                <a:lnTo>
+                  <a:pt x="34225" y="21600"/>
+                </a:lnTo>
+                <a:arcTo wR="12625" hR="3600" stAng="5400000" swAng="5400000"/>
+                <a:lnTo>
+                  <a:pt x="21600" y="3600"/>
+                </a:lnTo>
+                <a:arcTo wR="12625" hR="3600" stAng="10800000" swAng="5400000"/>
+                <a:close/>
+              </a:path>
+            </a:pathLst>
+          </a:custGeom>
+          <a:solidFill>
+            <a:srgbClr val="729fcf"/>
+          </a:solidFill>
+          <a:ln w="0">
+            <a:solidFill>
+              <a:srgbClr val="800000"/>
+            </a:solidFill>
+          </a:ln>
+        </p:spPr>
+        <p:style>
+          <a:lnRef idx="0"/>
+          <a:fillRef idx="0"/>
+          <a:effectRef idx="0"/>
+          <a:fontRef idx="minor"/>
+        </p:style>
+        <p:txBody>
+          <a:bodyPr lIns="0" rIns="90000" tIns="-9000" bIns="45000" anchor="t">
+            <a:noAutofit/>
+          </a:bodyPr>
+          <a:p>
+            <a:pPr algn="ctr">
+              <a:buNone/>
+            </a:pPr>
+            <a:r>
+              <a:rPr b="0" lang="en-US" sz="1800" spc="-1" strike="noStrike">
+                <a:latin typeface="Arial"/>
+              </a:rPr>
+              <a:t>Repeat for each Chrom</a:t>
+            </a:r>
+            <a:endParaRPr b="0" lang="en-US" sz="1800" spc="-1" strike="noStrike">
+              <a:latin typeface="Arial"/>
+            </a:endParaRPr>
+          </a:p>
+        </p:txBody>
+      </p:sp>
+      <p:sp>
+        <p:nvSpPr>
+          <p:cNvPr id="109" name=""/>
+          <p:cNvSpPr/>
+          <p:nvPr/>
+        </p:nvSpPr>
+        <p:spPr>
+          <a:xfrm>
+            <a:off x="3804120" y="3368880"/>
+            <a:ext cx="1758240" cy="607320"/>
+          </a:xfrm>
+          <a:prstGeom prst="flowChartProcess">
+            <a:avLst/>
+          </a:prstGeom>
+          <a:solidFill>
+            <a:srgbClr val="ff0000"/>
+          </a:solidFill>
+          <a:ln w="0">
+            <a:solidFill>
+              <a:srgbClr val="800000"/>
+            </a:solidFill>
+          </a:ln>
+        </p:spPr>
+        <p:style>
+          <a:lnRef idx="0"/>
+          <a:fillRef idx="0"/>
+          <a:effectRef idx="0"/>
+          <a:fontRef idx="minor"/>
+        </p:style>
+        <p:txBody>
+          <a:bodyPr lIns="90000" rIns="90000" tIns="45000" bIns="45000" anchor="ctr">
+            <a:noAutofit/>
+          </a:bodyPr>
+          <a:p>
+            <a:pPr algn="ctr">
+              <a:buNone/>
+            </a:pPr>
+            <a:r>
+              <a:rPr b="0" lang="en-US" sz="1800" spc="-1" strike="noStrike">
+                <a:latin typeface="Arial"/>
+              </a:rPr>
+              <a:t>QC</a:t>
+            </a:r>
+            <a:endParaRPr b="0" lang="en-US" sz="1800" spc="-1" strike="noStrike">
+              <a:latin typeface="Arial"/>
+            </a:endParaRPr>
+          </a:p>
+          <a:p>
+            <a:pPr algn="ctr">
+              <a:buNone/>
+            </a:pPr>
+            <a:r>
+              <a:rPr b="0" lang="en-US" sz="1200" spc="-1" strike="noStrike">
+                <a:latin typeface="Arial"/>
+              </a:rPr>
+              <a:t>(convert to bed, missing, het, LD, MAF)</a:t>
+            </a:r>
+            <a:endParaRPr b="0" lang="en-US" sz="1200" spc="-1" strike="noStrike">
+              <a:latin typeface="Arial"/>
+            </a:endParaRPr>
+          </a:p>
+        </p:txBody>
+      </p:sp>
+      <p:sp>
+        <p:nvSpPr>
+          <p:cNvPr id="110" name=""/>
+          <p:cNvSpPr/>
+          <p:nvPr/>
+        </p:nvSpPr>
+        <p:spPr>
+          <a:xfrm>
+            <a:off x="230040" y="3387960"/>
+            <a:ext cx="1253160" cy="447480"/>
+          </a:xfrm>
+          <a:prstGeom prst="flowChartInputOutput">
+            <a:avLst/>
+          </a:prstGeom>
+          <a:solidFill>
+            <a:srgbClr val="808080"/>
+          </a:solidFill>
+          <a:ln w="0">
+            <a:solidFill>
+              <a:srgbClr val="800000"/>
+            </a:solidFill>
+          </a:ln>
+        </p:spPr>
+        <p:style>
+          <a:lnRef idx="0"/>
+          <a:fillRef idx="0"/>
+          <a:effectRef idx="0"/>
+          <a:fontRef idx="minor"/>
+        </p:style>
+        <p:txBody>
+          <a:bodyPr lIns="90000" rIns="90000" tIns="45000" bIns="45000" anchor="ctr">
+            <a:noAutofit/>
+          </a:bodyPr>
+          <a:p>
+            <a:pPr algn="ctr">
+              <a:buNone/>
+            </a:pPr>
+            <a:r>
+              <a:rPr b="0" lang="en-US" sz="1500" spc="-1" strike="noStrike">
+                <a:latin typeface="Arial"/>
+              </a:rPr>
+              <a:t>Output</a:t>
+            </a:r>
+            <a:endParaRPr b="0" lang="en-US" sz="1500" spc="-1" strike="noStrike">
+              <a:latin typeface="Arial"/>
+            </a:endParaRPr>
+          </a:p>
+        </p:txBody>
+      </p:sp>
+      <p:sp>
+        <p:nvSpPr>
+          <p:cNvPr id="111" name=""/>
+          <p:cNvSpPr/>
+          <p:nvPr/>
+        </p:nvSpPr>
+        <p:spPr>
+          <a:xfrm>
+            <a:off x="3349800" y="4404240"/>
+            <a:ext cx="946080" cy="1042200"/>
+          </a:xfrm>
+          <a:prstGeom prst="flowChartDocument">
+            <a:avLst/>
+          </a:prstGeom>
+          <a:solidFill>
+            <a:srgbClr val="ffff00"/>
+          </a:solidFill>
+          <a:ln w="0">
+            <a:solidFill>
+              <a:srgbClr val="800000"/>
+            </a:solidFill>
+          </a:ln>
+        </p:spPr>
+        <p:style>
+          <a:lnRef idx="0"/>
+          <a:fillRef idx="0"/>
+          <a:effectRef idx="0"/>
+          <a:fontRef idx="minor"/>
+        </p:style>
+        <p:txBody>
+          <a:bodyPr lIns="90000" rIns="90000" tIns="45000" bIns="45000" anchor="ctr">
+            <a:noAutofit/>
+          </a:bodyPr>
+          <a:p>
+            <a:pPr algn="ctr">
+              <a:buNone/>
+            </a:pPr>
+            <a:r>
+              <a:rPr b="0" lang="en-US" sz="1800" spc="-1" strike="noStrike">
+                <a:latin typeface="Arial"/>
+              </a:rPr>
+              <a:t>Report</a:t>
+            </a:r>
+            <a:endParaRPr b="0" lang="en-US" sz="1800" spc="-1" strike="noStrike">
+              <a:latin typeface="Arial"/>
+            </a:endParaRPr>
+          </a:p>
+        </p:txBody>
+      </p:sp>
+      <p:sp>
+        <p:nvSpPr>
+          <p:cNvPr id="112" name=""/>
+          <p:cNvSpPr/>
+          <p:nvPr/>
+        </p:nvSpPr>
+        <p:spPr>
+          <a:xfrm>
+            <a:off x="8476560" y="1172160"/>
+            <a:ext cx="1355400" cy="994680"/>
+          </a:xfrm>
+          <a:prstGeom prst="flowChartDisplay">
+            <a:avLst/>
+          </a:prstGeom>
+          <a:solidFill>
+            <a:srgbClr val="ffff00"/>
+          </a:solidFill>
+          <a:ln w="0">
+            <a:solidFill>
+              <a:srgbClr val="800000"/>
+            </a:solidFill>
+          </a:ln>
+        </p:spPr>
+        <p:style>
+          <a:lnRef idx="0"/>
+          <a:fillRef idx="0"/>
+          <a:effectRef idx="0"/>
+          <a:fontRef idx="minor"/>
+        </p:style>
+        <p:txBody>
+          <a:bodyPr lIns="90000" rIns="90000" tIns="45000" bIns="45000" anchor="ctr">
+            <a:noAutofit/>
+          </a:bodyPr>
+          <a:p>
+            <a:pPr algn="ctr">
+              <a:buNone/>
+            </a:pPr>
+            <a:r>
+              <a:rPr b="0" lang="en-US" sz="1400" spc="-1" strike="noStrike">
+                <a:latin typeface="Arial"/>
+              </a:rPr>
+              <a:t>Projection plots</a:t>
+            </a:r>
+            <a:endParaRPr b="0" lang="en-US" sz="1400" spc="-1" strike="noStrike">
+              <a:latin typeface="Arial"/>
+            </a:endParaRPr>
+          </a:p>
+        </p:txBody>
+      </p:sp>
+      <p:sp>
+        <p:nvSpPr>
+          <p:cNvPr id="113" name=""/>
+          <p:cNvSpPr/>
+          <p:nvPr/>
+        </p:nvSpPr>
+        <p:spPr>
+          <a:xfrm>
+            <a:off x="7057440" y="4500000"/>
+            <a:ext cx="1310400" cy="568800"/>
+          </a:xfrm>
+          <a:prstGeom prst="flowChartInputOutput">
+            <a:avLst/>
+          </a:prstGeom>
+          <a:solidFill>
+            <a:srgbClr val="729fcf"/>
+          </a:solidFill>
+          <a:ln w="0">
+            <a:solidFill>
+              <a:srgbClr val="800000"/>
+            </a:solidFill>
+          </a:ln>
+        </p:spPr>
+        <p:style>
+          <a:lnRef idx="0"/>
+          <a:fillRef idx="0"/>
+          <a:effectRef idx="0"/>
+          <a:fontRef idx="minor"/>
+        </p:style>
+        <p:txBody>
+          <a:bodyPr lIns="90000" rIns="90000" tIns="45000" bIns="45000" anchor="ctr">
+            <a:noAutofit/>
+          </a:bodyPr>
+          <a:p>
+            <a:pPr algn="ctr">
+              <a:buNone/>
+            </a:pPr>
+            <a:r>
+              <a:rPr b="0" lang="en-US" sz="1300" spc="-1" strike="noStrike">
+                <a:latin typeface="Arial"/>
+              </a:rPr>
+              <a:t>cluste</a:t>
+            </a:r>
+            <a:r>
+              <a:rPr b="0" lang="en-US" sz="1300" spc="-1" strike="noStrike">
+                <a:latin typeface="Arial"/>
+              </a:rPr>
+              <a:t>r </a:t>
+            </a:r>
+            <a:r>
+              <a:rPr b="0" lang="en-US" sz="1300" spc="-1" strike="noStrike">
+                <a:latin typeface="Arial"/>
+              </a:rPr>
+              <a:t>labels</a:t>
+            </a:r>
+            <a:endParaRPr b="0" lang="en-US" sz="1300" spc="-1" strike="noStrike">
+              <a:latin typeface="Arial"/>
+            </a:endParaRPr>
+          </a:p>
+        </p:txBody>
+      </p:sp>
+      <p:sp>
+        <p:nvSpPr>
+          <p:cNvPr id="114" name=""/>
+          <p:cNvSpPr/>
+          <p:nvPr/>
+        </p:nvSpPr>
+        <p:spPr>
+          <a:xfrm>
+            <a:off x="473040" y="2301840"/>
+            <a:ext cx="1432080" cy="568800"/>
+          </a:xfrm>
+          <a:prstGeom prst="flowChartInputOutput">
+            <a:avLst/>
+          </a:prstGeom>
+          <a:solidFill>
+            <a:srgbClr val="ffff00"/>
+          </a:solidFill>
+          <a:ln w="0">
+            <a:solidFill>
+              <a:srgbClr val="800000"/>
+            </a:solidFill>
+          </a:ln>
+        </p:spPr>
+        <p:style>
+          <a:lnRef idx="0"/>
+          <a:fillRef idx="0"/>
+          <a:effectRef idx="0"/>
+          <a:fontRef idx="minor"/>
+        </p:style>
+        <p:txBody>
+          <a:bodyPr lIns="90000" rIns="90000" tIns="45000" bIns="45000" anchor="ctr">
+            <a:noAutofit/>
+          </a:bodyPr>
+          <a:p>
+            <a:pPr algn="ctr">
+              <a:buNone/>
+            </a:pPr>
+            <a:r>
+              <a:rPr b="0" lang="en-US" sz="1300" spc="-1" strike="noStrike">
+                <a:latin typeface="Arial"/>
+              </a:rPr>
+              <a:t># removed</a:t>
+            </a:r>
+            <a:endParaRPr b="0" lang="en-US" sz="1300" spc="-1" strike="noStrike">
+              <a:latin typeface="Arial"/>
+            </a:endParaRPr>
+          </a:p>
+        </p:txBody>
+      </p:sp>
+      <p:sp>
+        <p:nvSpPr>
+          <p:cNvPr id="115" name=""/>
+          <p:cNvSpPr/>
+          <p:nvPr/>
+        </p:nvSpPr>
+        <p:spPr>
+          <a:xfrm>
+            <a:off x="7057800" y="4500360"/>
+            <a:ext cx="1310400" cy="568800"/>
+          </a:xfrm>
+          <a:prstGeom prst="flowChartInputOutput">
+            <a:avLst/>
+          </a:prstGeom>
+          <a:solidFill>
+            <a:srgbClr val="808080"/>
+          </a:solidFill>
+          <a:ln w="0">
+            <a:solidFill>
+              <a:srgbClr val="800000"/>
+            </a:solidFill>
+          </a:ln>
+        </p:spPr>
+        <p:style>
+          <a:lnRef idx="0"/>
+          <a:fillRef idx="0"/>
+          <a:effectRef idx="0"/>
+          <a:fontRef idx="minor"/>
+        </p:style>
+        <p:txBody>
+          <a:bodyPr lIns="90000" rIns="90000" tIns="45000" bIns="45000" anchor="ctr">
+            <a:noAutofit/>
+          </a:bodyPr>
+          <a:p>
+            <a:pPr algn="ctr">
+              <a:buNone/>
+            </a:pPr>
+            <a:r>
+              <a:rPr b="0" lang="en-US" sz="1300" spc="-1" strike="noStrike">
+                <a:latin typeface="Arial"/>
+              </a:rPr>
+              <a:t>cluster labels</a:t>
+            </a:r>
+            <a:endParaRPr b="0" lang="en-US" sz="1300" spc="-1" strike="noStrike">
+              <a:latin typeface="Arial"/>
+            </a:endParaRPr>
+          </a:p>
+        </p:txBody>
+      </p:sp>
+      <p:sp>
+        <p:nvSpPr>
+          <p:cNvPr id="116" name=""/>
+          <p:cNvSpPr/>
+          <p:nvPr/>
+        </p:nvSpPr>
+        <p:spPr>
+          <a:xfrm>
+            <a:off x="1777320" y="2582280"/>
+            <a:ext cx="549720" cy="498960"/>
+          </a:xfrm>
+          <a:prstGeom prst="line">
+            <a:avLst/>
+          </a:prstGeom>
+          <a:ln w="0">
+            <a:solidFill>
+              <a:srgbClr val="000000"/>
+            </a:solidFill>
+          </a:ln>
+        </p:spPr>
+        <p:style>
+          <a:lnRef idx="0"/>
+          <a:fillRef idx="0"/>
+          <a:effectRef idx="0"/>
+          <a:fontRef idx="minor"/>
+        </p:style>
+      </p:sp>
+      <p:sp>
+        <p:nvSpPr>
+          <p:cNvPr id="117" name=""/>
+          <p:cNvSpPr/>
+          <p:nvPr/>
+        </p:nvSpPr>
+        <p:spPr>
+          <a:xfrm>
+            <a:off x="1796760" y="2537640"/>
+            <a:ext cx="1783080" cy="486000"/>
+          </a:xfrm>
+          <a:prstGeom prst="line">
+            <a:avLst/>
+          </a:prstGeom>
+          <a:ln w="0">
+            <a:solidFill>
+              <a:srgbClr val="000000"/>
+            </a:solidFill>
+          </a:ln>
+        </p:spPr>
+        <p:style>
+          <a:lnRef idx="0"/>
+          <a:fillRef idx="0"/>
+          <a:effectRef idx="0"/>
+          <a:fontRef idx="minor"/>
+        </p:style>
+      </p:sp>
+      <p:sp>
+        <p:nvSpPr>
+          <p:cNvPr id="118" name=""/>
+          <p:cNvSpPr/>
+          <p:nvPr/>
+        </p:nvSpPr>
+        <p:spPr>
+          <a:xfrm>
+            <a:off x="1291680" y="3630600"/>
+            <a:ext cx="370080" cy="0"/>
+          </a:xfrm>
+          <a:prstGeom prst="line">
+            <a:avLst/>
+          </a:prstGeom>
+          <a:ln w="0">
+            <a:solidFill>
+              <a:srgbClr val="000000"/>
+            </a:solidFill>
+          </a:ln>
+        </p:spPr>
+        <p:style>
+          <a:lnRef idx="0"/>
+          <a:fillRef idx="0"/>
+          <a:effectRef idx="0"/>
+          <a:fontRef idx="minor"/>
+        </p:style>
+      </p:sp>
+      <p:sp>
+        <p:nvSpPr>
+          <p:cNvPr id="119" name=""/>
+          <p:cNvSpPr/>
+          <p:nvPr/>
+        </p:nvSpPr>
+        <p:spPr>
+          <a:xfrm>
+            <a:off x="8080560" y="1674720"/>
+            <a:ext cx="370080" cy="0"/>
+          </a:xfrm>
+          <a:prstGeom prst="line">
+            <a:avLst/>
+          </a:prstGeom>
+          <a:ln w="0">
+            <a:solidFill>
+              <a:srgbClr val="000000"/>
+            </a:solidFill>
+          </a:ln>
+        </p:spPr>
+        <p:style>
+          <a:lnRef idx="0"/>
+          <a:fillRef idx="0"/>
+          <a:effectRef idx="0"/>
+          <a:fontRef idx="minor"/>
+        </p:style>
+      </p:sp>
+      <p:sp>
+        <p:nvSpPr>
+          <p:cNvPr id="120" name=""/>
+          <p:cNvSpPr/>
+          <p:nvPr/>
+        </p:nvSpPr>
+        <p:spPr>
+          <a:xfrm flipH="1">
+            <a:off x="7575480" y="3758760"/>
+            <a:ext cx="6480" cy="703080"/>
+          </a:xfrm>
+          <a:prstGeom prst="line">
+            <a:avLst/>
+          </a:prstGeom>
+          <a:ln w="0">
+            <a:solidFill>
+              <a:srgbClr val="000000"/>
+            </a:solidFill>
+          </a:ln>
+        </p:spPr>
+        <p:style>
+          <a:lnRef idx="0"/>
+          <a:fillRef idx="0"/>
+          <a:effectRef idx="0"/>
+          <a:fontRef idx="minor"/>
+        </p:style>
+      </p:sp>
+      <p:sp>
+        <p:nvSpPr>
+          <p:cNvPr id="121" name=""/>
+          <p:cNvSpPr/>
+          <p:nvPr/>
+        </p:nvSpPr>
+        <p:spPr>
+          <a:xfrm flipH="1">
+            <a:off x="0" y="2895840"/>
+            <a:ext cx="377280" cy="1623600"/>
+          </a:xfrm>
+          <a:prstGeom prst="line">
+            <a:avLst/>
+          </a:prstGeom>
+          <a:ln w="0">
+            <a:solidFill>
+              <a:srgbClr val="000000"/>
+            </a:solidFill>
+          </a:ln>
+        </p:spPr>
+        <p:style>
+          <a:lnRef idx="0"/>
+          <a:fillRef idx="0"/>
+          <a:effectRef idx="0"/>
+          <a:fontRef idx="minor"/>
+        </p:style>
+      </p:sp>
+      <p:sp>
+        <p:nvSpPr>
+          <p:cNvPr id="122" name=""/>
+          <p:cNvSpPr/>
+          <p:nvPr/>
+        </p:nvSpPr>
+        <p:spPr>
+          <a:xfrm flipH="1" flipV="1">
+            <a:off x="0" y="4519440"/>
+            <a:ext cx="3349800" cy="415440"/>
+          </a:xfrm>
+          <a:prstGeom prst="line">
+            <a:avLst/>
+          </a:prstGeom>
+          <a:ln w="0">
+            <a:solidFill>
+              <a:srgbClr val="000000"/>
+            </a:solidFill>
+          </a:ln>
+        </p:spPr>
+        <p:style>
+          <a:lnRef idx="0"/>
+          <a:fillRef idx="0"/>
+          <a:effectRef idx="0"/>
+          <a:fontRef idx="minor"/>
+        </p:style>
+      </p:sp>
+      <p:sp>
+        <p:nvSpPr>
+          <p:cNvPr id="123" name=""/>
+          <p:cNvSpPr/>
+          <p:nvPr/>
+        </p:nvSpPr>
+        <p:spPr>
+          <a:xfrm flipH="1" flipV="1">
+            <a:off x="4295880" y="4794120"/>
+            <a:ext cx="2761920" cy="274680"/>
+          </a:xfrm>
+          <a:prstGeom prst="line">
+            <a:avLst/>
+          </a:prstGeom>
+          <a:ln w="0">
+            <a:solidFill>
+              <a:srgbClr val="000000"/>
+            </a:solidFill>
+          </a:ln>
+        </p:spPr>
+        <p:style>
+          <a:lnRef idx="0"/>
+          <a:fillRef idx="0"/>
+          <a:effectRef idx="0"/>
+          <a:fontRef idx="minor"/>
+        </p:style>
+      </p:sp>
+      <p:sp>
+        <p:nvSpPr>
+          <p:cNvPr id="124" name=""/>
+          <p:cNvSpPr/>
+          <p:nvPr/>
+        </p:nvSpPr>
+        <p:spPr>
+          <a:xfrm flipH="1">
+            <a:off x="8227440" y="1937160"/>
+            <a:ext cx="1131480" cy="3515400"/>
+          </a:xfrm>
+          <a:prstGeom prst="line">
+            <a:avLst/>
+          </a:prstGeom>
+          <a:ln w="0">
+            <a:solidFill>
+              <a:srgbClr val="000000"/>
+            </a:solidFill>
+          </a:ln>
+        </p:spPr>
+        <p:style>
+          <a:lnRef idx="0"/>
+          <a:fillRef idx="0"/>
+          <a:effectRef idx="0"/>
+          <a:fontRef idx="minor"/>
+        </p:style>
+      </p:sp>
+      <p:sp>
+        <p:nvSpPr>
+          <p:cNvPr id="125" name=""/>
+          <p:cNvSpPr/>
+          <p:nvPr/>
+        </p:nvSpPr>
+        <p:spPr>
+          <a:xfrm>
+            <a:off x="5996160" y="4966920"/>
+            <a:ext cx="2231640" cy="486000"/>
+          </a:xfrm>
+          <a:prstGeom prst="line">
+            <a:avLst/>
+          </a:prstGeom>
+          <a:ln w="0">
+            <a:solidFill>
+              <a:srgbClr val="000000"/>
+            </a:solidFill>
+          </a:ln>
+        </p:spPr>
+        <p:style>
+          <a:lnRef idx="0"/>
+          <a:fillRef idx="0"/>
+          <a:effectRef idx="0"/>
+          <a:fontRef idx="minor"/>
+        </p:style>
+      </p:sp>
+      <p:sp>
+        <p:nvSpPr>
+          <p:cNvPr id="126" name=""/>
+          <p:cNvSpPr txBox="1"/>
+          <p:nvPr/>
+        </p:nvSpPr>
+        <p:spPr>
+          <a:xfrm>
+            <a:off x="115200" y="210600"/>
+            <a:ext cx="1987920" cy="858240"/>
+          </a:xfrm>
+          <a:prstGeom prst="rect">
+            <a:avLst/>
+          </a:prstGeom>
+          <a:noFill/>
+          <a:ln w="0">
+            <a:noFill/>
+          </a:ln>
+        </p:spPr>
+        <p:txBody>
+          <a:bodyPr lIns="90000" rIns="90000" tIns="45000" bIns="45000" anchor="t">
+            <a:noAutofit/>
+          </a:bodyPr>
+          <a:p>
+            <a:r>
+              <a:rPr b="0" lang="en-US" sz="1800" spc="-1" strike="noStrike">
+                <a:latin typeface="Arial"/>
+              </a:rPr>
+              <a:t>R</a:t>
+            </a:r>
+            <a:r>
+              <a:rPr b="0" lang="en-US" sz="1800" spc="-1" strike="noStrike">
+                <a:latin typeface="Arial"/>
+              </a:rPr>
+              <a:t>e</a:t>
+            </a:r>
+            <a:r>
+              <a:rPr b="0" lang="en-US" sz="1800" spc="-1" strike="noStrike">
+                <a:latin typeface="Arial"/>
+              </a:rPr>
+              <a:t>d</a:t>
+            </a:r>
+            <a:r>
+              <a:rPr b="0" lang="en-US" sz="1800" spc="-1" strike="noStrike">
+                <a:latin typeface="Arial"/>
+              </a:rPr>
+              <a:t> </a:t>
+            </a:r>
+            <a:r>
+              <a:rPr b="0" lang="en-US" sz="1800" spc="-1" strike="noStrike">
+                <a:latin typeface="Arial"/>
+              </a:rPr>
+              <a:t>=</a:t>
+            </a:r>
+            <a:r>
+              <a:rPr b="0" lang="en-US" sz="1800" spc="-1" strike="noStrike">
+                <a:latin typeface="Arial"/>
+              </a:rPr>
+              <a:t> </a:t>
+            </a:r>
+            <a:r>
+              <a:rPr b="0" lang="en-US" sz="1800" spc="-1" strike="noStrike">
+                <a:latin typeface="Arial"/>
+              </a:rPr>
+              <a:t>B</a:t>
+            </a:r>
+            <a:r>
+              <a:rPr b="0" lang="en-US" sz="1800" spc="-1" strike="noStrike">
+                <a:latin typeface="Arial"/>
+              </a:rPr>
+              <a:t>a</a:t>
+            </a:r>
+            <a:r>
+              <a:rPr b="0" lang="en-US" sz="1800" spc="-1" strike="noStrike">
+                <a:latin typeface="Arial"/>
+              </a:rPr>
+              <a:t>s</a:t>
+            </a:r>
+            <a:r>
+              <a:rPr b="0" lang="en-US" sz="1800" spc="-1" strike="noStrike">
+                <a:latin typeface="Arial"/>
+              </a:rPr>
+              <a:t>h</a:t>
+            </a:r>
+            <a:endParaRPr b="0" lang="en-US" sz="1800" spc="-1" strike="noStrike">
+              <a:latin typeface="Arial"/>
+            </a:endParaRPr>
+          </a:p>
+          <a:p>
+            <a:r>
+              <a:rPr b="0" lang="en-US" sz="1800" spc="-1" strike="noStrike">
+                <a:latin typeface="Arial"/>
+              </a:rPr>
+              <a:t>B</a:t>
+            </a:r>
+            <a:r>
+              <a:rPr b="0" lang="en-US" sz="1800" spc="-1" strike="noStrike">
+                <a:latin typeface="Arial"/>
+              </a:rPr>
+              <a:t>l</a:t>
+            </a:r>
+            <a:r>
+              <a:rPr b="0" lang="en-US" sz="1800" spc="-1" strike="noStrike">
+                <a:latin typeface="Arial"/>
+              </a:rPr>
+              <a:t>u</a:t>
+            </a:r>
+            <a:r>
+              <a:rPr b="0" lang="en-US" sz="1800" spc="-1" strike="noStrike">
+                <a:latin typeface="Arial"/>
+              </a:rPr>
+              <a:t>e</a:t>
+            </a:r>
+            <a:r>
+              <a:rPr b="0" lang="en-US" sz="1800" spc="-1" strike="noStrike">
+                <a:latin typeface="Arial"/>
+              </a:rPr>
+              <a:t> </a:t>
+            </a:r>
+            <a:r>
+              <a:rPr b="0" lang="en-US" sz="1800" spc="-1" strike="noStrike">
+                <a:latin typeface="Arial"/>
+              </a:rPr>
+              <a:t>=</a:t>
+            </a:r>
+            <a:r>
+              <a:rPr b="0" lang="en-US" sz="1800" spc="-1" strike="noStrike">
+                <a:latin typeface="Arial"/>
+              </a:rPr>
+              <a:t> </a:t>
+            </a:r>
+            <a:r>
+              <a:rPr b="0" lang="en-US" sz="1800" spc="-1" strike="noStrike">
+                <a:latin typeface="Arial"/>
+              </a:rPr>
+              <a:t>P</a:t>
+            </a:r>
+            <a:r>
+              <a:rPr b="0" lang="en-US" sz="1800" spc="-1" strike="noStrike">
+                <a:latin typeface="Arial"/>
+              </a:rPr>
+              <a:t>y</a:t>
+            </a:r>
+            <a:r>
+              <a:rPr b="0" lang="en-US" sz="1800" spc="-1" strike="noStrike">
+                <a:latin typeface="Arial"/>
+              </a:rPr>
+              <a:t>t</a:t>
+            </a:r>
+            <a:r>
+              <a:rPr b="0" lang="en-US" sz="1800" spc="-1" strike="noStrike">
+                <a:latin typeface="Arial"/>
+              </a:rPr>
+              <a:t>h</a:t>
+            </a:r>
+            <a:r>
+              <a:rPr b="0" lang="en-US" sz="1800" spc="-1" strike="noStrike">
+                <a:latin typeface="Arial"/>
+              </a:rPr>
+              <a:t>o</a:t>
+            </a:r>
+            <a:r>
+              <a:rPr b="0" lang="en-US" sz="1800" spc="-1" strike="noStrike">
+                <a:latin typeface="Arial"/>
+              </a:rPr>
+              <a:t>n</a:t>
+            </a:r>
+            <a:endParaRPr b="0" lang="en-US" sz="1800" spc="-1" strike="noStrike">
+              <a:latin typeface="Arial"/>
+            </a:endParaRPr>
+          </a:p>
+          <a:p>
+            <a:r>
+              <a:rPr b="0" lang="en-US" sz="1800" spc="-1" strike="noStrike">
+                <a:latin typeface="Arial"/>
+              </a:rPr>
+              <a:t>Y</a:t>
+            </a:r>
+            <a:r>
+              <a:rPr b="0" lang="en-US" sz="1800" spc="-1" strike="noStrike">
+                <a:latin typeface="Arial"/>
+              </a:rPr>
+              <a:t>e</a:t>
+            </a:r>
+            <a:r>
+              <a:rPr b="0" lang="en-US" sz="1800" spc="-1" strike="noStrike">
+                <a:latin typeface="Arial"/>
+              </a:rPr>
+              <a:t>l</a:t>
+            </a:r>
+            <a:r>
+              <a:rPr b="0" lang="en-US" sz="1800" spc="-1" strike="noStrike">
+                <a:latin typeface="Arial"/>
+              </a:rPr>
+              <a:t>l</a:t>
+            </a:r>
+            <a:r>
+              <a:rPr b="0" lang="en-US" sz="1800" spc="-1" strike="noStrike">
+                <a:latin typeface="Arial"/>
+              </a:rPr>
+              <a:t>o</a:t>
+            </a:r>
+            <a:r>
+              <a:rPr b="0" lang="en-US" sz="1800" spc="-1" strike="noStrike">
+                <a:latin typeface="Arial"/>
+              </a:rPr>
+              <a:t>w</a:t>
+            </a:r>
+            <a:r>
+              <a:rPr b="0" lang="en-US" sz="1800" spc="-1" strike="noStrike">
+                <a:latin typeface="Arial"/>
+              </a:rPr>
+              <a:t> </a:t>
+            </a:r>
+            <a:r>
+              <a:rPr b="0" lang="en-US" sz="1800" spc="-1" strike="noStrike">
+                <a:latin typeface="Arial"/>
+              </a:rPr>
+              <a:t>=</a:t>
+            </a:r>
+            <a:r>
+              <a:rPr b="0" lang="en-US" sz="1800" spc="-1" strike="noStrike">
+                <a:latin typeface="Arial"/>
+              </a:rPr>
+              <a:t> </a:t>
+            </a:r>
+            <a:r>
+              <a:rPr b="0" lang="en-US" sz="1800" spc="-1" strike="noStrike">
+                <a:latin typeface="Arial"/>
+              </a:rPr>
+              <a:t>Q</a:t>
+            </a:r>
+            <a:r>
+              <a:rPr b="0" lang="en-US" sz="1800" spc="-1" strike="noStrike">
+                <a:latin typeface="Arial"/>
+              </a:rPr>
+              <a:t>u</a:t>
+            </a:r>
+            <a:r>
+              <a:rPr b="0" lang="en-US" sz="1800" spc="-1" strike="noStrike">
+                <a:latin typeface="Arial"/>
+              </a:rPr>
+              <a:t>a</a:t>
+            </a:r>
+            <a:r>
+              <a:rPr b="0" lang="en-US" sz="1800" spc="-1" strike="noStrike">
+                <a:latin typeface="Arial"/>
+              </a:rPr>
+              <a:t>r</a:t>
+            </a:r>
+            <a:r>
+              <a:rPr b="0" lang="en-US" sz="1800" spc="-1" strike="noStrike">
+                <a:latin typeface="Arial"/>
+              </a:rPr>
+              <a:t>t</a:t>
+            </a:r>
+            <a:r>
+              <a:rPr b="0" lang="en-US" sz="1800" spc="-1" strike="noStrike">
+                <a:latin typeface="Arial"/>
+              </a:rPr>
+              <a:t>o</a:t>
+            </a:r>
+            <a:endParaRPr b="0" lang="en-US" sz="1800" spc="-1" strike="noStrike">
               <a:latin typeface="Arial"/>
             </a:endParaRPr>
           </a:p>
@@ -3712,4 +8010,230 @@
     </a:fmtScheme>
   </a:themeElements>
 </a:theme>
+</file>
+
+<file path=ppt/theme/theme2.xml><?xml version="1.0" encoding="utf-8"?>
+<a:theme xmlns:a="http://schemas.openxmlformats.org/drawingml/2006/main" name="Office Theme">
+  <a:themeElements>
+    <a:clrScheme name="Office">
+      <a:dk1>
+        <a:sysClr val="windowText" lastClr="000000"/>
+      </a:dk1>
+      <a:lt1>
+        <a:sysClr val="window" lastClr="FFFFFF"/>
+      </a:lt1>
+      <a:dk2>
+        <a:srgbClr val="1f497d"/>
+      </a:dk2>
+      <a:lt2>
+        <a:srgbClr val="eeece1"/>
+      </a:lt2>
+      <a:accent1>
+        <a:srgbClr val="4f81bd"/>
+      </a:accent1>
+      <a:accent2>
+        <a:srgbClr val="c0504d"/>
+      </a:accent2>
+      <a:accent3>
+        <a:srgbClr val="9bbb59"/>
+      </a:accent3>
+      <a:accent4>
+        <a:srgbClr val="8064a2"/>
+      </a:accent4>
+      <a:accent5>
+        <a:srgbClr val="4bacc6"/>
+      </a:accent5>
+      <a:accent6>
+        <a:srgbClr val="f79646"/>
+      </a:accent6>
+      <a:hlink>
+        <a:srgbClr val="0000ff"/>
+      </a:hlink>
+      <a:folHlink>
+        <a:srgbClr val="800080"/>
+      </a:folHlink>
+    </a:clrScheme>
+    <a:fontScheme name="Office">
+      <a:majorFont>
+        <a:latin typeface="Arial"/>
+        <a:ea typeface="DejaVu Sans"/>
+        <a:cs typeface="DejaVu Sans"/>
+      </a:majorFont>
+      <a:minorFont>
+        <a:latin typeface="Arial"/>
+        <a:ea typeface="DejaVu Sans"/>
+        <a:cs typeface="DejaVu Sans"/>
+      </a:minorFont>
+    </a:fontScheme>
+    <a:fmtScheme name="Office">
+      <a:fillStyleLst>
+        <a:solidFill>
+          <a:schemeClr val="phClr"/>
+        </a:solidFill>
+        <a:gradFill rotWithShape="1">
+          <a:gsLst>
+            <a:gs pos="0">
+              <a:schemeClr val="phClr">
+                <a:tint val="50000"/>
+                <a:satMod val="300000"/>
+              </a:schemeClr>
+            </a:gs>
+            <a:gs pos="35000">
+              <a:schemeClr val="phClr">
+                <a:tint val="37000"/>
+                <a:satMod val="300000"/>
+              </a:schemeClr>
+            </a:gs>
+            <a:gs pos="100000">
+              <a:schemeClr val="phClr">
+                <a:tint val="15000"/>
+                <a:satMod val="350000"/>
+              </a:schemeClr>
+            </a:gs>
+          </a:gsLst>
+          <a:lin ang="16200000" scaled="1"/>
+        </a:gradFill>
+        <a:gradFill rotWithShape="1">
+          <a:gsLst>
+            <a:gs pos="0">
+              <a:schemeClr val="phClr">
+                <a:shade val="51000"/>
+                <a:satMod val="130000"/>
+              </a:schemeClr>
+            </a:gs>
+            <a:gs pos="80000">
+              <a:schemeClr val="phClr">
+                <a:shade val="93000"/>
+                <a:satMod val="130000"/>
+              </a:schemeClr>
+            </a:gs>
+            <a:gs pos="100000">
+              <a:schemeClr val="phClr">
+                <a:shade val="94000"/>
+                <a:satMod val="135000"/>
+              </a:schemeClr>
+            </a:gs>
+          </a:gsLst>
+          <a:lin ang="16200000" scaled="0"/>
+        </a:gradFill>
+      </a:fillStyleLst>
+      <a:lnStyleLst>
+        <a:ln w="9525" cap="flat" cmpd="sng" algn="ctr">
+          <a:solidFill>
+            <a:schemeClr val="phClr">
+              <a:shade val="95000"/>
+              <a:satMod val="105000"/>
+            </a:schemeClr>
+          </a:solidFill>
+          <a:prstDash val="solid"/>
+          <a:miter/>
+        </a:ln>
+        <a:ln w="25400" cap="flat" cmpd="sng" algn="ctr">
+          <a:solidFill>
+            <a:schemeClr val="phClr"/>
+          </a:solidFill>
+          <a:prstDash val="solid"/>
+          <a:miter/>
+        </a:ln>
+        <a:ln w="38100" cap="flat" cmpd="sng" algn="ctr">
+          <a:solidFill>
+            <a:schemeClr val="phClr"/>
+          </a:solidFill>
+          <a:prstDash val="solid"/>
+          <a:miter/>
+        </a:ln>
+      </a:lnStyleLst>
+      <a:effectStyleLst>
+        <a:effectStyle>
+          <a:effectLst>
+            <a:outerShdw blurRad="40000" dist="20000" dir="5400000" rotWithShape="0">
+              <a:srgbClr val="000000">
+                <a:alpha val="38000"/>
+              </a:srgbClr>
+            </a:outerShdw>
+          </a:effectLst>
+        </a:effectStyle>
+        <a:effectStyle>
+          <a:effectLst>
+            <a:outerShdw blurRad="40000" dist="23000" dir="5400000" rotWithShape="0">
+              <a:srgbClr val="000000">
+                <a:alpha val="35000"/>
+              </a:srgbClr>
+            </a:outerShdw>
+          </a:effectLst>
+        </a:effectStyle>
+        <a:effectStyle>
+          <a:effectLst>
+            <a:outerShdw blurRad="40000" dist="23000" dir="5400000" rotWithShape="0">
+              <a:srgbClr val="000000">
+                <a:alpha val="35000"/>
+              </a:srgbClr>
+            </a:outerShdw>
+          </a:effectLst>
+          <a:scene3d>
+            <a:camera prst="orthographicFront">
+              <a:rot lat="0" lon="0" rev="0"/>
+            </a:camera>
+            <a:lightRig rig="threePt" dir="t">
+              <a:rot lat="0" lon="0" rev="1200000"/>
+            </a:lightRig>
+          </a:scene3d>
+          <a:sp3d>
+            <a:bevelT w="63500" h="25400"/>
+          </a:sp3d>
+        </a:effectStyle>
+      </a:effectStyleLst>
+      <a:bgFillStyleLst>
+        <a:solidFill>
+          <a:schemeClr val="phClr"/>
+        </a:solidFill>
+        <a:gradFill rotWithShape="1">
+          <a:gsLst>
+            <a:gs pos="0">
+              <a:schemeClr val="phClr">
+                <a:tint val="40000"/>
+                <a:satMod val="350000"/>
+              </a:schemeClr>
+            </a:gs>
+            <a:gs pos="40000">
+              <a:schemeClr val="phClr">
+                <a:tint val="45000"/>
+                <a:shade val="99000"/>
+                <a:satMod val="350000"/>
+              </a:schemeClr>
+            </a:gs>
+            <a:gs pos="100000">
+              <a:schemeClr val="phClr">
+                <a:shade val="20000"/>
+                <a:satMod val="255000"/>
+              </a:schemeClr>
+            </a:gs>
+          </a:gsLst>
+          <a:path path="circle">
+            <a:fillToRect l="50000" t="-80000" r="50000" b="180000"/>
+          </a:path>
+        </a:gradFill>
+        <a:gradFill rotWithShape="1">
+          <a:gsLst>
+            <a:gs pos="0">
+              <a:schemeClr val="phClr">
+                <a:tint val="80000"/>
+                <a:satMod val="300000"/>
+              </a:schemeClr>
+            </a:gs>
+            <a:gs pos="100000">
+              <a:schemeClr val="phClr">
+                <a:shade val="30000"/>
+                <a:satMod val="200000"/>
+              </a:schemeClr>
+            </a:gs>
+          </a:gsLst>
+          <a:path path="circle">
+            <a:fillToRect l="50000" t="50000" r="50000" b="50000"/>
+          </a:path>
+        </a:gradFill>
+      </a:bgFillStyleLst>
+    </a:fmtScheme>
+  </a:themeElements>
+</a:theme>
 </file>